--- a/MES_불량관리/MES_포트폴리오.pptx
+++ b/MES_불량관리/MES_포트폴리오.pptx
@@ -1,27 +1,27 @@
 
 <file path=ppt/presentation.xml><?xml version="1.0" encoding="utf-8"?>
-<p:presentation xmlns:a="http://schemas.openxmlformats.org/drawingml/2006/main" xmlns:r="http://schemas.openxmlformats.org/officeDocument/2006/relationships" xmlns:p="http://schemas.openxmlformats.org/presentationml/2006/main" xmlns:p14="http://schemas.microsoft.com/office/powerpoint/2010/main" saveSubsetFonts="1">
+<p:presentation xmlns:a="http://schemas.openxmlformats.org/drawingml/2006/main" xmlns:r="http://schemas.openxmlformats.org/officeDocument/2006/relationships" xmlns:p="http://schemas.openxmlformats.org/presentationml/2006/main" saveSubsetFonts="1">
   <p:sldMasterIdLst>
-    <p:sldMasterId id="2147483672" r:id="rId24"/>
-    <p:sldMasterId id="2147483673" r:id="rId26"/>
+    <p:sldMasterId id="2147483672" r:id="rId1"/>
+    <p:sldMasterId id="2147483673" r:id="rId2"/>
   </p:sldMasterIdLst>
   <p:sldIdLst>
-    <p:sldId id="256" r:id="rId28"/>
-    <p:sldId id="257" r:id="rId29"/>
-    <p:sldId id="278" r:id="rId30"/>
-    <p:sldId id="258" r:id="rId31"/>
-    <p:sldId id="259" r:id="rId32"/>
-    <p:sldId id="260" r:id="rId33"/>
-    <p:sldId id="272" r:id="rId34"/>
-    <p:sldId id="265" r:id="rId35"/>
-    <p:sldId id="266" r:id="rId36"/>
-    <p:sldId id="267" r:id="rId37"/>
-    <p:sldId id="268" r:id="rId38"/>
-    <p:sldId id="270" r:id="rId39"/>
-    <p:sldId id="269" r:id="rId40"/>
-    <p:sldId id="271" r:id="rId41"/>
-    <p:sldId id="277" r:id="rId42"/>
-    <p:sldId id="276" r:id="rId43"/>
+    <p:sldId id="256" r:id="rId3"/>
+    <p:sldId id="257" r:id="rId4"/>
+    <p:sldId id="278" r:id="rId5"/>
+    <p:sldId id="258" r:id="rId6"/>
+    <p:sldId id="259" r:id="rId7"/>
+    <p:sldId id="260" r:id="rId8"/>
+    <p:sldId id="272" r:id="rId9"/>
+    <p:sldId id="265" r:id="rId10"/>
+    <p:sldId id="266" r:id="rId11"/>
+    <p:sldId id="267" r:id="rId12"/>
+    <p:sldId id="268" r:id="rId13"/>
+    <p:sldId id="270" r:id="rId14"/>
+    <p:sldId id="269" r:id="rId15"/>
+    <p:sldId id="271" r:id="rId16"/>
+    <p:sldId id="277" r:id="rId17"/>
+    <p:sldId id="276" r:id="rId18"/>
   </p:sldIdLst>
   <p:sldSz cx="18288000" cy="10287000"/>
   <p:notesSz cx="10287000" cy="18288000"/>
@@ -123,12 +123,12 @@
   <p:extLst>
     <p:ext uri="{EFAFB233-063F-42B5-8137-9DF3F51BA10A}">
       <p15:sldGuideLst xmlns:p15="http://schemas.microsoft.com/office/powerpoint/2012/main">
-        <p15:guide id="1" orient="horz" pos="2158" userDrawn="0">
+        <p15:guide id="1" orient="horz" pos="2158">
           <p15:clr>
             <a:srgbClr val="A4A3A4"/>
           </p15:clr>
         </p15:guide>
-        <p15:guide id="2" pos="2878" userDrawn="0">
+        <p15:guide id="2" pos="2878">
           <p15:clr>
             <a:srgbClr val="A4A3A4"/>
           </p15:clr>
@@ -177,10 +177,9 @@
           <a:lstStyle/>
           <a:p>
             <a:r>
-              <a:rPr lang="en-US" smtClean="0"/>
+              <a:rPr lang="en-US"/>
               <a:t>Click to edit Master title style</a:t>
             </a:r>
-            <a:endParaRPr lang="en-US"/>
           </a:p>
         </p:txBody>
       </p:sp>
@@ -296,10 +295,9 @@
           </a:lstStyle>
           <a:p>
             <a:r>
-              <a:rPr lang="en-US" smtClean="0"/>
+              <a:rPr lang="en-US"/>
               <a:t>Click to edit Master subtitle style</a:t>
             </a:r>
-            <a:endParaRPr lang="en-US"/>
           </a:p>
         </p:txBody>
       </p:sp>
@@ -320,7 +318,7 @@
           <a:p>
             <a:fld id="{F8166F1F-CE9B-4651-A6AA-CD717754106B}" type="datetimeFigureOut">
               <a:rPr lang="en-US" smtClean="0"/>
-              <a:t>6/29/2023</a:t>
+              <a:t>8/31/2023</a:t>
             </a:fld>
             <a:endParaRPr lang="en-US"/>
           </a:p>
@@ -409,10 +407,9 @@
           <a:lstStyle/>
           <a:p>
             <a:r>
-              <a:rPr lang="en-US" smtClean="0"/>
+              <a:rPr lang="en-US"/>
               <a:t>Click to edit Master title style</a:t>
             </a:r>
-            <a:endParaRPr lang="en-US"/>
           </a:p>
         </p:txBody>
       </p:sp>
@@ -433,38 +430,37 @@
           <a:p>
             <a:pPr lvl="0"/>
             <a:r>
-              <a:rPr lang="en-US" smtClean="0"/>
+              <a:rPr lang="en-US"/>
               <a:t>Click to edit Master text styles</a:t>
             </a:r>
           </a:p>
           <a:p>
             <a:pPr lvl="1"/>
             <a:r>
-              <a:rPr lang="en-US" smtClean="0"/>
+              <a:rPr lang="en-US"/>
               <a:t>Second level</a:t>
             </a:r>
           </a:p>
           <a:p>
             <a:pPr lvl="2"/>
             <a:r>
-              <a:rPr lang="en-US" smtClean="0"/>
+              <a:rPr lang="en-US"/>
               <a:t>Third level</a:t>
             </a:r>
           </a:p>
           <a:p>
             <a:pPr lvl="3"/>
             <a:r>
-              <a:rPr lang="en-US" smtClean="0"/>
+              <a:rPr lang="en-US"/>
               <a:t>Fourth level</a:t>
             </a:r>
           </a:p>
           <a:p>
             <a:pPr lvl="4"/>
             <a:r>
-              <a:rPr lang="en-US" smtClean="0"/>
+              <a:rPr lang="en-US"/>
               <a:t>Fifth level</a:t>
             </a:r>
-            <a:endParaRPr lang="en-US"/>
           </a:p>
         </p:txBody>
       </p:sp>
@@ -485,7 +481,7 @@
           <a:p>
             <a:fld id="{A76116CE-C4A3-4A05-B2D7-7C2E9A889C0F}" type="datetimeFigureOut">
               <a:rPr lang="en-US" smtClean="0"/>
-              <a:t>6/29/2023</a:t>
+              <a:t>8/31/2023</a:t>
             </a:fld>
             <a:endParaRPr lang="en-US"/>
           </a:p>
@@ -579,10 +575,9 @@
           <a:lstStyle/>
           <a:p>
             <a:r>
-              <a:rPr lang="en-US" smtClean="0"/>
+              <a:rPr lang="en-US"/>
               <a:t>Click to edit Master title style</a:t>
             </a:r>
-            <a:endParaRPr lang="en-US"/>
           </a:p>
         </p:txBody>
       </p:sp>
@@ -608,38 +603,37 @@
           <a:p>
             <a:pPr lvl="0"/>
             <a:r>
-              <a:rPr lang="en-US" smtClean="0"/>
+              <a:rPr lang="en-US"/>
               <a:t>Click to edit Master text styles</a:t>
             </a:r>
           </a:p>
           <a:p>
             <a:pPr lvl="1"/>
             <a:r>
-              <a:rPr lang="en-US" smtClean="0"/>
+              <a:rPr lang="en-US"/>
               <a:t>Second level</a:t>
             </a:r>
           </a:p>
           <a:p>
             <a:pPr lvl="2"/>
             <a:r>
-              <a:rPr lang="en-US" smtClean="0"/>
+              <a:rPr lang="en-US"/>
               <a:t>Third level</a:t>
             </a:r>
           </a:p>
           <a:p>
             <a:pPr lvl="3"/>
             <a:r>
-              <a:rPr lang="en-US" smtClean="0"/>
+              <a:rPr lang="en-US"/>
               <a:t>Fourth level</a:t>
             </a:r>
           </a:p>
           <a:p>
             <a:pPr lvl="4"/>
             <a:r>
-              <a:rPr lang="en-US" smtClean="0"/>
+              <a:rPr lang="en-US"/>
               <a:t>Fifth level</a:t>
             </a:r>
-            <a:endParaRPr lang="en-US"/>
           </a:p>
         </p:txBody>
       </p:sp>
@@ -660,7 +654,7 @@
           <a:p>
             <a:fld id="{A76116CE-C4A3-4A05-B2D7-7C2E9A889C0F}" type="datetimeFigureOut">
               <a:rPr lang="en-US" smtClean="0"/>
-              <a:t>6/29/2023</a:t>
+              <a:t>8/31/2023</a:t>
             </a:fld>
             <a:endParaRPr lang="en-US"/>
           </a:p>
@@ -737,22 +731,24 @@
         <p:nvSpPr>
           <p:cNvPr id="2" name="Rect 0"/>
           <p:cNvSpPr txBox="1">
-            <a:spLocks/>
+            <a:spLocks noGrp="1"/>
           </p:cNvSpPr>
           <p:nvPr>
             <p:ph type="ctrTitle"/>
           </p:nvPr>
         </p:nvSpPr>
         <p:spPr>
-          <a:xfrm rot="0">
+          <a:xfrm>
             <a:off x="685800" y="2130425"/>
             <a:ext cx="7773035" cy="1470660"/>
           </a:xfrm>
-          <a:prstGeom prst="rect"/>
-        </p:spPr>
-        <p:txBody>
-          <a:bodyPr wrap="square" lIns="91440" tIns="45720" rIns="91440" bIns="45720" vert="horz" anchor="ctr">
-            <a:normAutofit fontScale="100000" lnSpcReduction="0"/>
+          <a:prstGeom prst="rect">
+            <a:avLst/>
+          </a:prstGeom>
+        </p:spPr>
+        <p:txBody>
+          <a:bodyPr vert="horz" wrap="square" lIns="91440" tIns="45720" rIns="91440" bIns="45720" anchor="ctr">
+            <a:normAutofit/>
           </a:bodyPr>
           <a:lstStyle/>
           <a:p>
@@ -774,22 +770,24 @@
         <p:nvSpPr>
           <p:cNvPr id="3" name="Rect 0"/>
           <p:cNvSpPr txBox="1">
-            <a:spLocks/>
+            <a:spLocks noGrp="1"/>
           </p:cNvSpPr>
           <p:nvPr>
             <p:ph type="subTitle"/>
           </p:nvPr>
         </p:nvSpPr>
         <p:spPr>
-          <a:xfrm rot="0">
+          <a:xfrm>
             <a:off x="1371600" y="3886200"/>
             <a:ext cx="6401435" cy="1753235"/>
           </a:xfrm>
-          <a:prstGeom prst="rect"/>
-        </p:spPr>
-        <p:txBody>
-          <a:bodyPr wrap="square" lIns="91440" tIns="45720" rIns="91440" bIns="45720" vert="horz" anchor="t">
-            <a:normAutofit fontScale="100000" lnSpcReduction="0"/>
+          <a:prstGeom prst="rect">
+            <a:avLst/>
+          </a:prstGeom>
+        </p:spPr>
+        <p:txBody>
+          <a:bodyPr vert="horz" wrap="square" lIns="91440" tIns="45720" rIns="91440" bIns="45720" anchor="t">
+            <a:normAutofit/>
           </a:bodyPr>
           <a:lstStyle/>
           <a:p>
@@ -811,21 +809,23 @@
         <p:nvSpPr>
           <p:cNvPr id="4" name="Rect 0"/>
           <p:cNvSpPr txBox="1">
-            <a:spLocks/>
+            <a:spLocks noGrp="1"/>
           </p:cNvSpPr>
           <p:nvPr>
             <p:ph type="dt"/>
           </p:nvPr>
         </p:nvSpPr>
         <p:spPr>
-          <a:xfrm rot="0">
+          <a:xfrm>
             <a:off x="457200" y="6356350"/>
             <a:ext cx="2134235" cy="365760"/>
           </a:xfrm>
-          <a:prstGeom prst="rect"/>
-        </p:spPr>
-        <p:txBody>
-          <a:bodyPr wrap="square" lIns="91440" tIns="45720" rIns="91440" bIns="45720" vert="horz" anchor="ctr">
+          <a:prstGeom prst="rect">
+            <a:avLst/>
+          </a:prstGeom>
+        </p:spPr>
+        <p:txBody>
+          <a:bodyPr vert="horz" wrap="square" lIns="91440" tIns="45720" rIns="91440" bIns="45720" anchor="ctr">
             <a:noAutofit/>
           </a:bodyPr>
           <a:lstStyle/>
@@ -839,8 +839,12 @@
                 <a:latin typeface="맑은 고딕" charset="0"/>
                 <a:ea typeface="맑은 고딕" charset="0"/>
               </a:rPr>
-              <a:t>8/8/2023</a:t>
+              <a:t>8/31/2023</a:t>
             </a:fld>
+            <a:endParaRPr lang="en-US" altLang="ko-KR">
+              <a:latin typeface="맑은 고딕" charset="0"/>
+              <a:ea typeface="맑은 고딕" charset="0"/>
+            </a:endParaRPr>
           </a:p>
         </p:txBody>
       </p:sp>
@@ -848,21 +852,23 @@
         <p:nvSpPr>
           <p:cNvPr id="5" name="Rect 0"/>
           <p:cNvSpPr txBox="1">
-            <a:spLocks/>
+            <a:spLocks noGrp="1"/>
           </p:cNvSpPr>
           <p:nvPr>
             <p:ph type="ftr"/>
           </p:nvPr>
         </p:nvSpPr>
         <p:spPr>
-          <a:xfrm rot="0">
+          <a:xfrm>
             <a:off x="3124200" y="6356350"/>
             <a:ext cx="2896235" cy="365760"/>
           </a:xfrm>
-          <a:prstGeom prst="rect"/>
-        </p:spPr>
-        <p:txBody>
-          <a:bodyPr wrap="square" lIns="91440" tIns="45720" rIns="91440" bIns="45720" vert="horz" anchor="ctr">
+          <a:prstGeom prst="rect">
+            <a:avLst/>
+          </a:prstGeom>
+        </p:spPr>
+        <p:txBody>
+          <a:bodyPr vert="horz" wrap="square" lIns="91440" tIns="45720" rIns="91440" bIns="45720" anchor="ctr">
             <a:noAutofit/>
           </a:bodyPr>
           <a:lstStyle/>
@@ -871,6 +877,7 @@
               <a:buFontTx/>
               <a:buNone/>
             </a:pPr>
+            <a:endParaRPr/>
           </a:p>
         </p:txBody>
       </p:sp>
@@ -878,21 +885,23 @@
         <p:nvSpPr>
           <p:cNvPr id="6" name="Rect 0"/>
           <p:cNvSpPr txBox="1">
-            <a:spLocks/>
+            <a:spLocks noGrp="1"/>
           </p:cNvSpPr>
           <p:nvPr>
             <p:ph type="sldNum"/>
           </p:nvPr>
         </p:nvSpPr>
         <p:spPr>
-          <a:xfrm rot="0">
+          <a:xfrm>
             <a:off x="6553200" y="6356350"/>
             <a:ext cx="2134235" cy="365760"/>
           </a:xfrm>
-          <a:prstGeom prst="rect"/>
-        </p:spPr>
-        <p:txBody>
-          <a:bodyPr wrap="square" lIns="91440" tIns="45720" rIns="91440" bIns="45720" vert="horz" anchor="ctr">
+          <a:prstGeom prst="rect">
+            <a:avLst/>
+          </a:prstGeom>
+        </p:spPr>
+        <p:txBody>
+          <a:bodyPr vert="horz" wrap="square" lIns="91440" tIns="45720" rIns="91440" bIns="45720" anchor="ctr">
             <a:noAutofit/>
           </a:bodyPr>
           <a:lstStyle/>
@@ -908,6 +917,10 @@
               </a:rPr>
               <a:t>‹#›</a:t>
             </a:fld>
+            <a:endParaRPr>
+              <a:latin typeface="맑은 고딕" charset="0"/>
+              <a:ea typeface="맑은 고딕" charset="0"/>
+            </a:endParaRPr>
           </a:p>
         </p:txBody>
       </p:sp>
@@ -916,14 +929,6 @@
   <p:clrMapOvr>
     <a:overrideClrMapping bg1="lt1" tx1="dk1" bg2="lt2" tx2="dk2" accent1="accent1" accent2="accent2" accent3="accent3" accent4="accent4" accent5="accent5" accent6="accent6" hlink="hlink" folHlink="folHlink"/>
   </p:clrMapOvr>
-  <mc:AlternateContent xmlns:mc="http://schemas.openxmlformats.org/markup-compatibility/2006">
-    <mc:Choice xmlns:p14="http://schemas.microsoft.com/office/powerpoint/2010/main" Requires="p14">
-      <p:transition spd="slow" p14:dur="2000"/>
-    </mc:Choice>
-    <mc:Fallback>
-      <p:transition spd="slow"/>
-    </mc:Fallback>
-  </mc:AlternateContent>
 </p:sldLayout>
 </file>
 
@@ -948,22 +953,24 @@
         <p:nvSpPr>
           <p:cNvPr id="2" name="Rect 0"/>
           <p:cNvSpPr txBox="1">
-            <a:spLocks/>
+            <a:spLocks noGrp="1"/>
           </p:cNvSpPr>
           <p:nvPr>
             <p:ph type="title"/>
           </p:nvPr>
         </p:nvSpPr>
         <p:spPr>
-          <a:xfrm rot="0">
+          <a:xfrm>
             <a:off x="457200" y="274955"/>
             <a:ext cx="8230235" cy="1143635"/>
           </a:xfrm>
-          <a:prstGeom prst="rect"/>
-        </p:spPr>
-        <p:txBody>
-          <a:bodyPr wrap="square" lIns="91440" tIns="45720" rIns="91440" bIns="45720" vert="horz" anchor="ctr">
-            <a:normAutofit fontScale="100000" lnSpcReduction="0"/>
+          <a:prstGeom prst="rect">
+            <a:avLst/>
+          </a:prstGeom>
+        </p:spPr>
+        <p:txBody>
+          <a:bodyPr vert="horz" wrap="square" lIns="91440" tIns="45720" rIns="91440" bIns="45720" anchor="ctr">
+            <a:normAutofit/>
           </a:bodyPr>
           <a:lstStyle/>
           <a:p>
@@ -985,22 +992,24 @@
         <p:nvSpPr>
           <p:cNvPr id="3" name="Rect 0"/>
           <p:cNvSpPr txBox="1">
-            <a:spLocks/>
+            <a:spLocks noGrp="1"/>
           </p:cNvSpPr>
           <p:nvPr>
-            <p:ph type="obj"/>
+            <p:ph/>
           </p:nvPr>
         </p:nvSpPr>
         <p:spPr>
-          <a:xfrm rot="0">
+          <a:xfrm>
             <a:off x="457200" y="1600200"/>
             <a:ext cx="8230235" cy="4526915"/>
           </a:xfrm>
-          <a:prstGeom prst="rect"/>
-        </p:spPr>
-        <p:txBody>
-          <a:bodyPr wrap="square" lIns="91440" tIns="45720" rIns="91440" bIns="45720" vert="horz" anchor="t">
-            <a:normAutofit fontScale="100000" lnSpcReduction="0"/>
+          <a:prstGeom prst="rect">
+            <a:avLst/>
+          </a:prstGeom>
+        </p:spPr>
+        <p:txBody>
+          <a:bodyPr vert="horz" wrap="square" lIns="91440" tIns="45720" rIns="91440" bIns="45720" anchor="t">
+            <a:normAutofit/>
           </a:bodyPr>
           <a:lstStyle/>
           <a:p>
@@ -1059,21 +1068,23 @@
         <p:nvSpPr>
           <p:cNvPr id="4" name="Rect 0"/>
           <p:cNvSpPr txBox="1">
-            <a:spLocks/>
+            <a:spLocks noGrp="1"/>
           </p:cNvSpPr>
           <p:nvPr>
             <p:ph type="dt"/>
           </p:nvPr>
         </p:nvSpPr>
         <p:spPr>
-          <a:xfrm rot="0">
+          <a:xfrm>
             <a:off x="457200" y="6356350"/>
             <a:ext cx="2134235" cy="365760"/>
           </a:xfrm>
-          <a:prstGeom prst="rect"/>
-        </p:spPr>
-        <p:txBody>
-          <a:bodyPr wrap="square" lIns="91440" tIns="45720" rIns="91440" bIns="45720" vert="horz" anchor="ctr">
+          <a:prstGeom prst="rect">
+            <a:avLst/>
+          </a:prstGeom>
+        </p:spPr>
+        <p:txBody>
+          <a:bodyPr vert="horz" wrap="square" lIns="91440" tIns="45720" rIns="91440" bIns="45720" anchor="ctr">
             <a:noAutofit/>
           </a:bodyPr>
           <a:lstStyle/>
@@ -1087,8 +1098,12 @@
                 <a:latin typeface="맑은 고딕" charset="0"/>
                 <a:ea typeface="맑은 고딕" charset="0"/>
               </a:rPr>
-              <a:t>8/8/2023</a:t>
+              <a:t>8/31/2023</a:t>
             </a:fld>
+            <a:endParaRPr lang="en-US" altLang="ko-KR">
+              <a:latin typeface="맑은 고딕" charset="0"/>
+              <a:ea typeface="맑은 고딕" charset="0"/>
+            </a:endParaRPr>
           </a:p>
         </p:txBody>
       </p:sp>
@@ -1096,21 +1111,23 @@
         <p:nvSpPr>
           <p:cNvPr id="5" name="Rect 0"/>
           <p:cNvSpPr txBox="1">
-            <a:spLocks/>
+            <a:spLocks noGrp="1"/>
           </p:cNvSpPr>
           <p:nvPr>
             <p:ph type="ftr"/>
           </p:nvPr>
         </p:nvSpPr>
         <p:spPr>
-          <a:xfrm rot="0">
+          <a:xfrm>
             <a:off x="3124200" y="6356350"/>
             <a:ext cx="2896235" cy="365760"/>
           </a:xfrm>
-          <a:prstGeom prst="rect"/>
-        </p:spPr>
-        <p:txBody>
-          <a:bodyPr wrap="square" lIns="91440" tIns="45720" rIns="91440" bIns="45720" vert="horz" anchor="ctr">
+          <a:prstGeom prst="rect">
+            <a:avLst/>
+          </a:prstGeom>
+        </p:spPr>
+        <p:txBody>
+          <a:bodyPr vert="horz" wrap="square" lIns="91440" tIns="45720" rIns="91440" bIns="45720" anchor="ctr">
             <a:noAutofit/>
           </a:bodyPr>
           <a:lstStyle/>
@@ -1119,6 +1136,7 @@
               <a:buFontTx/>
               <a:buNone/>
             </a:pPr>
+            <a:endParaRPr/>
           </a:p>
         </p:txBody>
       </p:sp>
@@ -1126,21 +1144,23 @@
         <p:nvSpPr>
           <p:cNvPr id="6" name="Rect 0"/>
           <p:cNvSpPr txBox="1">
-            <a:spLocks/>
+            <a:spLocks noGrp="1"/>
           </p:cNvSpPr>
           <p:nvPr>
             <p:ph type="sldNum"/>
           </p:nvPr>
         </p:nvSpPr>
         <p:spPr>
-          <a:xfrm rot="0">
+          <a:xfrm>
             <a:off x="6553200" y="6356350"/>
             <a:ext cx="2134235" cy="365760"/>
           </a:xfrm>
-          <a:prstGeom prst="rect"/>
-        </p:spPr>
-        <p:txBody>
-          <a:bodyPr wrap="square" lIns="91440" tIns="45720" rIns="91440" bIns="45720" vert="horz" anchor="ctr">
+          <a:prstGeom prst="rect">
+            <a:avLst/>
+          </a:prstGeom>
+        </p:spPr>
+        <p:txBody>
+          <a:bodyPr vert="horz" wrap="square" lIns="91440" tIns="45720" rIns="91440" bIns="45720" anchor="ctr">
             <a:noAutofit/>
           </a:bodyPr>
           <a:lstStyle/>
@@ -1156,6 +1176,10 @@
               </a:rPr>
               <a:t>‹#›</a:t>
             </a:fld>
+            <a:endParaRPr>
+              <a:latin typeface="맑은 고딕" charset="0"/>
+              <a:ea typeface="맑은 고딕" charset="0"/>
+            </a:endParaRPr>
           </a:p>
         </p:txBody>
       </p:sp>
@@ -1164,14 +1188,6 @@
   <p:clrMapOvr>
     <a:overrideClrMapping bg1="lt1" tx1="dk1" bg2="lt2" tx2="dk2" accent1="accent1" accent2="accent2" accent3="accent3" accent4="accent4" accent5="accent5" accent6="accent6" hlink="hlink" folHlink="folHlink"/>
   </p:clrMapOvr>
-  <mc:AlternateContent xmlns:mc="http://schemas.openxmlformats.org/markup-compatibility/2006">
-    <mc:Choice xmlns:p14="http://schemas.microsoft.com/office/powerpoint/2010/main" Requires="p14">
-      <p:transition spd="slow" p14:dur="2000"/>
-    </mc:Choice>
-    <mc:Fallback>
-      <p:transition spd="slow"/>
-    </mc:Fallback>
-  </mc:AlternateContent>
 </p:sldLayout>
 </file>
 
@@ -1196,22 +1212,24 @@
         <p:nvSpPr>
           <p:cNvPr id="2" name="Rect 0"/>
           <p:cNvSpPr txBox="1">
-            <a:spLocks/>
+            <a:spLocks noGrp="1"/>
           </p:cNvSpPr>
           <p:nvPr>
             <p:ph type="title"/>
           </p:nvPr>
         </p:nvSpPr>
         <p:spPr>
-          <a:xfrm rot="0">
+          <a:xfrm>
             <a:off x="722630" y="4406900"/>
             <a:ext cx="7773035" cy="1362710"/>
           </a:xfrm>
-          <a:prstGeom prst="rect"/>
-        </p:spPr>
-        <p:txBody>
-          <a:bodyPr wrap="square" lIns="91440" tIns="45720" rIns="91440" bIns="45720" vert="horz" anchor="t">
-            <a:normAutofit fontScale="100000" lnSpcReduction="0"/>
+          <a:prstGeom prst="rect">
+            <a:avLst/>
+          </a:prstGeom>
+        </p:spPr>
+        <p:txBody>
+          <a:bodyPr vert="horz" wrap="square" lIns="91440" tIns="45720" rIns="91440" bIns="45720" anchor="t">
+            <a:normAutofit/>
           </a:bodyPr>
           <a:lstStyle/>
           <a:p>
@@ -1233,22 +1251,24 @@
         <p:nvSpPr>
           <p:cNvPr id="3" name="Rect 0"/>
           <p:cNvSpPr txBox="1">
-            <a:spLocks/>
+            <a:spLocks noGrp="1"/>
           </p:cNvSpPr>
           <p:nvPr>
             <p:ph type="body"/>
           </p:nvPr>
         </p:nvSpPr>
         <p:spPr>
-          <a:xfrm rot="0">
+          <a:xfrm>
             <a:off x="722630" y="2907030"/>
             <a:ext cx="7773035" cy="1500505"/>
           </a:xfrm>
-          <a:prstGeom prst="rect"/>
-        </p:spPr>
-        <p:txBody>
-          <a:bodyPr wrap="square" lIns="91440" tIns="45720" rIns="91440" bIns="45720" vert="horz" anchor="b">
-            <a:normAutofit fontScale="100000" lnSpcReduction="0"/>
+          <a:prstGeom prst="rect">
+            <a:avLst/>
+          </a:prstGeom>
+        </p:spPr>
+        <p:txBody>
+          <a:bodyPr vert="horz" wrap="square" lIns="91440" tIns="45720" rIns="91440" bIns="45720" anchor="b">
+            <a:normAutofit/>
           </a:bodyPr>
           <a:lstStyle/>
           <a:p>
@@ -1270,21 +1290,23 @@
         <p:nvSpPr>
           <p:cNvPr id="4" name="Rect 0"/>
           <p:cNvSpPr txBox="1">
-            <a:spLocks/>
+            <a:spLocks noGrp="1"/>
           </p:cNvSpPr>
           <p:nvPr>
             <p:ph type="dt"/>
           </p:nvPr>
         </p:nvSpPr>
         <p:spPr>
-          <a:xfrm rot="0">
+          <a:xfrm>
             <a:off x="457200" y="6356350"/>
             <a:ext cx="2134235" cy="365760"/>
           </a:xfrm>
-          <a:prstGeom prst="rect"/>
-        </p:spPr>
-        <p:txBody>
-          <a:bodyPr wrap="square" lIns="91440" tIns="45720" rIns="91440" bIns="45720" vert="horz" anchor="ctr">
+          <a:prstGeom prst="rect">
+            <a:avLst/>
+          </a:prstGeom>
+        </p:spPr>
+        <p:txBody>
+          <a:bodyPr vert="horz" wrap="square" lIns="91440" tIns="45720" rIns="91440" bIns="45720" anchor="ctr">
             <a:noAutofit/>
           </a:bodyPr>
           <a:lstStyle/>
@@ -1298,8 +1320,12 @@
                 <a:latin typeface="맑은 고딕" charset="0"/>
                 <a:ea typeface="맑은 고딕" charset="0"/>
               </a:rPr>
-              <a:t>8/8/2023</a:t>
+              <a:t>8/31/2023</a:t>
             </a:fld>
+            <a:endParaRPr lang="en-US" altLang="ko-KR">
+              <a:latin typeface="맑은 고딕" charset="0"/>
+              <a:ea typeface="맑은 고딕" charset="0"/>
+            </a:endParaRPr>
           </a:p>
         </p:txBody>
       </p:sp>
@@ -1307,21 +1333,23 @@
         <p:nvSpPr>
           <p:cNvPr id="5" name="Rect 0"/>
           <p:cNvSpPr txBox="1">
-            <a:spLocks/>
+            <a:spLocks noGrp="1"/>
           </p:cNvSpPr>
           <p:nvPr>
             <p:ph type="ftr"/>
           </p:nvPr>
         </p:nvSpPr>
         <p:spPr>
-          <a:xfrm rot="0">
+          <a:xfrm>
             <a:off x="3124200" y="6356350"/>
             <a:ext cx="2896235" cy="365760"/>
           </a:xfrm>
-          <a:prstGeom prst="rect"/>
-        </p:spPr>
-        <p:txBody>
-          <a:bodyPr wrap="square" lIns="91440" tIns="45720" rIns="91440" bIns="45720" vert="horz" anchor="ctr">
+          <a:prstGeom prst="rect">
+            <a:avLst/>
+          </a:prstGeom>
+        </p:spPr>
+        <p:txBody>
+          <a:bodyPr vert="horz" wrap="square" lIns="91440" tIns="45720" rIns="91440" bIns="45720" anchor="ctr">
             <a:noAutofit/>
           </a:bodyPr>
           <a:lstStyle/>
@@ -1330,6 +1358,7 @@
               <a:buFontTx/>
               <a:buNone/>
             </a:pPr>
+            <a:endParaRPr/>
           </a:p>
         </p:txBody>
       </p:sp>
@@ -1337,21 +1366,23 @@
         <p:nvSpPr>
           <p:cNvPr id="6" name="Rect 0"/>
           <p:cNvSpPr txBox="1">
-            <a:spLocks/>
+            <a:spLocks noGrp="1"/>
           </p:cNvSpPr>
           <p:nvPr>
             <p:ph type="sldNum"/>
           </p:nvPr>
         </p:nvSpPr>
         <p:spPr>
-          <a:xfrm rot="0">
+          <a:xfrm>
             <a:off x="6553200" y="6356350"/>
             <a:ext cx="2134235" cy="365760"/>
           </a:xfrm>
-          <a:prstGeom prst="rect"/>
-        </p:spPr>
-        <p:txBody>
-          <a:bodyPr wrap="square" lIns="91440" tIns="45720" rIns="91440" bIns="45720" vert="horz" anchor="ctr">
+          <a:prstGeom prst="rect">
+            <a:avLst/>
+          </a:prstGeom>
+        </p:spPr>
+        <p:txBody>
+          <a:bodyPr vert="horz" wrap="square" lIns="91440" tIns="45720" rIns="91440" bIns="45720" anchor="ctr">
             <a:noAutofit/>
           </a:bodyPr>
           <a:lstStyle/>
@@ -1367,6 +1398,10 @@
               </a:rPr>
               <a:t>‹#›</a:t>
             </a:fld>
+            <a:endParaRPr>
+              <a:latin typeface="맑은 고딕" charset="0"/>
+              <a:ea typeface="맑은 고딕" charset="0"/>
+            </a:endParaRPr>
           </a:p>
         </p:txBody>
       </p:sp>
@@ -1375,14 +1410,6 @@
   <p:clrMapOvr>
     <a:overrideClrMapping bg1="lt1" tx1="dk1" bg2="lt2" tx2="dk2" accent1="accent1" accent2="accent2" accent3="accent3" accent4="accent4" accent5="accent5" accent6="accent6" hlink="hlink" folHlink="folHlink"/>
   </p:clrMapOvr>
-  <mc:AlternateContent xmlns:mc="http://schemas.openxmlformats.org/markup-compatibility/2006">
-    <mc:Choice xmlns:p14="http://schemas.microsoft.com/office/powerpoint/2010/main" Requires="p14">
-      <p:transition spd="slow" p14:dur="2000"/>
-    </mc:Choice>
-    <mc:Fallback>
-      <p:transition spd="slow"/>
-    </mc:Fallback>
-  </mc:AlternateContent>
 </p:sldLayout>
 </file>
 
@@ -1407,22 +1434,24 @@
         <p:nvSpPr>
           <p:cNvPr id="2" name="Rect 0"/>
           <p:cNvSpPr txBox="1">
-            <a:spLocks/>
+            <a:spLocks noGrp="1"/>
           </p:cNvSpPr>
           <p:nvPr>
             <p:ph type="title"/>
           </p:nvPr>
         </p:nvSpPr>
         <p:spPr>
-          <a:xfrm rot="0">
+          <a:xfrm>
             <a:off x="457200" y="274955"/>
             <a:ext cx="8230235" cy="1143635"/>
           </a:xfrm>
-          <a:prstGeom prst="rect"/>
-        </p:spPr>
-        <p:txBody>
-          <a:bodyPr wrap="square" lIns="91440" tIns="45720" rIns="91440" bIns="45720" vert="horz" anchor="ctr">
-            <a:normAutofit fontScale="100000" lnSpcReduction="0"/>
+          <a:prstGeom prst="rect">
+            <a:avLst/>
+          </a:prstGeom>
+        </p:spPr>
+        <p:txBody>
+          <a:bodyPr vert="horz" wrap="square" lIns="91440" tIns="45720" rIns="91440" bIns="45720" anchor="ctr">
+            <a:normAutofit/>
           </a:bodyPr>
           <a:lstStyle/>
           <a:p>
@@ -1444,22 +1473,24 @@
         <p:nvSpPr>
           <p:cNvPr id="3" name="Rect 0"/>
           <p:cNvSpPr txBox="1">
-            <a:spLocks/>
+            <a:spLocks noGrp="1"/>
           </p:cNvSpPr>
           <p:nvPr>
-            <p:ph type="obj"/>
+            <p:ph/>
           </p:nvPr>
         </p:nvSpPr>
         <p:spPr>
-          <a:xfrm rot="0">
+          <a:xfrm>
             <a:off x="457200" y="1600200"/>
             <a:ext cx="4039235" cy="4526915"/>
           </a:xfrm>
-          <a:prstGeom prst="rect"/>
-        </p:spPr>
-        <p:txBody>
-          <a:bodyPr wrap="square" lIns="91440" tIns="45720" rIns="91440" bIns="45720" vert="horz" anchor="t">
-            <a:normAutofit fontScale="100000" lnSpcReduction="0"/>
+          <a:prstGeom prst="rect">
+            <a:avLst/>
+          </a:prstGeom>
+        </p:spPr>
+        <p:txBody>
+          <a:bodyPr vert="horz" wrap="square" lIns="91440" tIns="45720" rIns="91440" bIns="45720" anchor="t">
+            <a:normAutofit/>
           </a:bodyPr>
           <a:lstStyle/>
           <a:p>
@@ -1518,22 +1549,24 @@
         <p:nvSpPr>
           <p:cNvPr id="4" name="Rect 0"/>
           <p:cNvSpPr txBox="1">
-            <a:spLocks/>
+            <a:spLocks noGrp="1"/>
           </p:cNvSpPr>
           <p:nvPr>
-            <p:ph type="obj"/>
+            <p:ph/>
           </p:nvPr>
         </p:nvSpPr>
         <p:spPr>
-          <a:xfrm rot="0">
+          <a:xfrm>
             <a:off x="4648200" y="1600200"/>
             <a:ext cx="4039235" cy="4526915"/>
           </a:xfrm>
-          <a:prstGeom prst="rect"/>
-        </p:spPr>
-        <p:txBody>
-          <a:bodyPr wrap="square" lIns="91440" tIns="45720" rIns="91440" bIns="45720" vert="horz" anchor="t">
-            <a:normAutofit fontScale="100000" lnSpcReduction="0"/>
+          <a:prstGeom prst="rect">
+            <a:avLst/>
+          </a:prstGeom>
+        </p:spPr>
+        <p:txBody>
+          <a:bodyPr vert="horz" wrap="square" lIns="91440" tIns="45720" rIns="91440" bIns="45720" anchor="t">
+            <a:normAutofit/>
           </a:bodyPr>
           <a:lstStyle/>
           <a:p>
@@ -1592,21 +1625,23 @@
         <p:nvSpPr>
           <p:cNvPr id="5" name="Rect 0"/>
           <p:cNvSpPr txBox="1">
-            <a:spLocks/>
+            <a:spLocks noGrp="1"/>
           </p:cNvSpPr>
           <p:nvPr>
             <p:ph type="dt"/>
           </p:nvPr>
         </p:nvSpPr>
         <p:spPr>
-          <a:xfrm rot="0">
+          <a:xfrm>
             <a:off x="457200" y="6356350"/>
             <a:ext cx="2134235" cy="365760"/>
           </a:xfrm>
-          <a:prstGeom prst="rect"/>
-        </p:spPr>
-        <p:txBody>
-          <a:bodyPr wrap="square" lIns="91440" tIns="45720" rIns="91440" bIns="45720" vert="horz" anchor="ctr">
+          <a:prstGeom prst="rect">
+            <a:avLst/>
+          </a:prstGeom>
+        </p:spPr>
+        <p:txBody>
+          <a:bodyPr vert="horz" wrap="square" lIns="91440" tIns="45720" rIns="91440" bIns="45720" anchor="ctr">
             <a:noAutofit/>
           </a:bodyPr>
           <a:lstStyle/>
@@ -1620,8 +1655,12 @@
                 <a:latin typeface="맑은 고딕" charset="0"/>
                 <a:ea typeface="맑은 고딕" charset="0"/>
               </a:rPr>
-              <a:t>1/30/2017</a:t>
+              <a:t>8/31/2023</a:t>
             </a:fld>
+            <a:endParaRPr lang="en-US" altLang="ko-KR">
+              <a:latin typeface="맑은 고딕" charset="0"/>
+              <a:ea typeface="맑은 고딕" charset="0"/>
+            </a:endParaRPr>
           </a:p>
         </p:txBody>
       </p:sp>
@@ -1629,21 +1668,23 @@
         <p:nvSpPr>
           <p:cNvPr id="6" name="Rect 0"/>
           <p:cNvSpPr txBox="1">
-            <a:spLocks/>
+            <a:spLocks noGrp="1"/>
           </p:cNvSpPr>
           <p:nvPr>
             <p:ph type="ftr"/>
           </p:nvPr>
         </p:nvSpPr>
         <p:spPr>
-          <a:xfrm rot="0">
+          <a:xfrm>
             <a:off x="3124200" y="6356350"/>
             <a:ext cx="2896235" cy="365760"/>
           </a:xfrm>
-          <a:prstGeom prst="rect"/>
-        </p:spPr>
-        <p:txBody>
-          <a:bodyPr wrap="square" lIns="91440" tIns="45720" rIns="91440" bIns="45720" vert="horz" anchor="ctr">
+          <a:prstGeom prst="rect">
+            <a:avLst/>
+          </a:prstGeom>
+        </p:spPr>
+        <p:txBody>
+          <a:bodyPr vert="horz" wrap="square" lIns="91440" tIns="45720" rIns="91440" bIns="45720" anchor="ctr">
             <a:noAutofit/>
           </a:bodyPr>
           <a:lstStyle/>
@@ -1652,6 +1693,7 @@
               <a:buFontTx/>
               <a:buNone/>
             </a:pPr>
+            <a:endParaRPr/>
           </a:p>
         </p:txBody>
       </p:sp>
@@ -1659,21 +1701,23 @@
         <p:nvSpPr>
           <p:cNvPr id="7" name="Rect 0"/>
           <p:cNvSpPr txBox="1">
-            <a:spLocks/>
+            <a:spLocks noGrp="1"/>
           </p:cNvSpPr>
           <p:nvPr>
             <p:ph type="sldNum"/>
           </p:nvPr>
         </p:nvSpPr>
         <p:spPr>
-          <a:xfrm rot="0">
+          <a:xfrm>
             <a:off x="6553200" y="6356350"/>
             <a:ext cx="2134235" cy="365760"/>
           </a:xfrm>
-          <a:prstGeom prst="rect"/>
-        </p:spPr>
-        <p:txBody>
-          <a:bodyPr wrap="square" lIns="91440" tIns="45720" rIns="91440" bIns="45720" vert="horz" anchor="ctr">
+          <a:prstGeom prst="rect">
+            <a:avLst/>
+          </a:prstGeom>
+        </p:spPr>
+        <p:txBody>
+          <a:bodyPr vert="horz" wrap="square" lIns="91440" tIns="45720" rIns="91440" bIns="45720" anchor="ctr">
             <a:noAutofit/>
           </a:bodyPr>
           <a:lstStyle/>
@@ -1689,6 +1733,10 @@
               </a:rPr>
               <a:t>‹#›</a:t>
             </a:fld>
+            <a:endParaRPr>
+              <a:latin typeface="맑은 고딕" charset="0"/>
+              <a:ea typeface="맑은 고딕" charset="0"/>
+            </a:endParaRPr>
           </a:p>
         </p:txBody>
       </p:sp>
@@ -1697,14 +1745,6 @@
   <p:clrMapOvr>
     <a:overrideClrMapping bg1="lt1" tx1="dk1" bg2="lt2" tx2="dk2" accent1="accent1" accent2="accent2" accent3="accent3" accent4="accent4" accent5="accent5" accent6="accent6" hlink="hlink" folHlink="folHlink"/>
   </p:clrMapOvr>
-  <mc:AlternateContent xmlns:mc="http://schemas.openxmlformats.org/markup-compatibility/2006">
-    <mc:Choice xmlns:p14="http://schemas.microsoft.com/office/powerpoint/2010/main" Requires="p14">
-      <p:transition spd="slow" p14:dur="2000"/>
-    </mc:Choice>
-    <mc:Fallback>
-      <p:transition spd="slow"/>
-    </mc:Fallback>
-  </mc:AlternateContent>
 </p:sldLayout>
 </file>
 
@@ -1729,22 +1769,24 @@
         <p:nvSpPr>
           <p:cNvPr id="2" name="Rect 0"/>
           <p:cNvSpPr txBox="1">
-            <a:spLocks/>
+            <a:spLocks noGrp="1"/>
           </p:cNvSpPr>
           <p:nvPr>
             <p:ph type="title"/>
           </p:nvPr>
         </p:nvSpPr>
         <p:spPr>
-          <a:xfrm rot="0">
+          <a:xfrm>
             <a:off x="457200" y="274955"/>
             <a:ext cx="8230235" cy="1143635"/>
           </a:xfrm>
-          <a:prstGeom prst="rect"/>
-        </p:spPr>
-        <p:txBody>
-          <a:bodyPr wrap="square" lIns="91440" tIns="45720" rIns="91440" bIns="45720" vert="horz" anchor="ctr">
-            <a:normAutofit fontScale="100000" lnSpcReduction="0"/>
+          <a:prstGeom prst="rect">
+            <a:avLst/>
+          </a:prstGeom>
+        </p:spPr>
+        <p:txBody>
+          <a:bodyPr vert="horz" wrap="square" lIns="91440" tIns="45720" rIns="91440" bIns="45720" anchor="ctr">
+            <a:normAutofit/>
           </a:bodyPr>
           <a:lstStyle/>
           <a:p>
@@ -1766,22 +1808,24 @@
         <p:nvSpPr>
           <p:cNvPr id="3" name="Rect 0"/>
           <p:cNvSpPr txBox="1">
-            <a:spLocks/>
+            <a:spLocks noGrp="1"/>
           </p:cNvSpPr>
           <p:nvPr>
             <p:ph type="body"/>
           </p:nvPr>
         </p:nvSpPr>
         <p:spPr>
-          <a:xfrm rot="0">
+          <a:xfrm>
             <a:off x="457200" y="1535430"/>
             <a:ext cx="4041140" cy="640080"/>
           </a:xfrm>
-          <a:prstGeom prst="rect"/>
-        </p:spPr>
-        <p:txBody>
-          <a:bodyPr wrap="square" lIns="91440" tIns="45720" rIns="91440" bIns="45720" vert="horz" anchor="b">
-            <a:normAutofit fontScale="100000" lnSpcReduction="0"/>
+          <a:prstGeom prst="rect">
+            <a:avLst/>
+          </a:prstGeom>
+        </p:spPr>
+        <p:txBody>
+          <a:bodyPr vert="horz" wrap="square" lIns="91440" tIns="45720" rIns="91440" bIns="45720" anchor="b">
+            <a:normAutofit/>
           </a:bodyPr>
           <a:lstStyle/>
           <a:p>
@@ -1803,22 +1847,24 @@
         <p:nvSpPr>
           <p:cNvPr id="4" name="Rect 0"/>
           <p:cNvSpPr txBox="1">
-            <a:spLocks/>
+            <a:spLocks noGrp="1"/>
           </p:cNvSpPr>
           <p:nvPr>
-            <p:ph type="obj"/>
+            <p:ph/>
           </p:nvPr>
         </p:nvSpPr>
         <p:spPr>
-          <a:xfrm rot="0">
+          <a:xfrm>
             <a:off x="457200" y="2174875"/>
             <a:ext cx="4041140" cy="3952240"/>
           </a:xfrm>
-          <a:prstGeom prst="rect"/>
-        </p:spPr>
-        <p:txBody>
-          <a:bodyPr wrap="square" lIns="91440" tIns="45720" rIns="91440" bIns="45720" vert="horz" anchor="t">
-            <a:normAutofit fontScale="100000" lnSpcReduction="0"/>
+          <a:prstGeom prst="rect">
+            <a:avLst/>
+          </a:prstGeom>
+        </p:spPr>
+        <p:txBody>
+          <a:bodyPr vert="horz" wrap="square" lIns="91440" tIns="45720" rIns="91440" bIns="45720" anchor="t">
+            <a:normAutofit/>
           </a:bodyPr>
           <a:lstStyle/>
           <a:p>
@@ -1877,22 +1923,24 @@
         <p:nvSpPr>
           <p:cNvPr id="5" name="Rect 0"/>
           <p:cNvSpPr txBox="1">
-            <a:spLocks/>
+            <a:spLocks noGrp="1"/>
           </p:cNvSpPr>
           <p:nvPr>
             <p:ph type="body"/>
           </p:nvPr>
         </p:nvSpPr>
         <p:spPr>
-          <a:xfrm rot="0">
+          <a:xfrm>
             <a:off x="4645025" y="1535430"/>
             <a:ext cx="4042410" cy="640080"/>
           </a:xfrm>
-          <a:prstGeom prst="rect"/>
-        </p:spPr>
-        <p:txBody>
-          <a:bodyPr wrap="square" lIns="91440" tIns="45720" rIns="91440" bIns="45720" vert="horz" anchor="b">
-            <a:normAutofit fontScale="100000" lnSpcReduction="0"/>
+          <a:prstGeom prst="rect">
+            <a:avLst/>
+          </a:prstGeom>
+        </p:spPr>
+        <p:txBody>
+          <a:bodyPr vert="horz" wrap="square" lIns="91440" tIns="45720" rIns="91440" bIns="45720" anchor="b">
+            <a:normAutofit/>
           </a:bodyPr>
           <a:lstStyle/>
           <a:p>
@@ -1914,22 +1962,24 @@
         <p:nvSpPr>
           <p:cNvPr id="6" name="Rect 0"/>
           <p:cNvSpPr txBox="1">
-            <a:spLocks/>
+            <a:spLocks noGrp="1"/>
           </p:cNvSpPr>
           <p:nvPr>
-            <p:ph type="obj"/>
+            <p:ph/>
           </p:nvPr>
         </p:nvSpPr>
         <p:spPr>
-          <a:xfrm rot="0">
+          <a:xfrm>
             <a:off x="4645025" y="2174875"/>
             <a:ext cx="4042410" cy="3952240"/>
           </a:xfrm>
-          <a:prstGeom prst="rect"/>
-        </p:spPr>
-        <p:txBody>
-          <a:bodyPr wrap="square" lIns="91440" tIns="45720" rIns="91440" bIns="45720" vert="horz" anchor="t">
-            <a:normAutofit fontScale="100000" lnSpcReduction="0"/>
+          <a:prstGeom prst="rect">
+            <a:avLst/>
+          </a:prstGeom>
+        </p:spPr>
+        <p:txBody>
+          <a:bodyPr vert="horz" wrap="square" lIns="91440" tIns="45720" rIns="91440" bIns="45720" anchor="t">
+            <a:normAutofit/>
           </a:bodyPr>
           <a:lstStyle/>
           <a:p>
@@ -1988,21 +2038,23 @@
         <p:nvSpPr>
           <p:cNvPr id="7" name="Rect 0"/>
           <p:cNvSpPr txBox="1">
-            <a:spLocks/>
+            <a:spLocks noGrp="1"/>
           </p:cNvSpPr>
           <p:nvPr>
             <p:ph type="dt"/>
           </p:nvPr>
         </p:nvSpPr>
         <p:spPr>
-          <a:xfrm rot="0">
+          <a:xfrm>
             <a:off x="457200" y="6356350"/>
             <a:ext cx="2134235" cy="365760"/>
           </a:xfrm>
-          <a:prstGeom prst="rect"/>
-        </p:spPr>
-        <p:txBody>
-          <a:bodyPr wrap="square" lIns="91440" tIns="45720" rIns="91440" bIns="45720" vert="horz" anchor="ctr">
+          <a:prstGeom prst="rect">
+            <a:avLst/>
+          </a:prstGeom>
+        </p:spPr>
+        <p:txBody>
+          <a:bodyPr vert="horz" wrap="square" lIns="91440" tIns="45720" rIns="91440" bIns="45720" anchor="ctr">
             <a:noAutofit/>
           </a:bodyPr>
           <a:lstStyle/>
@@ -2016,8 +2068,12 @@
                 <a:latin typeface="맑은 고딕" charset="0"/>
                 <a:ea typeface="맑은 고딕" charset="0"/>
               </a:rPr>
-              <a:t>1/30/2017</a:t>
+              <a:t>8/31/2023</a:t>
             </a:fld>
+            <a:endParaRPr lang="en-US" altLang="ko-KR">
+              <a:latin typeface="맑은 고딕" charset="0"/>
+              <a:ea typeface="맑은 고딕" charset="0"/>
+            </a:endParaRPr>
           </a:p>
         </p:txBody>
       </p:sp>
@@ -2025,21 +2081,23 @@
         <p:nvSpPr>
           <p:cNvPr id="8" name="Rect 0"/>
           <p:cNvSpPr txBox="1">
-            <a:spLocks/>
+            <a:spLocks noGrp="1"/>
           </p:cNvSpPr>
           <p:nvPr>
             <p:ph type="ftr"/>
           </p:nvPr>
         </p:nvSpPr>
         <p:spPr>
-          <a:xfrm rot="0">
+          <a:xfrm>
             <a:off x="3124200" y="6356350"/>
             <a:ext cx="2896235" cy="365760"/>
           </a:xfrm>
-          <a:prstGeom prst="rect"/>
-        </p:spPr>
-        <p:txBody>
-          <a:bodyPr wrap="square" lIns="91440" tIns="45720" rIns="91440" bIns="45720" vert="horz" anchor="ctr">
+          <a:prstGeom prst="rect">
+            <a:avLst/>
+          </a:prstGeom>
+        </p:spPr>
+        <p:txBody>
+          <a:bodyPr vert="horz" wrap="square" lIns="91440" tIns="45720" rIns="91440" bIns="45720" anchor="ctr">
             <a:noAutofit/>
           </a:bodyPr>
           <a:lstStyle/>
@@ -2048,6 +2106,7 @@
               <a:buFontTx/>
               <a:buNone/>
             </a:pPr>
+            <a:endParaRPr/>
           </a:p>
         </p:txBody>
       </p:sp>
@@ -2055,21 +2114,23 @@
         <p:nvSpPr>
           <p:cNvPr id="9" name="Rect 0"/>
           <p:cNvSpPr txBox="1">
-            <a:spLocks/>
+            <a:spLocks noGrp="1"/>
           </p:cNvSpPr>
           <p:nvPr>
             <p:ph type="sldNum"/>
           </p:nvPr>
         </p:nvSpPr>
         <p:spPr>
-          <a:xfrm rot="0">
+          <a:xfrm>
             <a:off x="6553200" y="6356350"/>
             <a:ext cx="2134235" cy="365760"/>
           </a:xfrm>
-          <a:prstGeom prst="rect"/>
-        </p:spPr>
-        <p:txBody>
-          <a:bodyPr wrap="square" lIns="91440" tIns="45720" rIns="91440" bIns="45720" vert="horz" anchor="ctr">
+          <a:prstGeom prst="rect">
+            <a:avLst/>
+          </a:prstGeom>
+        </p:spPr>
+        <p:txBody>
+          <a:bodyPr vert="horz" wrap="square" lIns="91440" tIns="45720" rIns="91440" bIns="45720" anchor="ctr">
             <a:noAutofit/>
           </a:bodyPr>
           <a:lstStyle/>
@@ -2085,6 +2146,10 @@
               </a:rPr>
               <a:t>‹#›</a:t>
             </a:fld>
+            <a:endParaRPr>
+              <a:latin typeface="맑은 고딕" charset="0"/>
+              <a:ea typeface="맑은 고딕" charset="0"/>
+            </a:endParaRPr>
           </a:p>
         </p:txBody>
       </p:sp>
@@ -2093,14 +2158,6 @@
   <p:clrMapOvr>
     <a:overrideClrMapping bg1="lt1" tx1="dk1" bg2="lt2" tx2="dk2" accent1="accent1" accent2="accent2" accent3="accent3" accent4="accent4" accent5="accent5" accent6="accent6" hlink="hlink" folHlink="folHlink"/>
   </p:clrMapOvr>
-  <mc:AlternateContent xmlns:mc="http://schemas.openxmlformats.org/markup-compatibility/2006">
-    <mc:Choice xmlns:p14="http://schemas.microsoft.com/office/powerpoint/2010/main" Requires="p14">
-      <p:transition spd="slow" p14:dur="2000"/>
-    </mc:Choice>
-    <mc:Fallback>
-      <p:transition spd="slow"/>
-    </mc:Fallback>
-  </mc:AlternateContent>
 </p:sldLayout>
 </file>
 
@@ -2125,22 +2182,24 @@
         <p:nvSpPr>
           <p:cNvPr id="2" name="Rect 0"/>
           <p:cNvSpPr txBox="1">
-            <a:spLocks/>
+            <a:spLocks noGrp="1"/>
           </p:cNvSpPr>
           <p:nvPr>
             <p:ph type="title"/>
           </p:nvPr>
         </p:nvSpPr>
         <p:spPr>
-          <a:xfrm rot="0">
+          <a:xfrm>
             <a:off x="457200" y="274955"/>
             <a:ext cx="8230235" cy="1143635"/>
           </a:xfrm>
-          <a:prstGeom prst="rect"/>
-        </p:spPr>
-        <p:txBody>
-          <a:bodyPr wrap="square" lIns="91440" tIns="45720" rIns="91440" bIns="45720" vert="horz" anchor="ctr">
-            <a:normAutofit fontScale="100000" lnSpcReduction="0"/>
+          <a:prstGeom prst="rect">
+            <a:avLst/>
+          </a:prstGeom>
+        </p:spPr>
+        <p:txBody>
+          <a:bodyPr vert="horz" wrap="square" lIns="91440" tIns="45720" rIns="91440" bIns="45720" anchor="ctr">
+            <a:normAutofit/>
           </a:bodyPr>
           <a:lstStyle/>
           <a:p>
@@ -2162,21 +2221,23 @@
         <p:nvSpPr>
           <p:cNvPr id="3" name="Rect 0"/>
           <p:cNvSpPr txBox="1">
-            <a:spLocks/>
+            <a:spLocks noGrp="1"/>
           </p:cNvSpPr>
           <p:nvPr>
             <p:ph type="dt"/>
           </p:nvPr>
         </p:nvSpPr>
         <p:spPr>
-          <a:xfrm rot="0">
+          <a:xfrm>
             <a:off x="457200" y="6356350"/>
             <a:ext cx="2134235" cy="365760"/>
           </a:xfrm>
-          <a:prstGeom prst="rect"/>
-        </p:spPr>
-        <p:txBody>
-          <a:bodyPr wrap="square" lIns="91440" tIns="45720" rIns="91440" bIns="45720" vert="horz" anchor="ctr">
+          <a:prstGeom prst="rect">
+            <a:avLst/>
+          </a:prstGeom>
+        </p:spPr>
+        <p:txBody>
+          <a:bodyPr vert="horz" wrap="square" lIns="91440" tIns="45720" rIns="91440" bIns="45720" anchor="ctr">
             <a:noAutofit/>
           </a:bodyPr>
           <a:lstStyle/>
@@ -2190,8 +2251,12 @@
                 <a:latin typeface="맑은 고딕" charset="0"/>
                 <a:ea typeface="맑은 고딕" charset="0"/>
               </a:rPr>
-              <a:t>1/30/2017</a:t>
+              <a:t>8/31/2023</a:t>
             </a:fld>
+            <a:endParaRPr lang="en-US" altLang="ko-KR">
+              <a:latin typeface="맑은 고딕" charset="0"/>
+              <a:ea typeface="맑은 고딕" charset="0"/>
+            </a:endParaRPr>
           </a:p>
         </p:txBody>
       </p:sp>
@@ -2199,21 +2264,23 @@
         <p:nvSpPr>
           <p:cNvPr id="4" name="Rect 0"/>
           <p:cNvSpPr txBox="1">
-            <a:spLocks/>
+            <a:spLocks noGrp="1"/>
           </p:cNvSpPr>
           <p:nvPr>
             <p:ph type="ftr"/>
           </p:nvPr>
         </p:nvSpPr>
         <p:spPr>
-          <a:xfrm rot="0">
+          <a:xfrm>
             <a:off x="3124200" y="6356350"/>
             <a:ext cx="2896235" cy="365760"/>
           </a:xfrm>
-          <a:prstGeom prst="rect"/>
-        </p:spPr>
-        <p:txBody>
-          <a:bodyPr wrap="square" lIns="91440" tIns="45720" rIns="91440" bIns="45720" vert="horz" anchor="ctr">
+          <a:prstGeom prst="rect">
+            <a:avLst/>
+          </a:prstGeom>
+        </p:spPr>
+        <p:txBody>
+          <a:bodyPr vert="horz" wrap="square" lIns="91440" tIns="45720" rIns="91440" bIns="45720" anchor="ctr">
             <a:noAutofit/>
           </a:bodyPr>
           <a:lstStyle/>
@@ -2222,6 +2289,7 @@
               <a:buFontTx/>
               <a:buNone/>
             </a:pPr>
+            <a:endParaRPr/>
           </a:p>
         </p:txBody>
       </p:sp>
@@ -2229,21 +2297,23 @@
         <p:nvSpPr>
           <p:cNvPr id="5" name="Rect 0"/>
           <p:cNvSpPr txBox="1">
-            <a:spLocks/>
+            <a:spLocks noGrp="1"/>
           </p:cNvSpPr>
           <p:nvPr>
             <p:ph type="sldNum"/>
           </p:nvPr>
         </p:nvSpPr>
         <p:spPr>
-          <a:xfrm rot="0">
+          <a:xfrm>
             <a:off x="6553200" y="6356350"/>
             <a:ext cx="2134235" cy="365760"/>
           </a:xfrm>
-          <a:prstGeom prst="rect"/>
-        </p:spPr>
-        <p:txBody>
-          <a:bodyPr wrap="square" lIns="91440" tIns="45720" rIns="91440" bIns="45720" vert="horz" anchor="ctr">
+          <a:prstGeom prst="rect">
+            <a:avLst/>
+          </a:prstGeom>
+        </p:spPr>
+        <p:txBody>
+          <a:bodyPr vert="horz" wrap="square" lIns="91440" tIns="45720" rIns="91440" bIns="45720" anchor="ctr">
             <a:noAutofit/>
           </a:bodyPr>
           <a:lstStyle/>
@@ -2259,6 +2329,10 @@
               </a:rPr>
               <a:t>‹#›</a:t>
             </a:fld>
+            <a:endParaRPr>
+              <a:latin typeface="맑은 고딕" charset="0"/>
+              <a:ea typeface="맑은 고딕" charset="0"/>
+            </a:endParaRPr>
           </a:p>
         </p:txBody>
       </p:sp>
@@ -2267,14 +2341,6 @@
   <p:clrMapOvr>
     <a:overrideClrMapping bg1="lt1" tx1="dk1" bg2="lt2" tx2="dk2" accent1="accent1" accent2="accent2" accent3="accent3" accent4="accent4" accent5="accent5" accent6="accent6" hlink="hlink" folHlink="folHlink"/>
   </p:clrMapOvr>
-  <mc:AlternateContent xmlns:mc="http://schemas.openxmlformats.org/markup-compatibility/2006">
-    <mc:Choice xmlns:p14="http://schemas.microsoft.com/office/powerpoint/2010/main" Requires="p14">
-      <p:transition spd="slow" p14:dur="2000"/>
-    </mc:Choice>
-    <mc:Fallback>
-      <p:transition spd="slow"/>
-    </mc:Fallback>
-  </mc:AlternateContent>
 </p:sldLayout>
 </file>
 
@@ -2299,21 +2365,23 @@
         <p:nvSpPr>
           <p:cNvPr id="2" name="Rect 0"/>
           <p:cNvSpPr txBox="1">
-            <a:spLocks/>
+            <a:spLocks noGrp="1"/>
           </p:cNvSpPr>
           <p:nvPr>
             <p:ph type="dt"/>
           </p:nvPr>
         </p:nvSpPr>
         <p:spPr>
-          <a:xfrm rot="0">
+          <a:xfrm>
             <a:off x="457200" y="6356350"/>
             <a:ext cx="2134235" cy="365760"/>
           </a:xfrm>
-          <a:prstGeom prst="rect"/>
-        </p:spPr>
-        <p:txBody>
-          <a:bodyPr wrap="square" lIns="91440" tIns="45720" rIns="91440" bIns="45720" vert="horz" anchor="ctr">
+          <a:prstGeom prst="rect">
+            <a:avLst/>
+          </a:prstGeom>
+        </p:spPr>
+        <p:txBody>
+          <a:bodyPr vert="horz" wrap="square" lIns="91440" tIns="45720" rIns="91440" bIns="45720" anchor="ctr">
             <a:noAutofit/>
           </a:bodyPr>
           <a:lstStyle/>
@@ -2327,8 +2395,12 @@
                 <a:latin typeface="맑은 고딕" charset="0"/>
                 <a:ea typeface="맑은 고딕" charset="0"/>
               </a:rPr>
-              <a:t>1/30/2017</a:t>
+              <a:t>8/31/2023</a:t>
             </a:fld>
+            <a:endParaRPr lang="en-US" altLang="ko-KR">
+              <a:latin typeface="맑은 고딕" charset="0"/>
+              <a:ea typeface="맑은 고딕" charset="0"/>
+            </a:endParaRPr>
           </a:p>
         </p:txBody>
       </p:sp>
@@ -2336,21 +2408,23 @@
         <p:nvSpPr>
           <p:cNvPr id="3" name="Rect 0"/>
           <p:cNvSpPr txBox="1">
-            <a:spLocks/>
+            <a:spLocks noGrp="1"/>
           </p:cNvSpPr>
           <p:nvPr>
             <p:ph type="ftr"/>
           </p:nvPr>
         </p:nvSpPr>
         <p:spPr>
-          <a:xfrm rot="0">
+          <a:xfrm>
             <a:off x="3124200" y="6356350"/>
             <a:ext cx="2896235" cy="365760"/>
           </a:xfrm>
-          <a:prstGeom prst="rect"/>
-        </p:spPr>
-        <p:txBody>
-          <a:bodyPr wrap="square" lIns="91440" tIns="45720" rIns="91440" bIns="45720" vert="horz" anchor="ctr">
+          <a:prstGeom prst="rect">
+            <a:avLst/>
+          </a:prstGeom>
+        </p:spPr>
+        <p:txBody>
+          <a:bodyPr vert="horz" wrap="square" lIns="91440" tIns="45720" rIns="91440" bIns="45720" anchor="ctr">
             <a:noAutofit/>
           </a:bodyPr>
           <a:lstStyle/>
@@ -2359,6 +2433,7 @@
               <a:buFontTx/>
               <a:buNone/>
             </a:pPr>
+            <a:endParaRPr/>
           </a:p>
         </p:txBody>
       </p:sp>
@@ -2366,21 +2441,23 @@
         <p:nvSpPr>
           <p:cNvPr id="4" name="Rect 0"/>
           <p:cNvSpPr txBox="1">
-            <a:spLocks/>
+            <a:spLocks noGrp="1"/>
           </p:cNvSpPr>
           <p:nvPr>
             <p:ph type="sldNum"/>
           </p:nvPr>
         </p:nvSpPr>
         <p:spPr>
-          <a:xfrm rot="0">
+          <a:xfrm>
             <a:off x="6553200" y="6356350"/>
             <a:ext cx="2134235" cy="365760"/>
           </a:xfrm>
-          <a:prstGeom prst="rect"/>
-        </p:spPr>
-        <p:txBody>
-          <a:bodyPr wrap="square" lIns="91440" tIns="45720" rIns="91440" bIns="45720" vert="horz" anchor="ctr">
+          <a:prstGeom prst="rect">
+            <a:avLst/>
+          </a:prstGeom>
+        </p:spPr>
+        <p:txBody>
+          <a:bodyPr vert="horz" wrap="square" lIns="91440" tIns="45720" rIns="91440" bIns="45720" anchor="ctr">
             <a:noAutofit/>
           </a:bodyPr>
           <a:lstStyle/>
@@ -2396,6 +2473,10 @@
               </a:rPr>
               <a:t>‹#›</a:t>
             </a:fld>
+            <a:endParaRPr>
+              <a:latin typeface="맑은 고딕" charset="0"/>
+              <a:ea typeface="맑은 고딕" charset="0"/>
+            </a:endParaRPr>
           </a:p>
         </p:txBody>
       </p:sp>
@@ -2404,14 +2485,6 @@
   <p:clrMapOvr>
     <a:overrideClrMapping bg1="lt1" tx1="dk1" bg2="lt2" tx2="dk2" accent1="accent1" accent2="accent2" accent3="accent3" accent4="accent4" accent5="accent5" accent6="accent6" hlink="hlink" folHlink="folHlink"/>
   </p:clrMapOvr>
-  <mc:AlternateContent xmlns:mc="http://schemas.openxmlformats.org/markup-compatibility/2006">
-    <mc:Choice xmlns:p14="http://schemas.microsoft.com/office/powerpoint/2010/main" Requires="p14">
-      <p:transition spd="slow" p14:dur="2000"/>
-    </mc:Choice>
-    <mc:Fallback>
-      <p:transition spd="slow"/>
-    </mc:Fallback>
-  </mc:AlternateContent>
 </p:sldLayout>
 </file>
 
@@ -2436,22 +2509,24 @@
         <p:nvSpPr>
           <p:cNvPr id="2" name="Rect 0"/>
           <p:cNvSpPr txBox="1">
-            <a:spLocks/>
+            <a:spLocks noGrp="1"/>
           </p:cNvSpPr>
           <p:nvPr>
             <p:ph type="title"/>
           </p:nvPr>
         </p:nvSpPr>
         <p:spPr>
-          <a:xfrm rot="0">
+          <a:xfrm>
             <a:off x="457200" y="273050"/>
             <a:ext cx="3009265" cy="1162685"/>
           </a:xfrm>
-          <a:prstGeom prst="rect"/>
-        </p:spPr>
-        <p:txBody>
-          <a:bodyPr wrap="square" lIns="91440" tIns="45720" rIns="91440" bIns="45720" vert="horz" anchor="b">
-            <a:normAutofit fontScale="100000" lnSpcReduction="0"/>
+          <a:prstGeom prst="rect">
+            <a:avLst/>
+          </a:prstGeom>
+        </p:spPr>
+        <p:txBody>
+          <a:bodyPr vert="horz" wrap="square" lIns="91440" tIns="45720" rIns="91440" bIns="45720" anchor="b">
+            <a:normAutofit/>
           </a:bodyPr>
           <a:lstStyle/>
           <a:p>
@@ -2473,22 +2548,24 @@
         <p:nvSpPr>
           <p:cNvPr id="3" name="Rect 0"/>
           <p:cNvSpPr txBox="1">
-            <a:spLocks/>
+            <a:spLocks noGrp="1"/>
           </p:cNvSpPr>
           <p:nvPr>
-            <p:ph type="obj"/>
+            <p:ph/>
           </p:nvPr>
         </p:nvSpPr>
         <p:spPr>
-          <a:xfrm rot="0">
+          <a:xfrm>
             <a:off x="3575050" y="273050"/>
             <a:ext cx="5112385" cy="5854065"/>
           </a:xfrm>
-          <a:prstGeom prst="rect"/>
-        </p:spPr>
-        <p:txBody>
-          <a:bodyPr wrap="square" lIns="91440" tIns="45720" rIns="91440" bIns="45720" vert="horz" anchor="t">
-            <a:normAutofit fontScale="100000" lnSpcReduction="0"/>
+          <a:prstGeom prst="rect">
+            <a:avLst/>
+          </a:prstGeom>
+        </p:spPr>
+        <p:txBody>
+          <a:bodyPr vert="horz" wrap="square" lIns="91440" tIns="45720" rIns="91440" bIns="45720" anchor="t">
+            <a:normAutofit/>
           </a:bodyPr>
           <a:lstStyle/>
           <a:p>
@@ -2547,22 +2624,24 @@
         <p:nvSpPr>
           <p:cNvPr id="4" name="Rect 0"/>
           <p:cNvSpPr txBox="1">
-            <a:spLocks/>
+            <a:spLocks noGrp="1"/>
           </p:cNvSpPr>
           <p:nvPr>
             <p:ph type="body"/>
           </p:nvPr>
         </p:nvSpPr>
         <p:spPr>
-          <a:xfrm rot="0">
+          <a:xfrm>
             <a:off x="457200" y="1435100"/>
             <a:ext cx="3009265" cy="4692015"/>
           </a:xfrm>
-          <a:prstGeom prst="rect"/>
-        </p:spPr>
-        <p:txBody>
-          <a:bodyPr wrap="square" lIns="91440" tIns="45720" rIns="91440" bIns="45720" vert="horz" anchor="t">
-            <a:normAutofit fontScale="100000" lnSpcReduction="0"/>
+          <a:prstGeom prst="rect">
+            <a:avLst/>
+          </a:prstGeom>
+        </p:spPr>
+        <p:txBody>
+          <a:bodyPr vert="horz" wrap="square" lIns="91440" tIns="45720" rIns="91440" bIns="45720" anchor="t">
+            <a:normAutofit/>
           </a:bodyPr>
           <a:lstStyle/>
           <a:p>
@@ -2584,21 +2663,23 @@
         <p:nvSpPr>
           <p:cNvPr id="5" name="Rect 0"/>
           <p:cNvSpPr txBox="1">
-            <a:spLocks/>
+            <a:spLocks noGrp="1"/>
           </p:cNvSpPr>
           <p:nvPr>
             <p:ph type="dt"/>
           </p:nvPr>
         </p:nvSpPr>
         <p:spPr>
-          <a:xfrm rot="0">
+          <a:xfrm>
             <a:off x="457200" y="6356350"/>
             <a:ext cx="2134235" cy="365760"/>
           </a:xfrm>
-          <a:prstGeom prst="rect"/>
-        </p:spPr>
-        <p:txBody>
-          <a:bodyPr wrap="square" lIns="91440" tIns="45720" rIns="91440" bIns="45720" vert="horz" anchor="ctr">
+          <a:prstGeom prst="rect">
+            <a:avLst/>
+          </a:prstGeom>
+        </p:spPr>
+        <p:txBody>
+          <a:bodyPr vert="horz" wrap="square" lIns="91440" tIns="45720" rIns="91440" bIns="45720" anchor="ctr">
             <a:noAutofit/>
           </a:bodyPr>
           <a:lstStyle/>
@@ -2612,8 +2693,12 @@
                 <a:latin typeface="맑은 고딕" charset="0"/>
                 <a:ea typeface="맑은 고딕" charset="0"/>
               </a:rPr>
-              <a:t>1/30/2017</a:t>
+              <a:t>8/31/2023</a:t>
             </a:fld>
+            <a:endParaRPr lang="en-US" altLang="ko-KR">
+              <a:latin typeface="맑은 고딕" charset="0"/>
+              <a:ea typeface="맑은 고딕" charset="0"/>
+            </a:endParaRPr>
           </a:p>
         </p:txBody>
       </p:sp>
@@ -2621,21 +2706,23 @@
         <p:nvSpPr>
           <p:cNvPr id="6" name="Rect 0"/>
           <p:cNvSpPr txBox="1">
-            <a:spLocks/>
+            <a:spLocks noGrp="1"/>
           </p:cNvSpPr>
           <p:nvPr>
             <p:ph type="ftr"/>
           </p:nvPr>
         </p:nvSpPr>
         <p:spPr>
-          <a:xfrm rot="0">
+          <a:xfrm>
             <a:off x="3124200" y="6356350"/>
             <a:ext cx="2896235" cy="365760"/>
           </a:xfrm>
-          <a:prstGeom prst="rect"/>
-        </p:spPr>
-        <p:txBody>
-          <a:bodyPr wrap="square" lIns="91440" tIns="45720" rIns="91440" bIns="45720" vert="horz" anchor="ctr">
+          <a:prstGeom prst="rect">
+            <a:avLst/>
+          </a:prstGeom>
+        </p:spPr>
+        <p:txBody>
+          <a:bodyPr vert="horz" wrap="square" lIns="91440" tIns="45720" rIns="91440" bIns="45720" anchor="ctr">
             <a:noAutofit/>
           </a:bodyPr>
           <a:lstStyle/>
@@ -2644,6 +2731,7 @@
               <a:buFontTx/>
               <a:buNone/>
             </a:pPr>
+            <a:endParaRPr/>
           </a:p>
         </p:txBody>
       </p:sp>
@@ -2651,21 +2739,23 @@
         <p:nvSpPr>
           <p:cNvPr id="7" name="Rect 0"/>
           <p:cNvSpPr txBox="1">
-            <a:spLocks/>
+            <a:spLocks noGrp="1"/>
           </p:cNvSpPr>
           <p:nvPr>
             <p:ph type="sldNum"/>
           </p:nvPr>
         </p:nvSpPr>
         <p:spPr>
-          <a:xfrm rot="0">
+          <a:xfrm>
             <a:off x="6553200" y="6356350"/>
             <a:ext cx="2134235" cy="365760"/>
           </a:xfrm>
-          <a:prstGeom prst="rect"/>
-        </p:spPr>
-        <p:txBody>
-          <a:bodyPr wrap="square" lIns="91440" tIns="45720" rIns="91440" bIns="45720" vert="horz" anchor="ctr">
+          <a:prstGeom prst="rect">
+            <a:avLst/>
+          </a:prstGeom>
+        </p:spPr>
+        <p:txBody>
+          <a:bodyPr vert="horz" wrap="square" lIns="91440" tIns="45720" rIns="91440" bIns="45720" anchor="ctr">
             <a:noAutofit/>
           </a:bodyPr>
           <a:lstStyle/>
@@ -2681,6 +2771,10 @@
               </a:rPr>
               <a:t>‹#›</a:t>
             </a:fld>
+            <a:endParaRPr>
+              <a:latin typeface="맑은 고딕" charset="0"/>
+              <a:ea typeface="맑은 고딕" charset="0"/>
+            </a:endParaRPr>
           </a:p>
         </p:txBody>
       </p:sp>
@@ -2689,14 +2783,6 @@
   <p:clrMapOvr>
     <a:overrideClrMapping bg1="lt1" tx1="dk1" bg2="lt2" tx2="dk2" accent1="accent1" accent2="accent2" accent3="accent3" accent4="accent4" accent5="accent5" accent6="accent6" hlink="hlink" folHlink="folHlink"/>
   </p:clrMapOvr>
-  <mc:AlternateContent xmlns:mc="http://schemas.openxmlformats.org/markup-compatibility/2006">
-    <mc:Choice xmlns:p14="http://schemas.microsoft.com/office/powerpoint/2010/main" Requires="p14">
-      <p:transition spd="slow" p14:dur="2000"/>
-    </mc:Choice>
-    <mc:Fallback>
-      <p:transition spd="slow"/>
-    </mc:Fallback>
-  </mc:AlternateContent>
 </p:sldLayout>
 </file>
 
@@ -2733,10 +2819,9 @@
           <a:lstStyle/>
           <a:p>
             <a:r>
-              <a:rPr lang="en-US" smtClean="0"/>
+              <a:rPr lang="en-US"/>
               <a:t>Click to edit Master title style</a:t>
             </a:r>
-            <a:endParaRPr lang="en-US"/>
           </a:p>
         </p:txBody>
       </p:sp>
@@ -2759,38 +2844,37 @@
               <a:buChar char="•"/>
             </a:pPr>
             <a:r>
-              <a:rPr lang="en-US" smtClean="0"/>
+              <a:rPr lang="en-US"/>
               <a:t>Click to edit Master text styles</a:t>
             </a:r>
           </a:p>
           <a:p>
             <a:pPr lvl="1"/>
             <a:r>
-              <a:rPr lang="en-US" smtClean="0"/>
+              <a:rPr lang="en-US"/>
               <a:t>Second level</a:t>
             </a:r>
           </a:p>
           <a:p>
             <a:pPr lvl="2"/>
             <a:r>
-              <a:rPr lang="en-US" smtClean="0"/>
+              <a:rPr lang="en-US"/>
               <a:t>Third level</a:t>
             </a:r>
           </a:p>
           <a:p>
             <a:pPr lvl="3"/>
             <a:r>
-              <a:rPr lang="en-US" smtClean="0"/>
+              <a:rPr lang="en-US"/>
               <a:t>Fourth level</a:t>
             </a:r>
           </a:p>
           <a:p>
             <a:pPr lvl="4"/>
             <a:r>
-              <a:rPr lang="en-US" smtClean="0"/>
+              <a:rPr lang="en-US"/>
               <a:t>Fifth level</a:t>
             </a:r>
-            <a:endParaRPr lang="en-US"/>
           </a:p>
         </p:txBody>
       </p:sp>
@@ -2811,7 +2895,7 @@
           <a:p>
             <a:fld id="{A76116CE-C4A3-4A05-B2D7-7C2E9A889C0F}" type="datetimeFigureOut">
               <a:rPr lang="en-US" smtClean="0"/>
-              <a:t>6/29/2023</a:t>
+              <a:t>8/31/2023</a:t>
             </a:fld>
             <a:endParaRPr lang="en-US"/>
           </a:p>
@@ -2888,22 +2972,24 @@
         <p:nvSpPr>
           <p:cNvPr id="2" name="Rect 0"/>
           <p:cNvSpPr txBox="1">
-            <a:spLocks/>
+            <a:spLocks noGrp="1"/>
           </p:cNvSpPr>
           <p:nvPr>
             <p:ph type="title"/>
           </p:nvPr>
         </p:nvSpPr>
         <p:spPr>
-          <a:xfrm rot="0">
+          <a:xfrm>
             <a:off x="1792605" y="4800600"/>
             <a:ext cx="5487035" cy="567690"/>
           </a:xfrm>
-          <a:prstGeom prst="rect"/>
-        </p:spPr>
-        <p:txBody>
-          <a:bodyPr wrap="square" lIns="91440" tIns="45720" rIns="91440" bIns="45720" vert="horz" anchor="b">
-            <a:normAutofit fontScale="100000" lnSpcReduction="0"/>
+          <a:prstGeom prst="rect">
+            <a:avLst/>
+          </a:prstGeom>
+        </p:spPr>
+        <p:txBody>
+          <a:bodyPr vert="horz" wrap="square" lIns="91440" tIns="45720" rIns="91440" bIns="45720" anchor="b">
+            <a:normAutofit/>
           </a:bodyPr>
           <a:lstStyle/>
           <a:p>
@@ -2925,40 +3011,44 @@
         <p:nvSpPr>
           <p:cNvPr id="3" name="Rect 0"/>
           <p:cNvSpPr txBox="1">
-            <a:spLocks/>
+            <a:spLocks noGrp="1"/>
           </p:cNvSpPr>
           <p:nvPr>
             <p:ph type="pic"/>
           </p:nvPr>
         </p:nvSpPr>
         <p:spPr>
-          <a:xfrm rot="0">
+          <a:xfrm>
             <a:off x="1792605" y="612775"/>
             <a:ext cx="5487035" cy="4115435"/>
           </a:xfrm>
-          <a:prstGeom prst="rect"/>
+          <a:prstGeom prst="rect">
+            <a:avLst/>
+          </a:prstGeom>
         </p:spPr>
       </p:sp>
       <p:sp>
         <p:nvSpPr>
           <p:cNvPr id="4" name="Rect 0"/>
           <p:cNvSpPr txBox="1">
-            <a:spLocks/>
+            <a:spLocks noGrp="1"/>
           </p:cNvSpPr>
           <p:nvPr>
             <p:ph type="body"/>
           </p:nvPr>
         </p:nvSpPr>
         <p:spPr>
-          <a:xfrm rot="0">
+          <a:xfrm>
             <a:off x="1792605" y="5367655"/>
             <a:ext cx="5487035" cy="805180"/>
           </a:xfrm>
-          <a:prstGeom prst="rect"/>
-        </p:spPr>
-        <p:txBody>
-          <a:bodyPr wrap="square" lIns="91440" tIns="45720" rIns="91440" bIns="45720" vert="horz" anchor="t">
-            <a:normAutofit fontScale="100000" lnSpcReduction="0"/>
+          <a:prstGeom prst="rect">
+            <a:avLst/>
+          </a:prstGeom>
+        </p:spPr>
+        <p:txBody>
+          <a:bodyPr vert="horz" wrap="square" lIns="91440" tIns="45720" rIns="91440" bIns="45720" anchor="t">
+            <a:normAutofit/>
           </a:bodyPr>
           <a:lstStyle/>
           <a:p>
@@ -2980,21 +3070,23 @@
         <p:nvSpPr>
           <p:cNvPr id="5" name="Rect 0"/>
           <p:cNvSpPr txBox="1">
-            <a:spLocks/>
+            <a:spLocks noGrp="1"/>
           </p:cNvSpPr>
           <p:nvPr>
             <p:ph type="dt"/>
           </p:nvPr>
         </p:nvSpPr>
         <p:spPr>
-          <a:xfrm rot="0">
+          <a:xfrm>
             <a:off x="457200" y="6356350"/>
             <a:ext cx="2134235" cy="365760"/>
           </a:xfrm>
-          <a:prstGeom prst="rect"/>
-        </p:spPr>
-        <p:txBody>
-          <a:bodyPr wrap="square" lIns="91440" tIns="45720" rIns="91440" bIns="45720" vert="horz" anchor="ctr">
+          <a:prstGeom prst="rect">
+            <a:avLst/>
+          </a:prstGeom>
+        </p:spPr>
+        <p:txBody>
+          <a:bodyPr vert="horz" wrap="square" lIns="91440" tIns="45720" rIns="91440" bIns="45720" anchor="ctr">
             <a:noAutofit/>
           </a:bodyPr>
           <a:lstStyle/>
@@ -3008,8 +3100,12 @@
                 <a:latin typeface="맑은 고딕" charset="0"/>
                 <a:ea typeface="맑은 고딕" charset="0"/>
               </a:rPr>
-              <a:t>1/30/2017</a:t>
+              <a:t>8/31/2023</a:t>
             </a:fld>
+            <a:endParaRPr lang="en-US" altLang="ko-KR">
+              <a:latin typeface="맑은 고딕" charset="0"/>
+              <a:ea typeface="맑은 고딕" charset="0"/>
+            </a:endParaRPr>
           </a:p>
         </p:txBody>
       </p:sp>
@@ -3017,21 +3113,23 @@
         <p:nvSpPr>
           <p:cNvPr id="6" name="Rect 0"/>
           <p:cNvSpPr txBox="1">
-            <a:spLocks/>
+            <a:spLocks noGrp="1"/>
           </p:cNvSpPr>
           <p:nvPr>
             <p:ph type="ftr"/>
           </p:nvPr>
         </p:nvSpPr>
         <p:spPr>
-          <a:xfrm rot="0">
+          <a:xfrm>
             <a:off x="3124200" y="6356350"/>
             <a:ext cx="2896235" cy="365760"/>
           </a:xfrm>
-          <a:prstGeom prst="rect"/>
-        </p:spPr>
-        <p:txBody>
-          <a:bodyPr wrap="square" lIns="91440" tIns="45720" rIns="91440" bIns="45720" vert="horz" anchor="ctr">
+          <a:prstGeom prst="rect">
+            <a:avLst/>
+          </a:prstGeom>
+        </p:spPr>
+        <p:txBody>
+          <a:bodyPr vert="horz" wrap="square" lIns="91440" tIns="45720" rIns="91440" bIns="45720" anchor="ctr">
             <a:noAutofit/>
           </a:bodyPr>
           <a:lstStyle/>
@@ -3040,6 +3138,7 @@
               <a:buFontTx/>
               <a:buNone/>
             </a:pPr>
+            <a:endParaRPr/>
           </a:p>
         </p:txBody>
       </p:sp>
@@ -3047,21 +3146,23 @@
         <p:nvSpPr>
           <p:cNvPr id="7" name="Rect 0"/>
           <p:cNvSpPr txBox="1">
-            <a:spLocks/>
+            <a:spLocks noGrp="1"/>
           </p:cNvSpPr>
           <p:nvPr>
             <p:ph type="sldNum"/>
           </p:nvPr>
         </p:nvSpPr>
         <p:spPr>
-          <a:xfrm rot="0">
+          <a:xfrm>
             <a:off x="6553200" y="6356350"/>
             <a:ext cx="2134235" cy="365760"/>
           </a:xfrm>
-          <a:prstGeom prst="rect"/>
-        </p:spPr>
-        <p:txBody>
-          <a:bodyPr wrap="square" lIns="91440" tIns="45720" rIns="91440" bIns="45720" vert="horz" anchor="ctr">
+          <a:prstGeom prst="rect">
+            <a:avLst/>
+          </a:prstGeom>
+        </p:spPr>
+        <p:txBody>
+          <a:bodyPr vert="horz" wrap="square" lIns="91440" tIns="45720" rIns="91440" bIns="45720" anchor="ctr">
             <a:noAutofit/>
           </a:bodyPr>
           <a:lstStyle/>
@@ -3077,6 +3178,10 @@
               </a:rPr>
               <a:t>‹#›</a:t>
             </a:fld>
+            <a:endParaRPr>
+              <a:latin typeface="맑은 고딕" charset="0"/>
+              <a:ea typeface="맑은 고딕" charset="0"/>
+            </a:endParaRPr>
           </a:p>
         </p:txBody>
       </p:sp>
@@ -3085,14 +3190,6 @@
   <p:clrMapOvr>
     <a:overrideClrMapping bg1="lt1" tx1="dk1" bg2="lt2" tx2="dk2" accent1="accent1" accent2="accent2" accent3="accent3" accent4="accent4" accent5="accent5" accent6="accent6" hlink="hlink" folHlink="folHlink"/>
   </p:clrMapOvr>
-  <mc:AlternateContent xmlns:mc="http://schemas.openxmlformats.org/markup-compatibility/2006">
-    <mc:Choice xmlns:p14="http://schemas.microsoft.com/office/powerpoint/2010/main" Requires="p14">
-      <p:transition spd="slow" p14:dur="2000"/>
-    </mc:Choice>
-    <mc:Fallback>
-      <p:transition spd="slow"/>
-    </mc:Fallback>
-  </mc:AlternateContent>
 </p:sldLayout>
 </file>
 
@@ -3117,22 +3214,24 @@
         <p:nvSpPr>
           <p:cNvPr id="2" name="Rect 0"/>
           <p:cNvSpPr txBox="1">
-            <a:spLocks/>
+            <a:spLocks noGrp="1"/>
           </p:cNvSpPr>
           <p:nvPr>
             <p:ph type="title"/>
           </p:nvPr>
         </p:nvSpPr>
         <p:spPr>
-          <a:xfrm rot="0">
+          <a:xfrm>
             <a:off x="457200" y="274955"/>
             <a:ext cx="8230235" cy="1143635"/>
           </a:xfrm>
-          <a:prstGeom prst="rect"/>
-        </p:spPr>
-        <p:txBody>
-          <a:bodyPr wrap="square" lIns="91440" tIns="45720" rIns="91440" bIns="45720" vert="horz" anchor="ctr">
-            <a:normAutofit fontScale="100000" lnSpcReduction="0"/>
+          <a:prstGeom prst="rect">
+            <a:avLst/>
+          </a:prstGeom>
+        </p:spPr>
+        <p:txBody>
+          <a:bodyPr vert="horz" wrap="square" lIns="91440" tIns="45720" rIns="91440" bIns="45720" anchor="ctr">
+            <a:normAutofit/>
           </a:bodyPr>
           <a:lstStyle/>
           <a:p>
@@ -3154,22 +3253,24 @@
         <p:nvSpPr>
           <p:cNvPr id="3" name="Rect 0"/>
           <p:cNvSpPr txBox="1">
-            <a:spLocks/>
+            <a:spLocks noGrp="1"/>
           </p:cNvSpPr>
           <p:nvPr>
             <p:ph type="body" orient="vert"/>
           </p:nvPr>
         </p:nvSpPr>
         <p:spPr>
-          <a:xfrm rot="0">
+          <a:xfrm>
             <a:off x="457200" y="1600200"/>
             <a:ext cx="8230235" cy="4526915"/>
           </a:xfrm>
-          <a:prstGeom prst="rect"/>
-        </p:spPr>
-        <p:txBody>
-          <a:bodyPr wrap="square" lIns="91440" tIns="45720" rIns="91440" bIns="45720" vert="eaVert" anchor="t">
-            <a:normAutofit fontScale="100000" lnSpcReduction="0"/>
+          <a:prstGeom prst="rect">
+            <a:avLst/>
+          </a:prstGeom>
+        </p:spPr>
+        <p:txBody>
+          <a:bodyPr vert="eaVert" wrap="square" lIns="91440" tIns="45720" rIns="91440" bIns="45720" anchor="t">
+            <a:normAutofit/>
           </a:bodyPr>
           <a:lstStyle/>
           <a:p>
@@ -3228,21 +3329,23 @@
         <p:nvSpPr>
           <p:cNvPr id="4" name="Rect 0"/>
           <p:cNvSpPr txBox="1">
-            <a:spLocks/>
+            <a:spLocks noGrp="1"/>
           </p:cNvSpPr>
           <p:nvPr>
             <p:ph type="dt"/>
           </p:nvPr>
         </p:nvSpPr>
         <p:spPr>
-          <a:xfrm rot="0">
+          <a:xfrm>
             <a:off x="457200" y="6356350"/>
             <a:ext cx="2134235" cy="365760"/>
           </a:xfrm>
-          <a:prstGeom prst="rect"/>
-        </p:spPr>
-        <p:txBody>
-          <a:bodyPr wrap="square" lIns="91440" tIns="45720" rIns="91440" bIns="45720" vert="horz" anchor="ctr">
+          <a:prstGeom prst="rect">
+            <a:avLst/>
+          </a:prstGeom>
+        </p:spPr>
+        <p:txBody>
+          <a:bodyPr vert="horz" wrap="square" lIns="91440" tIns="45720" rIns="91440" bIns="45720" anchor="ctr">
             <a:noAutofit/>
           </a:bodyPr>
           <a:lstStyle/>
@@ -3256,8 +3359,12 @@
                 <a:latin typeface="맑은 고딕" charset="0"/>
                 <a:ea typeface="맑은 고딕" charset="0"/>
               </a:rPr>
-              <a:t>1/30/2017</a:t>
+              <a:t>8/31/2023</a:t>
             </a:fld>
+            <a:endParaRPr lang="en-US" altLang="ko-KR">
+              <a:latin typeface="맑은 고딕" charset="0"/>
+              <a:ea typeface="맑은 고딕" charset="0"/>
+            </a:endParaRPr>
           </a:p>
         </p:txBody>
       </p:sp>
@@ -3265,21 +3372,23 @@
         <p:nvSpPr>
           <p:cNvPr id="5" name="Rect 0"/>
           <p:cNvSpPr txBox="1">
-            <a:spLocks/>
+            <a:spLocks noGrp="1"/>
           </p:cNvSpPr>
           <p:nvPr>
             <p:ph type="ftr"/>
           </p:nvPr>
         </p:nvSpPr>
         <p:spPr>
-          <a:xfrm rot="0">
+          <a:xfrm>
             <a:off x="3124200" y="6356350"/>
             <a:ext cx="2896235" cy="365760"/>
           </a:xfrm>
-          <a:prstGeom prst="rect"/>
-        </p:spPr>
-        <p:txBody>
-          <a:bodyPr wrap="square" lIns="91440" tIns="45720" rIns="91440" bIns="45720" vert="horz" anchor="ctr">
+          <a:prstGeom prst="rect">
+            <a:avLst/>
+          </a:prstGeom>
+        </p:spPr>
+        <p:txBody>
+          <a:bodyPr vert="horz" wrap="square" lIns="91440" tIns="45720" rIns="91440" bIns="45720" anchor="ctr">
             <a:noAutofit/>
           </a:bodyPr>
           <a:lstStyle/>
@@ -3288,6 +3397,7 @@
               <a:buFontTx/>
               <a:buNone/>
             </a:pPr>
+            <a:endParaRPr/>
           </a:p>
         </p:txBody>
       </p:sp>
@@ -3295,21 +3405,23 @@
         <p:nvSpPr>
           <p:cNvPr id="6" name="Rect 0"/>
           <p:cNvSpPr txBox="1">
-            <a:spLocks/>
+            <a:spLocks noGrp="1"/>
           </p:cNvSpPr>
           <p:nvPr>
             <p:ph type="sldNum"/>
           </p:nvPr>
         </p:nvSpPr>
         <p:spPr>
-          <a:xfrm rot="0">
+          <a:xfrm>
             <a:off x="6553200" y="6356350"/>
             <a:ext cx="2134235" cy="365760"/>
           </a:xfrm>
-          <a:prstGeom prst="rect"/>
-        </p:spPr>
-        <p:txBody>
-          <a:bodyPr wrap="square" lIns="91440" tIns="45720" rIns="91440" bIns="45720" vert="horz" anchor="ctr">
+          <a:prstGeom prst="rect">
+            <a:avLst/>
+          </a:prstGeom>
+        </p:spPr>
+        <p:txBody>
+          <a:bodyPr vert="horz" wrap="square" lIns="91440" tIns="45720" rIns="91440" bIns="45720" anchor="ctr">
             <a:noAutofit/>
           </a:bodyPr>
           <a:lstStyle/>
@@ -3325,6 +3437,10 @@
               </a:rPr>
               <a:t>‹#›</a:t>
             </a:fld>
+            <a:endParaRPr>
+              <a:latin typeface="맑은 고딕" charset="0"/>
+              <a:ea typeface="맑은 고딕" charset="0"/>
+            </a:endParaRPr>
           </a:p>
         </p:txBody>
       </p:sp>
@@ -3333,14 +3449,6 @@
   <p:clrMapOvr>
     <a:overrideClrMapping bg1="lt1" tx1="dk1" bg2="lt2" tx2="dk2" accent1="accent1" accent2="accent2" accent3="accent3" accent4="accent4" accent5="accent5" accent6="accent6" hlink="hlink" folHlink="folHlink"/>
   </p:clrMapOvr>
-  <mc:AlternateContent xmlns:mc="http://schemas.openxmlformats.org/markup-compatibility/2006">
-    <mc:Choice xmlns:p14="http://schemas.microsoft.com/office/powerpoint/2010/main" Requires="p14">
-      <p:transition spd="slow" p14:dur="2000"/>
-    </mc:Choice>
-    <mc:Fallback>
-      <p:transition spd="slow"/>
-    </mc:Fallback>
-  </mc:AlternateContent>
 </p:sldLayout>
 </file>
 
@@ -3365,22 +3473,24 @@
         <p:nvSpPr>
           <p:cNvPr id="2" name="Rect 0"/>
           <p:cNvSpPr txBox="1">
-            <a:spLocks/>
+            <a:spLocks noGrp="1"/>
           </p:cNvSpPr>
           <p:nvPr>
             <p:ph type="title" orient="vert"/>
           </p:nvPr>
         </p:nvSpPr>
         <p:spPr>
-          <a:xfrm rot="0">
+          <a:xfrm>
             <a:off x="6629400" y="274955"/>
             <a:ext cx="2058035" cy="5852160"/>
           </a:xfrm>
-          <a:prstGeom prst="rect"/>
-        </p:spPr>
-        <p:txBody>
-          <a:bodyPr wrap="square" lIns="91440" tIns="45720" rIns="91440" bIns="45720" vert="eaVert" anchor="ctr">
-            <a:normAutofit fontScale="100000" lnSpcReduction="0"/>
+          <a:prstGeom prst="rect">
+            <a:avLst/>
+          </a:prstGeom>
+        </p:spPr>
+        <p:txBody>
+          <a:bodyPr vert="eaVert" wrap="square" lIns="91440" tIns="45720" rIns="91440" bIns="45720" anchor="ctr">
+            <a:normAutofit/>
           </a:bodyPr>
           <a:lstStyle/>
           <a:p>
@@ -3402,22 +3512,24 @@
         <p:nvSpPr>
           <p:cNvPr id="3" name="Rect 0"/>
           <p:cNvSpPr txBox="1">
-            <a:spLocks/>
+            <a:spLocks noGrp="1"/>
           </p:cNvSpPr>
           <p:nvPr>
             <p:ph type="body" orient="vert"/>
           </p:nvPr>
         </p:nvSpPr>
         <p:spPr>
-          <a:xfrm rot="0">
+          <a:xfrm>
             <a:off x="457200" y="274955"/>
             <a:ext cx="6020435" cy="5852160"/>
           </a:xfrm>
-          <a:prstGeom prst="rect"/>
-        </p:spPr>
-        <p:txBody>
-          <a:bodyPr wrap="square" lIns="91440" tIns="45720" rIns="91440" bIns="45720" vert="eaVert" anchor="t">
-            <a:normAutofit fontScale="100000" lnSpcReduction="0"/>
+          <a:prstGeom prst="rect">
+            <a:avLst/>
+          </a:prstGeom>
+        </p:spPr>
+        <p:txBody>
+          <a:bodyPr vert="eaVert" wrap="square" lIns="91440" tIns="45720" rIns="91440" bIns="45720" anchor="t">
+            <a:normAutofit/>
           </a:bodyPr>
           <a:lstStyle/>
           <a:p>
@@ -3476,21 +3588,23 @@
         <p:nvSpPr>
           <p:cNvPr id="4" name="Rect 0"/>
           <p:cNvSpPr txBox="1">
-            <a:spLocks/>
+            <a:spLocks noGrp="1"/>
           </p:cNvSpPr>
           <p:nvPr>
             <p:ph type="dt"/>
           </p:nvPr>
         </p:nvSpPr>
         <p:spPr>
-          <a:xfrm rot="0">
+          <a:xfrm>
             <a:off x="457200" y="6356350"/>
             <a:ext cx="2134235" cy="365760"/>
           </a:xfrm>
-          <a:prstGeom prst="rect"/>
-        </p:spPr>
-        <p:txBody>
-          <a:bodyPr wrap="square" lIns="91440" tIns="45720" rIns="91440" bIns="45720" vert="horz" anchor="ctr">
+          <a:prstGeom prst="rect">
+            <a:avLst/>
+          </a:prstGeom>
+        </p:spPr>
+        <p:txBody>
+          <a:bodyPr vert="horz" wrap="square" lIns="91440" tIns="45720" rIns="91440" bIns="45720" anchor="ctr">
             <a:noAutofit/>
           </a:bodyPr>
           <a:lstStyle/>
@@ -3504,8 +3618,12 @@
                 <a:latin typeface="맑은 고딕" charset="0"/>
                 <a:ea typeface="맑은 고딕" charset="0"/>
               </a:rPr>
-              <a:t>1/30/2017</a:t>
+              <a:t>8/31/2023</a:t>
             </a:fld>
+            <a:endParaRPr lang="en-US" altLang="ko-KR">
+              <a:latin typeface="맑은 고딕" charset="0"/>
+              <a:ea typeface="맑은 고딕" charset="0"/>
+            </a:endParaRPr>
           </a:p>
         </p:txBody>
       </p:sp>
@@ -3513,21 +3631,23 @@
         <p:nvSpPr>
           <p:cNvPr id="5" name="Rect 0"/>
           <p:cNvSpPr txBox="1">
-            <a:spLocks/>
+            <a:spLocks noGrp="1"/>
           </p:cNvSpPr>
           <p:nvPr>
             <p:ph type="ftr"/>
           </p:nvPr>
         </p:nvSpPr>
         <p:spPr>
-          <a:xfrm rot="0">
+          <a:xfrm>
             <a:off x="3124200" y="6356350"/>
             <a:ext cx="2896235" cy="365760"/>
           </a:xfrm>
-          <a:prstGeom prst="rect"/>
-        </p:spPr>
-        <p:txBody>
-          <a:bodyPr wrap="square" lIns="91440" tIns="45720" rIns="91440" bIns="45720" vert="horz" anchor="ctr">
+          <a:prstGeom prst="rect">
+            <a:avLst/>
+          </a:prstGeom>
+        </p:spPr>
+        <p:txBody>
+          <a:bodyPr vert="horz" wrap="square" lIns="91440" tIns="45720" rIns="91440" bIns="45720" anchor="ctr">
             <a:noAutofit/>
           </a:bodyPr>
           <a:lstStyle/>
@@ -3536,6 +3656,7 @@
               <a:buFontTx/>
               <a:buNone/>
             </a:pPr>
+            <a:endParaRPr/>
           </a:p>
         </p:txBody>
       </p:sp>
@@ -3543,21 +3664,23 @@
         <p:nvSpPr>
           <p:cNvPr id="6" name="Rect 0"/>
           <p:cNvSpPr txBox="1">
-            <a:spLocks/>
+            <a:spLocks noGrp="1"/>
           </p:cNvSpPr>
           <p:nvPr>
             <p:ph type="sldNum"/>
           </p:nvPr>
         </p:nvSpPr>
         <p:spPr>
-          <a:xfrm rot="0">
+          <a:xfrm>
             <a:off x="6553200" y="6356350"/>
             <a:ext cx="2134235" cy="365760"/>
           </a:xfrm>
-          <a:prstGeom prst="rect"/>
-        </p:spPr>
-        <p:txBody>
-          <a:bodyPr wrap="square" lIns="91440" tIns="45720" rIns="91440" bIns="45720" vert="horz" anchor="ctr">
+          <a:prstGeom prst="rect">
+            <a:avLst/>
+          </a:prstGeom>
+        </p:spPr>
+        <p:txBody>
+          <a:bodyPr vert="horz" wrap="square" lIns="91440" tIns="45720" rIns="91440" bIns="45720" anchor="ctr">
             <a:noAutofit/>
           </a:bodyPr>
           <a:lstStyle/>
@@ -3573,6 +3696,10 @@
               </a:rPr>
               <a:t>‹#›</a:t>
             </a:fld>
+            <a:endParaRPr>
+              <a:latin typeface="맑은 고딕" charset="0"/>
+              <a:ea typeface="맑은 고딕" charset="0"/>
+            </a:endParaRPr>
           </a:p>
         </p:txBody>
       </p:sp>
@@ -3581,14 +3708,6 @@
   <p:clrMapOvr>
     <a:overrideClrMapping bg1="lt1" tx1="dk1" bg2="lt2" tx2="dk2" accent1="accent1" accent2="accent2" accent3="accent3" accent4="accent4" accent5="accent5" accent6="accent6" hlink="hlink" folHlink="folHlink"/>
   </p:clrMapOvr>
-  <mc:AlternateContent xmlns:mc="http://schemas.openxmlformats.org/markup-compatibility/2006">
-    <mc:Choice xmlns:p14="http://schemas.microsoft.com/office/powerpoint/2010/main" Requires="p14">
-      <p:transition spd="slow" p14:dur="2000"/>
-    </mc:Choice>
-    <mc:Fallback>
-      <p:transition spd="slow"/>
-    </mc:Fallback>
-  </mc:AlternateContent>
 </p:sldLayout>
 </file>
 
@@ -3634,10 +3753,9 @@
           </a:lstStyle>
           <a:p>
             <a:r>
-              <a:rPr lang="en-US" smtClean="0"/>
+              <a:rPr lang="en-US"/>
               <a:t>Click to edit Master title style</a:t>
             </a:r>
-            <a:endParaRPr lang="en-US"/>
           </a:p>
         </p:txBody>
       </p:sp>
@@ -3754,7 +3872,7 @@
           <a:p>
             <a:pPr lvl="0"/>
             <a:r>
-              <a:rPr lang="en-US" smtClean="0"/>
+              <a:rPr lang="en-US"/>
               <a:t>Click to edit Master text styles</a:t>
             </a:r>
           </a:p>
@@ -3777,7 +3895,7 @@
           <a:p>
             <a:fld id="{A76116CE-C4A3-4A05-B2D7-7C2E9A889C0F}" type="datetimeFigureOut">
               <a:rPr lang="en-US" smtClean="0"/>
-              <a:t>6/29/2023</a:t>
+              <a:t>8/31/2023</a:t>
             </a:fld>
             <a:endParaRPr lang="en-US"/>
           </a:p>
@@ -3866,10 +3984,9 @@
           <a:lstStyle/>
           <a:p>
             <a:r>
-              <a:rPr lang="en-US" smtClean="0"/>
+              <a:rPr lang="en-US"/>
               <a:t>Click to edit Master title style</a:t>
             </a:r>
-            <a:endParaRPr lang="en-US"/>
           </a:p>
         </p:txBody>
       </p:sp>
@@ -3923,38 +4040,37 @@
           <a:p>
             <a:pPr lvl="0"/>
             <a:r>
-              <a:rPr lang="en-US" smtClean="0"/>
+              <a:rPr lang="en-US"/>
               <a:t>Click to edit Master text styles</a:t>
             </a:r>
           </a:p>
           <a:p>
             <a:pPr lvl="1"/>
             <a:r>
-              <a:rPr lang="en-US" smtClean="0"/>
+              <a:rPr lang="en-US"/>
               <a:t>Second level</a:t>
             </a:r>
           </a:p>
           <a:p>
             <a:pPr lvl="2"/>
             <a:r>
-              <a:rPr lang="en-US" smtClean="0"/>
+              <a:rPr lang="en-US"/>
               <a:t>Third level</a:t>
             </a:r>
           </a:p>
           <a:p>
             <a:pPr lvl="3"/>
             <a:r>
-              <a:rPr lang="en-US" smtClean="0"/>
+              <a:rPr lang="en-US"/>
               <a:t>Fourth level</a:t>
             </a:r>
           </a:p>
           <a:p>
             <a:pPr lvl="4"/>
             <a:r>
-              <a:rPr lang="en-US" smtClean="0"/>
+              <a:rPr lang="en-US"/>
               <a:t>Fifth level</a:t>
             </a:r>
-            <a:endParaRPr lang="en-US"/>
           </a:p>
         </p:txBody>
       </p:sp>
@@ -4008,38 +4124,37 @@
           <a:p>
             <a:pPr lvl="0"/>
             <a:r>
-              <a:rPr lang="en-US" smtClean="0"/>
+              <a:rPr lang="en-US"/>
               <a:t>Click to edit Master text styles</a:t>
             </a:r>
           </a:p>
           <a:p>
             <a:pPr lvl="1"/>
             <a:r>
-              <a:rPr lang="en-US" smtClean="0"/>
+              <a:rPr lang="en-US"/>
               <a:t>Second level</a:t>
             </a:r>
           </a:p>
           <a:p>
             <a:pPr lvl="2"/>
             <a:r>
-              <a:rPr lang="en-US" smtClean="0"/>
+              <a:rPr lang="en-US"/>
               <a:t>Third level</a:t>
             </a:r>
           </a:p>
           <a:p>
             <a:pPr lvl="3"/>
             <a:r>
-              <a:rPr lang="en-US" smtClean="0"/>
+              <a:rPr lang="en-US"/>
               <a:t>Fourth level</a:t>
             </a:r>
           </a:p>
           <a:p>
             <a:pPr lvl="4"/>
             <a:r>
-              <a:rPr lang="en-US" smtClean="0"/>
+              <a:rPr lang="en-US"/>
               <a:t>Fifth level</a:t>
             </a:r>
-            <a:endParaRPr lang="en-US"/>
           </a:p>
         </p:txBody>
       </p:sp>
@@ -4060,7 +4175,7 @@
           <a:p>
             <a:fld id="{A76116CE-C4A3-4A05-B2D7-7C2E9A889C0F}" type="datetimeFigureOut">
               <a:rPr lang="en-US" smtClean="0"/>
-              <a:t>6/29/2023</a:t>
+              <a:t>8/31/2023</a:t>
             </a:fld>
             <a:endParaRPr lang="en-US"/>
           </a:p>
@@ -4153,10 +4268,9 @@
           </a:lstStyle>
           <a:p>
             <a:r>
-              <a:rPr lang="en-US" smtClean="0"/>
+              <a:rPr lang="en-US"/>
               <a:t>Click to edit Master title style</a:t>
             </a:r>
-            <a:endParaRPr lang="en-US"/>
           </a:p>
         </p:txBody>
       </p:sp>
@@ -4219,7 +4333,7 @@
           <a:p>
             <a:pPr lvl="0"/>
             <a:r>
-              <a:rPr lang="en-US" smtClean="0"/>
+              <a:rPr lang="en-US"/>
               <a:t>Click to edit Master text styles</a:t>
             </a:r>
           </a:p>
@@ -4275,38 +4389,37 @@
           <a:p>
             <a:pPr lvl="0"/>
             <a:r>
-              <a:rPr lang="en-US" smtClean="0"/>
+              <a:rPr lang="en-US"/>
               <a:t>Click to edit Master text styles</a:t>
             </a:r>
           </a:p>
           <a:p>
             <a:pPr lvl="1"/>
             <a:r>
-              <a:rPr lang="en-US" smtClean="0"/>
+              <a:rPr lang="en-US"/>
               <a:t>Second level</a:t>
             </a:r>
           </a:p>
           <a:p>
             <a:pPr lvl="2"/>
             <a:r>
-              <a:rPr lang="en-US" smtClean="0"/>
+              <a:rPr lang="en-US"/>
               <a:t>Third level</a:t>
             </a:r>
           </a:p>
           <a:p>
             <a:pPr lvl="3"/>
             <a:r>
-              <a:rPr lang="en-US" smtClean="0"/>
+              <a:rPr lang="en-US"/>
               <a:t>Fourth level</a:t>
             </a:r>
           </a:p>
           <a:p>
             <a:pPr lvl="4"/>
             <a:r>
-              <a:rPr lang="en-US" smtClean="0"/>
+              <a:rPr lang="en-US"/>
               <a:t>Fifth level</a:t>
             </a:r>
-            <a:endParaRPr lang="en-US"/>
           </a:p>
         </p:txBody>
       </p:sp>
@@ -4369,7 +4482,7 @@
           <a:p>
             <a:pPr lvl="0"/>
             <a:r>
-              <a:rPr lang="en-US" smtClean="0"/>
+              <a:rPr lang="en-US"/>
               <a:t>Click to edit Master text styles</a:t>
             </a:r>
           </a:p>
@@ -4425,38 +4538,37 @@
           <a:p>
             <a:pPr lvl="0"/>
             <a:r>
-              <a:rPr lang="en-US" smtClean="0"/>
+              <a:rPr lang="en-US"/>
               <a:t>Click to edit Master text styles</a:t>
             </a:r>
           </a:p>
           <a:p>
             <a:pPr lvl="1"/>
             <a:r>
-              <a:rPr lang="en-US" smtClean="0"/>
+              <a:rPr lang="en-US"/>
               <a:t>Second level</a:t>
             </a:r>
           </a:p>
           <a:p>
             <a:pPr lvl="2"/>
             <a:r>
-              <a:rPr lang="en-US" smtClean="0"/>
+              <a:rPr lang="en-US"/>
               <a:t>Third level</a:t>
             </a:r>
           </a:p>
           <a:p>
             <a:pPr lvl="3"/>
             <a:r>
-              <a:rPr lang="en-US" smtClean="0"/>
+              <a:rPr lang="en-US"/>
               <a:t>Fourth level</a:t>
             </a:r>
           </a:p>
           <a:p>
             <a:pPr lvl="4"/>
             <a:r>
-              <a:rPr lang="en-US" smtClean="0"/>
+              <a:rPr lang="en-US"/>
               <a:t>Fifth level</a:t>
             </a:r>
-            <a:endParaRPr lang="en-US"/>
           </a:p>
         </p:txBody>
       </p:sp>
@@ -4477,7 +4589,7 @@
           <a:p>
             <a:fld id="{A76116CE-C4A3-4A05-B2D7-7C2E9A889C0F}" type="datetimeFigureOut">
               <a:rPr lang="en-US" smtClean="0"/>
-              <a:t>6/29/2023</a:t>
+              <a:t>8/31/2023</a:t>
             </a:fld>
             <a:endParaRPr lang="en-US"/>
           </a:p>
@@ -4566,10 +4678,9 @@
           <a:lstStyle/>
           <a:p>
             <a:r>
-              <a:rPr lang="en-US" smtClean="0"/>
+              <a:rPr lang="en-US"/>
               <a:t>Click to edit Master title style</a:t>
             </a:r>
-            <a:endParaRPr lang="en-US"/>
           </a:p>
         </p:txBody>
       </p:sp>
@@ -4590,7 +4701,7 @@
           <a:p>
             <a:fld id="{A76116CE-C4A3-4A05-B2D7-7C2E9A889C0F}" type="datetimeFigureOut">
               <a:rPr lang="en-US" smtClean="0"/>
-              <a:t>6/29/2023</a:t>
+              <a:t>8/31/2023</a:t>
             </a:fld>
             <a:endParaRPr lang="en-US"/>
           </a:p>
@@ -4680,7 +4791,7 @@
           <a:p>
             <a:fld id="{A76116CE-C4A3-4A05-B2D7-7C2E9A889C0F}" type="datetimeFigureOut">
               <a:rPr lang="en-US" smtClean="0"/>
-              <a:t>6/29/2023</a:t>
+              <a:t>8/31/2023</a:t>
             </a:fld>
             <a:endParaRPr lang="en-US"/>
           </a:p>
@@ -4778,10 +4889,9 @@
           </a:lstStyle>
           <a:p>
             <a:r>
-              <a:rPr lang="en-US" smtClean="0"/>
+              <a:rPr lang="en-US"/>
               <a:t>Click to edit Master title style</a:t>
             </a:r>
-            <a:endParaRPr lang="en-US"/>
           </a:p>
         </p:txBody>
       </p:sp>
@@ -4835,38 +4945,37 @@
           <a:p>
             <a:pPr lvl="0"/>
             <a:r>
-              <a:rPr lang="en-US" smtClean="0"/>
+              <a:rPr lang="en-US"/>
               <a:t>Click to edit Master text styles</a:t>
             </a:r>
           </a:p>
           <a:p>
             <a:pPr lvl="1"/>
             <a:r>
-              <a:rPr lang="en-US" smtClean="0"/>
+              <a:rPr lang="en-US"/>
               <a:t>Second level</a:t>
             </a:r>
           </a:p>
           <a:p>
             <a:pPr lvl="2"/>
             <a:r>
-              <a:rPr lang="en-US" smtClean="0"/>
+              <a:rPr lang="en-US"/>
               <a:t>Third level</a:t>
             </a:r>
           </a:p>
           <a:p>
             <a:pPr lvl="3"/>
             <a:r>
-              <a:rPr lang="en-US" smtClean="0"/>
+              <a:rPr lang="en-US"/>
               <a:t>Fourth level</a:t>
             </a:r>
           </a:p>
           <a:p>
             <a:pPr lvl="4"/>
             <a:r>
-              <a:rPr lang="en-US" smtClean="0"/>
+              <a:rPr lang="en-US"/>
               <a:t>Fifth level</a:t>
             </a:r>
-            <a:endParaRPr lang="en-US"/>
           </a:p>
         </p:txBody>
       </p:sp>
@@ -4929,7 +5038,7 @@
           <a:p>
             <a:pPr lvl="0"/>
             <a:r>
-              <a:rPr lang="en-US" smtClean="0"/>
+              <a:rPr lang="en-US"/>
               <a:t>Click to edit Master text styles</a:t>
             </a:r>
           </a:p>
@@ -4952,7 +5061,7 @@
           <a:p>
             <a:fld id="{A76116CE-C4A3-4A05-B2D7-7C2E9A889C0F}" type="datetimeFigureOut">
               <a:rPr lang="en-US" smtClean="0"/>
-              <a:t>6/29/2023</a:t>
+              <a:t>8/31/2023</a:t>
             </a:fld>
             <a:endParaRPr lang="en-US"/>
           </a:p>
@@ -5050,10 +5159,9 @@
           </a:lstStyle>
           <a:p>
             <a:r>
-              <a:rPr lang="en-US" smtClean="0"/>
+              <a:rPr lang="en-US"/>
               <a:t>Click to edit Master title style</a:t>
             </a:r>
-            <a:endParaRPr lang="en-US"/>
           </a:p>
         </p:txBody>
       </p:sp>
@@ -5177,7 +5285,7 @@
           <a:p>
             <a:pPr lvl="0"/>
             <a:r>
-              <a:rPr lang="en-US" smtClean="0"/>
+              <a:rPr lang="en-US"/>
               <a:t>Click to edit Master text styles</a:t>
             </a:r>
           </a:p>
@@ -5200,7 +5308,7 @@
           <a:p>
             <a:fld id="{A76116CE-C4A3-4A05-B2D7-7C2E9A889C0F}" type="datetimeFigureOut">
               <a:rPr lang="en-US" smtClean="0"/>
-              <a:t>6/29/2023</a:t>
+              <a:t>8/31/2023</a:t>
             </a:fld>
             <a:endParaRPr lang="en-US"/>
           </a:p>
@@ -5304,10 +5412,9 @@
           <a:lstStyle/>
           <a:p>
             <a:r>
-              <a:rPr lang="en-US" smtClean="0"/>
+              <a:rPr lang="en-US"/>
               <a:t>Click to edit Master title style</a:t>
             </a:r>
-            <a:endParaRPr lang="en-US"/>
           </a:p>
         </p:txBody>
       </p:sp>
@@ -5338,38 +5445,37 @@
           <a:p>
             <a:pPr lvl="0"/>
             <a:r>
-              <a:rPr lang="en-US" smtClean="0"/>
+              <a:rPr lang="en-US"/>
               <a:t>Click to edit Master text styles</a:t>
             </a:r>
           </a:p>
           <a:p>
             <a:pPr lvl="1"/>
             <a:r>
-              <a:rPr lang="en-US" smtClean="0"/>
+              <a:rPr lang="en-US"/>
               <a:t>Second level</a:t>
             </a:r>
           </a:p>
           <a:p>
             <a:pPr lvl="2"/>
             <a:r>
-              <a:rPr lang="en-US" smtClean="0"/>
+              <a:rPr lang="en-US"/>
               <a:t>Third level</a:t>
             </a:r>
           </a:p>
           <a:p>
             <a:pPr lvl="3"/>
             <a:r>
-              <a:rPr lang="en-US" smtClean="0"/>
+              <a:rPr lang="en-US"/>
               <a:t>Fourth level</a:t>
             </a:r>
           </a:p>
           <a:p>
             <a:pPr lvl="4"/>
             <a:r>
-              <a:rPr lang="en-US" smtClean="0"/>
+              <a:rPr lang="en-US"/>
               <a:t>Fifth level</a:t>
             </a:r>
-            <a:endParaRPr lang="en-US"/>
           </a:p>
         </p:txBody>
       </p:sp>
@@ -5408,7 +5514,7 @@
           <a:p>
             <a:fld id="{F8166F1F-CE9B-4651-A6AA-CD717754106B}" type="datetimeFigureOut">
               <a:rPr lang="en-US" smtClean="0"/>
-              <a:t>6/29/2023</a:t>
+              <a:t>8/31/2023</a:t>
             </a:fld>
             <a:endParaRPr lang="en-US"/>
           </a:p>
@@ -5787,22 +5893,24 @@
         <p:nvSpPr>
           <p:cNvPr id="2" name="Rect 0"/>
           <p:cNvSpPr txBox="1">
-            <a:spLocks/>
+            <a:spLocks noGrp="1"/>
           </p:cNvSpPr>
           <p:nvPr>
             <p:ph type="title"/>
           </p:nvPr>
         </p:nvSpPr>
         <p:spPr>
-          <a:xfrm rot="0">
+          <a:xfrm>
             <a:off x="457200" y="274955"/>
             <a:ext cx="8230235" cy="1143635"/>
           </a:xfrm>
-          <a:prstGeom prst="rect"/>
-        </p:spPr>
-        <p:txBody>
-          <a:bodyPr wrap="square" lIns="91440" tIns="45720" rIns="91440" bIns="45720" vert="horz" anchor="ctr">
-            <a:normAutofit fontScale="100000" lnSpcReduction="0"/>
+          <a:prstGeom prst="rect">
+            <a:avLst/>
+          </a:prstGeom>
+        </p:spPr>
+        <p:txBody>
+          <a:bodyPr vert="horz" wrap="square" lIns="91440" tIns="45720" rIns="91440" bIns="45720" anchor="ctr">
+            <a:normAutofit/>
           </a:bodyPr>
           <a:lstStyle/>
           <a:p>
@@ -5824,22 +5932,24 @@
         <p:nvSpPr>
           <p:cNvPr id="3" name="Rect 0"/>
           <p:cNvSpPr txBox="1">
-            <a:spLocks/>
+            <a:spLocks noGrp="1"/>
           </p:cNvSpPr>
           <p:nvPr>
             <p:ph type="body"/>
           </p:nvPr>
         </p:nvSpPr>
         <p:spPr>
-          <a:xfrm rot="0">
+          <a:xfrm>
             <a:off x="457200" y="1600200"/>
             <a:ext cx="8230235" cy="4526915"/>
           </a:xfrm>
-          <a:prstGeom prst="rect"/>
-        </p:spPr>
-        <p:txBody>
-          <a:bodyPr wrap="square" lIns="91440" tIns="45720" rIns="91440" bIns="45720" vert="horz" anchor="t">
-            <a:normAutofit fontScale="100000" lnSpcReduction="0"/>
+          <a:prstGeom prst="rect">
+            <a:avLst/>
+          </a:prstGeom>
+        </p:spPr>
+        <p:txBody>
+          <a:bodyPr vert="horz" wrap="square" lIns="91440" tIns="45720" rIns="91440" bIns="45720" anchor="t">
+            <a:normAutofit/>
           </a:bodyPr>
           <a:lstStyle/>
           <a:p>
@@ -5898,21 +6008,23 @@
         <p:nvSpPr>
           <p:cNvPr id="4" name="Rect 0"/>
           <p:cNvSpPr txBox="1">
-            <a:spLocks/>
+            <a:spLocks noGrp="1"/>
           </p:cNvSpPr>
           <p:nvPr>
             <p:ph type="dt"/>
           </p:nvPr>
         </p:nvSpPr>
         <p:spPr>
-          <a:xfrm rot="0">
+          <a:xfrm>
             <a:off x="457200" y="6356350"/>
             <a:ext cx="2134235" cy="365760"/>
           </a:xfrm>
-          <a:prstGeom prst="rect"/>
-        </p:spPr>
-        <p:txBody>
-          <a:bodyPr wrap="square" lIns="91440" tIns="45720" rIns="91440" bIns="45720" vert="horz" anchor="ctr">
+          <a:prstGeom prst="rect">
+            <a:avLst/>
+          </a:prstGeom>
+        </p:spPr>
+        <p:txBody>
+          <a:bodyPr vert="horz" wrap="square" lIns="91440" tIns="45720" rIns="91440" bIns="45720" anchor="ctr">
             <a:noAutofit/>
           </a:bodyPr>
           <a:lstStyle/>
@@ -5926,8 +6038,12 @@
                 <a:latin typeface="맑은 고딕" charset="0"/>
                 <a:ea typeface="맑은 고딕" charset="0"/>
               </a:rPr>
-              <a:t>6/13/2013</a:t>
+              <a:t>8/31/2023</a:t>
             </a:fld>
+            <a:endParaRPr lang="en-US" altLang="ko-KR">
+              <a:latin typeface="맑은 고딕" charset="0"/>
+              <a:ea typeface="맑은 고딕" charset="0"/>
+            </a:endParaRPr>
           </a:p>
         </p:txBody>
       </p:sp>
@@ -5935,21 +6051,23 @@
         <p:nvSpPr>
           <p:cNvPr id="5" name="Rect 0"/>
           <p:cNvSpPr txBox="1">
-            <a:spLocks/>
+            <a:spLocks noGrp="1"/>
           </p:cNvSpPr>
           <p:nvPr>
             <p:ph type="ftr"/>
           </p:nvPr>
         </p:nvSpPr>
         <p:spPr>
-          <a:xfrm rot="0">
+          <a:xfrm>
             <a:off x="3124200" y="6356350"/>
             <a:ext cx="2896235" cy="365760"/>
           </a:xfrm>
-          <a:prstGeom prst="rect"/>
-        </p:spPr>
-        <p:txBody>
-          <a:bodyPr wrap="square" lIns="91440" tIns="45720" rIns="91440" bIns="45720" vert="horz" anchor="ctr">
+          <a:prstGeom prst="rect">
+            <a:avLst/>
+          </a:prstGeom>
+        </p:spPr>
+        <p:txBody>
+          <a:bodyPr vert="horz" wrap="square" lIns="91440" tIns="45720" rIns="91440" bIns="45720" anchor="ctr">
             <a:noAutofit/>
           </a:bodyPr>
           <a:lstStyle/>
@@ -5958,6 +6076,7 @@
               <a:buFontTx/>
               <a:buNone/>
             </a:pPr>
+            <a:endParaRPr/>
           </a:p>
         </p:txBody>
       </p:sp>
@@ -5965,21 +6084,23 @@
         <p:nvSpPr>
           <p:cNvPr id="6" name="Rect 0"/>
           <p:cNvSpPr txBox="1">
-            <a:spLocks/>
+            <a:spLocks noGrp="1"/>
           </p:cNvSpPr>
           <p:nvPr>
             <p:ph type="sldNum"/>
           </p:nvPr>
         </p:nvSpPr>
         <p:spPr>
-          <a:xfrm rot="0">
+          <a:xfrm>
             <a:off x="6553200" y="6356350"/>
             <a:ext cx="2134235" cy="365760"/>
           </a:xfrm>
-          <a:prstGeom prst="rect"/>
-        </p:spPr>
-        <p:txBody>
-          <a:bodyPr wrap="square" lIns="91440" tIns="45720" rIns="91440" bIns="45720" vert="horz" anchor="ctr">
+          <a:prstGeom prst="rect">
+            <a:avLst/>
+          </a:prstGeom>
+        </p:spPr>
+        <p:txBody>
+          <a:bodyPr vert="horz" wrap="square" lIns="91440" tIns="45720" rIns="91440" bIns="45720" anchor="ctr">
             <a:noAutofit/>
           </a:bodyPr>
           <a:lstStyle/>
@@ -5993,8 +6114,12 @@
                 <a:latin typeface="맑은 고딕" charset="0"/>
                 <a:ea typeface="맑은 고딕" charset="0"/>
               </a:rPr>
-              <a:t>�#�</a:t>
+              <a:t>‹#›</a:t>
             </a:fld>
+            <a:endParaRPr>
+              <a:latin typeface="맑은 고딕" charset="0"/>
+              <a:ea typeface="맑은 고딕" charset="0"/>
+            </a:endParaRPr>
           </a:p>
         </p:txBody>
       </p:sp>
@@ -6014,19 +6139,11 @@
     <p:sldLayoutId id="2147483670" r:id="rId10"/>
     <p:sldLayoutId id="2147483671" r:id="rId11"/>
   </p:sldLayoutIdLst>
-  <mc:AlternateContent xmlns:mc="http://schemas.openxmlformats.org/markup-compatibility/2006">
-    <mc:Choice xmlns:p14="http://schemas.microsoft.com/office/powerpoint/2010/main" Requires="p14">
-      <p:transition spd="slow" p14:dur="2000"/>
-    </mc:Choice>
-    <mc:Fallback>
-      <p:transition spd="slow"/>
-    </mc:Fallback>
-  </mc:AlternateContent>
   <p:txStyles>
     <p:titleStyle>
-      <a:lvl1pPr algn="ctr" marL="0" indent="0" defTabSz="914400" latinLnBrk="1">
+      <a:lvl1pPr marL="0" indent="0" algn="ctr" defTabSz="914400" latinLnBrk="1">
         <a:buNone/>
-        <a:defRPr lang="ko-KR" smtClean="0" sz="4400" baseline="0">
+        <a:defRPr lang="ko-KR" sz="4400" baseline="0" smtClean="0">
           <a:solidFill>
             <a:schemeClr val="tx1"/>
           </a:solidFill>
@@ -6037,13 +6154,13 @@
       </a:lvl1pPr>
     </p:titleStyle>
     <p:bodyStyle>
-      <a:lvl1pPr algn="l" marL="342900" indent="-342900" defTabSz="914400" latinLnBrk="1">
+      <a:lvl1pPr marL="342900" indent="-342900" algn="l" defTabSz="914400" latinLnBrk="1">
         <a:spcBef>
           <a:spcPct val="20000"/>
         </a:spcBef>
         <a:buFont typeface="Arial"/>
         <a:buChar char="0"/>
-        <a:defRPr lang="ko-KR" smtClean="0" sz="2800" baseline="0">
+        <a:defRPr lang="ko-KR" sz="2800" baseline="0" smtClean="0">
           <a:solidFill>
             <a:schemeClr val="tx1"/>
           </a:solidFill>
@@ -6052,27 +6169,27 @@
           <a:cs typeface="+mn-cs"/>
         </a:defRPr>
       </a:lvl1pPr>
-      <a:lvl2pPr lvl="1" marL="742950" indent="-285750" defTabSz="914400" latinLnBrk="1">
+      <a:lvl2pPr marL="742950" lvl="1" indent="-285750" defTabSz="914400" latinLnBrk="1">
         <a:buChar char="-"/>
-        <a:defRPr lang="ko-KR" smtClean="0" sz="2400"/>
+        <a:defRPr lang="ko-KR" sz="2400" smtClean="0"/>
       </a:lvl2pPr>
-      <a:lvl3pPr lvl="2" marL="1143000" indent="-228600" defTabSz="914400" latinLnBrk="1">
+      <a:lvl3pPr marL="1143000" lvl="2" indent="-228600" defTabSz="914400" latinLnBrk="1">
         <a:buChar char="0"/>
-        <a:defRPr lang="ko-KR" smtClean="0" sz="2000"/>
+        <a:defRPr lang="ko-KR" sz="2000" smtClean="0"/>
       </a:lvl3pPr>
-      <a:lvl4pPr lvl="3" marL="1600200" indent="-228600" defTabSz="914400" latinLnBrk="1">
+      <a:lvl4pPr marL="1600200" lvl="3" indent="-228600" defTabSz="914400" latinLnBrk="1">
         <a:buChar char="-"/>
-        <a:defRPr lang="ko-KR" smtClean="0" sz="1800"/>
+        <a:defRPr lang="ko-KR" sz="1800" smtClean="0"/>
       </a:lvl4pPr>
-      <a:lvl5pPr lvl="4" marL="2057400" indent="-228600" defTabSz="914400" latinLnBrk="1">
+      <a:lvl5pPr marL="2057400" lvl="4" indent="-228600" defTabSz="914400" latinLnBrk="1">
         <a:buChar char="-69"/>
-        <a:defRPr lang="ko-KR" smtClean="0" sz="1800"/>
+        <a:defRPr lang="ko-KR" sz="1800" smtClean="0"/>
       </a:lvl5pPr>
     </p:bodyStyle>
     <p:otherStyle>
-      <a:lvl1pPr algn="l" marL="0" indent="0" defTabSz="914400" latinLnBrk="1">
+      <a:lvl1pPr marL="0" indent="0" algn="l" defTabSz="914400" latinLnBrk="1">
         <a:buNone/>
-        <a:defRPr lang="ko-KR" smtClean="0" sz="1800" baseline="0">
+        <a:defRPr lang="ko-KR" sz="1800" baseline="0" smtClean="0">
           <a:solidFill>
             <a:schemeClr val="tx1"/>
           </a:solidFill>
@@ -6081,38 +6198,32 @@
           <a:cs typeface="+mn-cs"/>
         </a:defRPr>
       </a:lvl1pPr>
-      <a:lvl2pPr lvl="1" marL="457200" indent="0" defTabSz="914400" latinLnBrk="1">
+      <a:lvl2pPr marL="457200" lvl="1" indent="0" defTabSz="914400" latinLnBrk="1">
         <a:defRPr lang="ko-KR" smtClean="0"/>
       </a:lvl2pPr>
-      <a:lvl3pPr lvl="2" marL="914400" indent="0" defTabSz="914400" latinLnBrk="1">
+      <a:lvl3pPr marL="914400" lvl="2" indent="0" defTabSz="914400" latinLnBrk="1">
         <a:defRPr lang="ko-KR" smtClean="0"/>
       </a:lvl3pPr>
-      <a:lvl4pPr lvl="3" marL="1371600" indent="0" defTabSz="914400" latinLnBrk="1">
+      <a:lvl4pPr marL="1371600" lvl="3" indent="0" defTabSz="914400" latinLnBrk="1">
         <a:defRPr lang="ko-KR" smtClean="0"/>
       </a:lvl4pPr>
-      <a:lvl5pPr lvl="4" marL="1828800" indent="0" defTabSz="914400" latinLnBrk="1">
+      <a:lvl5pPr marL="1828800" lvl="4" indent="0" defTabSz="914400" latinLnBrk="1">
         <a:defRPr lang="ko-KR" smtClean="0"/>
       </a:lvl5pPr>
     </p:otherStyle>
   </p:txStyles>
-  <p:timing>
-    <p:tnLst>
-      <p:par>
-        <p:cTn id="1" dur="indefinite" restart="never" nodeType="tmRoot"/>
-      </p:par>
-    </p:tnLst>
-  </p:timing>
 </p:sldMaster>
 </file>
 
 <file path=ppt/slides/slide1.xml><?xml version="1.0" encoding="utf-8"?>
-<p:sld xmlns:a="http://schemas.openxmlformats.org/drawingml/2006/main" xmlns:r="http://schemas.openxmlformats.org/officeDocument/2006/relationships" xmlns:p="http://schemas.openxmlformats.org/presentationml/2006/main" xmlns:p14="http://schemas.microsoft.com/office/powerpoint/2010/main">
-  <p:cSld name="">
+<p:sld xmlns:a="http://schemas.openxmlformats.org/drawingml/2006/main" xmlns:r="http://schemas.openxmlformats.org/officeDocument/2006/relationships" xmlns:p="http://schemas.openxmlformats.org/presentationml/2006/main">
+  <p:cSld>
     <p:bg>
       <p:bgPr>
         <a:solidFill>
           <a:srgbClr val="FFFFFF"/>
         </a:solidFill>
+        <a:effectLst/>
       </p:bgPr>
     </p:bg>
     <p:spTree>
@@ -6440,7 +6551,7 @@
           <a:lstStyle/>
           <a:p>
             <a:r>
-              <a:rPr lang="en-US" sz="1300" dirty="0" smtClean="0">
+              <a:rPr lang="en-US" sz="1300" dirty="0">
                 <a:solidFill>
                   <a:srgbClr val="444444"/>
                 </a:solidFill>
@@ -6476,7 +6587,7 @@
           <a:lstStyle/>
           <a:p>
             <a:r>
-              <a:rPr lang="en-US" sz="9600" dirty="0" smtClean="0">
+              <a:rPr lang="en-US" sz="9600" dirty="0">
                 <a:solidFill>
                   <a:srgbClr val="444444"/>
                 </a:solidFill>
@@ -6512,7 +6623,7 @@
           <a:lstStyle/>
           <a:p>
             <a:r>
-              <a:rPr lang="en-US" sz="3500" dirty="0" smtClean="0">
+              <a:rPr lang="en-US" sz="3500" dirty="0">
                 <a:solidFill>
                   <a:srgbClr val="444444"/>
                 </a:solidFill>
@@ -6542,7 +6653,7 @@
           <a:noFill/>
         </p:spPr>
         <p:txBody>
-          <a:bodyPr wrap="square" lIns="91440" tIns="45720" rIns="91440" bIns="45720" numCol="1" vert="horz" anchor="t">
+          <a:bodyPr vert="horz" wrap="square" lIns="91440" tIns="45720" rIns="91440" bIns="45720" numCol="1" anchor="t">
             <a:spAutoFit/>
           </a:bodyPr>
           <a:lstStyle/>
@@ -6569,7 +6680,17 @@
                 <a:latin typeface="Pretendard SemiBold" charset="0"/>
                 <a:cs typeface="Pretendard SemiBold" charset="0"/>
               </a:rPr>
-              <a:t>9 </a:t>
+              <a:t>9 ~ </a:t>
+            </a:r>
+            <a:r>
+              <a:rPr lang="en-US" sz="1400">
+                <a:solidFill>
+                  <a:srgbClr val="00AACA"/>
+                </a:solidFill>
+                <a:latin typeface="Pretendard SemiBold" charset="0"/>
+                <a:cs typeface="Pretendard SemiBold" charset="0"/>
+              </a:rPr>
+              <a:t>2023-0</a:t>
             </a:r>
             <a:r>
               <a:rPr lang="ko-KR" sz="1400">
@@ -6579,47 +6700,7 @@
                 <a:latin typeface="Pretendard SemiBold" charset="0"/>
                 <a:cs typeface="Pretendard SemiBold" charset="0"/>
               </a:rPr>
-              <a:t>~ </a:t>
-            </a:r>
-            <a:r>
-              <a:rPr lang="en-US" sz="1400">
-                <a:solidFill>
-                  <a:srgbClr val="00AACA"/>
-                </a:solidFill>
-                <a:latin typeface="Pretendard SemiBold" charset="0"/>
-                <a:cs typeface="Pretendard SemiBold" charset="0"/>
-              </a:rPr>
-              <a:t>2023-0</a:t>
-            </a:r>
-            <a:r>
-              <a:rPr lang="ko-KR" sz="1400">
-                <a:solidFill>
-                  <a:srgbClr val="00AACA"/>
-                </a:solidFill>
-                <a:latin typeface="Pretendard SemiBold" charset="0"/>
-                <a:cs typeface="Pretendard SemiBold" charset="0"/>
-              </a:rPr>
-              <a:t>7</a:t>
-            </a:r>
-            <a:r>
-              <a:rPr lang="ko-KR" sz="1400">
-                <a:solidFill>
-                  <a:srgbClr val="00AACA"/>
-                </a:solidFill>
-                <a:latin typeface="Pretendard SemiBold" charset="0"/>
-                <a:cs typeface="Pretendard SemiBold" charset="0"/>
-              </a:rPr>
-              <a:t> - 0</a:t>
-            </a:r>
-            <a:r>
-              <a:rPr lang="ko-KR" sz="1400">
-                <a:solidFill>
-                  <a:srgbClr val="00AACA"/>
-                </a:solidFill>
-                <a:latin typeface="Pretendard SemiBold" charset="0"/>
-                <a:cs typeface="Pretendard SemiBold" charset="0"/>
-              </a:rPr>
-              <a:t>6</a:t>
+              <a:t>7 - 06</a:t>
             </a:r>
             <a:endParaRPr lang="ko-KR" altLang="en-US" sz="1400">
               <a:solidFill>
@@ -6657,7 +6738,7 @@
           </a:p>
           <a:p>
             <a:r>
-              <a:rPr lang="en-US" sz="6000" dirty="0" smtClean="0">
+              <a:rPr lang="en-US" sz="6000" dirty="0">
                 <a:solidFill>
                   <a:srgbClr val="000000"/>
                 </a:solidFill>
@@ -6669,7 +6750,7 @@
           </a:p>
           <a:p>
             <a:r>
-              <a:rPr lang="en-US" sz="6000" dirty="0" smtClean="0">
+              <a:rPr lang="en-US" sz="6000" dirty="0">
                 <a:solidFill>
                   <a:srgbClr val="000000"/>
                 </a:solidFill>
@@ -6705,7 +6786,7 @@
           <a:lstStyle/>
           <a:p>
             <a:r>
-              <a:rPr lang="en-US" sz="1300" dirty="0" smtClean="0">
+              <a:rPr lang="en-US" sz="1300" dirty="0">
                 <a:solidFill>
                   <a:srgbClr val="444444"/>
                 </a:solidFill>
@@ -6742,7 +6823,7 @@
           <a:p>
             <a:pPr algn="r"/>
             <a:r>
-              <a:rPr lang="en-US" sz="1400" dirty="0" smtClean="0">
+              <a:rPr lang="en-US" sz="1400" dirty="0">
                 <a:solidFill>
                   <a:srgbClr val="444444"/>
                 </a:solidFill>
@@ -6818,7 +6899,7 @@
           <a:p>
             <a:pPr algn="r"/>
             <a:r>
-              <a:rPr lang="en-US" sz="2200" dirty="0" smtClean="0">
+              <a:rPr lang="en-US" sz="2200" dirty="0">
                 <a:solidFill>
                   <a:srgbClr val="000000"/>
                 </a:solidFill>
@@ -6836,32 +6917,18 @@
   <p:clrMapOvr>
     <a:masterClrMapping/>
   </p:clrMapOvr>
-  <mc:AlternateContent xmlns:mc="http://schemas.openxmlformats.org/markup-compatibility/2006">
-    <mc:Choice xmlns:p14="http://schemas.microsoft.com/office/powerpoint/2010/main" Requires="p14">
-      <p:transition spd="slow" p14:dur="2000"/>
-    </mc:Choice>
-    <mc:Fallback>
-      <p:transition spd="slow"/>
-    </mc:Fallback>
-  </mc:AlternateContent>
-  <p:timing>
-    <p:tnLst>
-      <p:par>
-        <p:cTn id="1" dur="indefinite" restart="never" nodeType="tmRoot"/>
-      </p:par>
-    </p:tnLst>
-  </p:timing>
 </p:sld>
 </file>
 
 <file path=ppt/slides/slide10.xml><?xml version="1.0" encoding="utf-8"?>
-<p:sld xmlns:a="http://schemas.openxmlformats.org/drawingml/2006/main" xmlns:r="http://schemas.openxmlformats.org/officeDocument/2006/relationships" xmlns:p="http://schemas.openxmlformats.org/presentationml/2006/main" xmlns:p14="http://schemas.microsoft.com/office/powerpoint/2010/main">
-  <p:cSld name="">
+<p:sld xmlns:a="http://schemas.openxmlformats.org/drawingml/2006/main" xmlns:r="http://schemas.openxmlformats.org/officeDocument/2006/relationships" xmlns:p="http://schemas.openxmlformats.org/presentationml/2006/main">
+  <p:cSld>
     <p:bg>
       <p:bgPr>
         <a:solidFill>
           <a:srgbClr val="FFFFFF"/>
         </a:solidFill>
+        <a:effectLst/>
       </p:bgPr>
     </p:bg>
     <p:spTree>
@@ -6934,7 +7001,7 @@
           <a:noFill/>
         </p:spPr>
         <p:txBody>
-          <a:bodyPr wrap="square" lIns="91440" tIns="45720" rIns="91440" bIns="45720" numCol="1" vert="horz" anchor="t">
+          <a:bodyPr vert="horz" wrap="square" lIns="91440" tIns="45720" rIns="91440" bIns="45720" numCol="1" anchor="t">
             <a:spAutoFit/>
           </a:bodyPr>
           <a:lstStyle/>
@@ -7074,7 +7141,7 @@
           <a:lstStyle/>
           <a:p>
             <a:r>
-              <a:rPr lang="en-US" sz="1300" dirty="0" smtClean="0">
+              <a:rPr lang="en-US" sz="1300" dirty="0">
                 <a:solidFill>
                   <a:srgbClr val="444444"/>
                 </a:solidFill>
@@ -7110,7 +7177,7 @@
           <a:lstStyle/>
           <a:p>
             <a:r>
-              <a:rPr lang="en-US" sz="1400" dirty="0" smtClean="0">
+              <a:rPr lang="en-US" sz="1400" dirty="0">
                 <a:solidFill>
                   <a:srgbClr val="00AACA"/>
                 </a:solidFill>
@@ -7147,7 +7214,7 @@
           <a:p>
             <a:pPr algn="r"/>
             <a:r>
-              <a:rPr lang="en-US" sz="1400" dirty="0" smtClean="0">
+              <a:rPr lang="en-US" sz="1400" dirty="0">
                 <a:solidFill>
                   <a:srgbClr val="444444"/>
                 </a:solidFill>
@@ -7262,7 +7329,7 @@
           <a:p>
             <a:pPr algn="r"/>
             <a:r>
-              <a:rPr lang="en-US" sz="2200" dirty="0" smtClean="0">
+              <a:rPr lang="en-US" sz="2200" dirty="0">
                 <a:solidFill>
                   <a:srgbClr val="000000"/>
                 </a:solidFill>
@@ -7280,32 +7347,18 @@
   <p:clrMapOvr>
     <a:masterClrMapping/>
   </p:clrMapOvr>
-  <mc:AlternateContent xmlns:mc="http://schemas.openxmlformats.org/markup-compatibility/2006">
-    <mc:Choice xmlns:p14="http://schemas.microsoft.com/office/powerpoint/2010/main" Requires="p14">
-      <p:transition spd="slow" p14:dur="2000"/>
-    </mc:Choice>
-    <mc:Fallback>
-      <p:transition spd="slow"/>
-    </mc:Fallback>
-  </mc:AlternateContent>
-  <p:timing>
-    <p:tnLst>
-      <p:par>
-        <p:cTn id="1" dur="indefinite" restart="never" nodeType="tmRoot"/>
-      </p:par>
-    </p:tnLst>
-  </p:timing>
 </p:sld>
 </file>
 
 <file path=ppt/slides/slide11.xml><?xml version="1.0" encoding="utf-8"?>
-<p:sld xmlns:a="http://schemas.openxmlformats.org/drawingml/2006/main" xmlns:r="http://schemas.openxmlformats.org/officeDocument/2006/relationships" xmlns:p="http://schemas.openxmlformats.org/presentationml/2006/main" xmlns:p14="http://schemas.microsoft.com/office/powerpoint/2010/main">
-  <p:cSld name="">
+<p:sld xmlns:a="http://schemas.openxmlformats.org/drawingml/2006/main" xmlns:r="http://schemas.openxmlformats.org/officeDocument/2006/relationships" xmlns:p="http://schemas.openxmlformats.org/presentationml/2006/main">
+  <p:cSld>
     <p:bg>
       <p:bgPr>
         <a:solidFill>
           <a:srgbClr val="FFFFFF"/>
         </a:solidFill>
+        <a:effectLst/>
       </p:bgPr>
     </p:bg>
     <p:spTree>
@@ -7378,7 +7431,7 @@
           <a:noFill/>
         </p:spPr>
         <p:txBody>
-          <a:bodyPr wrap="square" lIns="91440" tIns="45720" rIns="91440" bIns="45720" numCol="1" vert="horz" anchor="t">
+          <a:bodyPr vert="horz" wrap="square" lIns="91440" tIns="45720" rIns="91440" bIns="45720" numCol="1" anchor="t">
             <a:spAutoFit/>
           </a:bodyPr>
           <a:lstStyle/>
@@ -7518,7 +7571,7 @@
           <a:lstStyle/>
           <a:p>
             <a:r>
-              <a:rPr lang="en-US" sz="1300" dirty="0" smtClean="0">
+              <a:rPr lang="en-US" sz="1300" dirty="0">
                 <a:solidFill>
                   <a:srgbClr val="444444"/>
                 </a:solidFill>
@@ -7554,7 +7607,7 @@
           <a:lstStyle/>
           <a:p>
             <a:r>
-              <a:rPr lang="en-US" sz="1400" dirty="0" smtClean="0">
+              <a:rPr lang="en-US" sz="1400" dirty="0">
                 <a:solidFill>
                   <a:srgbClr val="00AACA"/>
                 </a:solidFill>
@@ -7591,7 +7644,7 @@
           <a:p>
             <a:pPr algn="r"/>
             <a:r>
-              <a:rPr lang="en-US" sz="1400" dirty="0" smtClean="0">
+              <a:rPr lang="en-US" sz="1400" dirty="0">
                 <a:solidFill>
                   <a:srgbClr val="444444"/>
                 </a:solidFill>
@@ -7706,7 +7759,7 @@
           <a:p>
             <a:pPr algn="r"/>
             <a:r>
-              <a:rPr lang="en-US" sz="2200" dirty="0" smtClean="0">
+              <a:rPr lang="en-US" sz="2200" dirty="0">
                 <a:solidFill>
                   <a:srgbClr val="000000"/>
                 </a:solidFill>
@@ -7724,32 +7777,18 @@
   <p:clrMapOvr>
     <a:masterClrMapping/>
   </p:clrMapOvr>
-  <mc:AlternateContent xmlns:mc="http://schemas.openxmlformats.org/markup-compatibility/2006">
-    <mc:Choice xmlns:p14="http://schemas.microsoft.com/office/powerpoint/2010/main" Requires="p14">
-      <p:transition spd="slow" p14:dur="2000"/>
-    </mc:Choice>
-    <mc:Fallback>
-      <p:transition spd="slow"/>
-    </mc:Fallback>
-  </mc:AlternateContent>
-  <p:timing>
-    <p:tnLst>
-      <p:par>
-        <p:cTn id="1" dur="indefinite" restart="never" nodeType="tmRoot"/>
-      </p:par>
-    </p:tnLst>
-  </p:timing>
 </p:sld>
 </file>
 
 <file path=ppt/slides/slide12.xml><?xml version="1.0" encoding="utf-8"?>
-<p:sld xmlns:a="http://schemas.openxmlformats.org/drawingml/2006/main" xmlns:r="http://schemas.openxmlformats.org/officeDocument/2006/relationships" xmlns:p="http://schemas.openxmlformats.org/presentationml/2006/main" xmlns:p14="http://schemas.microsoft.com/office/powerpoint/2010/main">
-  <p:cSld name="">
+<p:sld xmlns:a="http://schemas.openxmlformats.org/drawingml/2006/main" xmlns:r="http://schemas.openxmlformats.org/officeDocument/2006/relationships" xmlns:p="http://schemas.openxmlformats.org/presentationml/2006/main">
+  <p:cSld>
     <p:bg>
       <p:bgPr>
         <a:solidFill>
           <a:srgbClr val="FFFFFF"/>
         </a:solidFill>
+        <a:effectLst/>
       </p:bgPr>
     </p:bg>
     <p:spTree>
@@ -7822,7 +7861,7 @@
           <a:noFill/>
         </p:spPr>
         <p:txBody>
-          <a:bodyPr wrap="square" lIns="91440" tIns="45720" rIns="91440" bIns="45720" numCol="1" vert="horz" anchor="t">
+          <a:bodyPr vert="horz" wrap="square" lIns="91440" tIns="45720" rIns="91440" bIns="45720" numCol="1" anchor="t">
             <a:spAutoFit/>
           </a:bodyPr>
           <a:lstStyle/>
@@ -7962,7 +8001,7 @@
           <a:lstStyle/>
           <a:p>
             <a:r>
-              <a:rPr lang="en-US" sz="1300" dirty="0" smtClean="0">
+              <a:rPr lang="en-US" sz="1300" dirty="0">
                 <a:solidFill>
                   <a:srgbClr val="444444"/>
                 </a:solidFill>
@@ -7998,7 +8037,7 @@
           <a:lstStyle/>
           <a:p>
             <a:r>
-              <a:rPr lang="en-US" sz="1400" dirty="0" smtClean="0">
+              <a:rPr lang="en-US" sz="1400" dirty="0">
                 <a:solidFill>
                   <a:srgbClr val="00AACA"/>
                 </a:solidFill>
@@ -8035,7 +8074,7 @@
           <a:p>
             <a:pPr algn="r"/>
             <a:r>
-              <a:rPr lang="en-US" sz="1400" dirty="0" smtClean="0">
+              <a:rPr lang="en-US" sz="1400" dirty="0">
                 <a:solidFill>
                   <a:srgbClr val="444444"/>
                 </a:solidFill>
@@ -8150,7 +8189,7 @@
           <a:p>
             <a:pPr algn="r"/>
             <a:r>
-              <a:rPr lang="en-US" sz="2200" dirty="0" smtClean="0">
+              <a:rPr lang="en-US" sz="2200" dirty="0">
                 <a:solidFill>
                   <a:srgbClr val="000000"/>
                 </a:solidFill>
@@ -8168,32 +8207,18 @@
   <p:clrMapOvr>
     <a:masterClrMapping/>
   </p:clrMapOvr>
-  <mc:AlternateContent xmlns:mc="http://schemas.openxmlformats.org/markup-compatibility/2006">
-    <mc:Choice xmlns:p14="http://schemas.microsoft.com/office/powerpoint/2010/main" Requires="p14">
-      <p:transition spd="slow" p14:dur="2000"/>
-    </mc:Choice>
-    <mc:Fallback>
-      <p:transition spd="slow"/>
-    </mc:Fallback>
-  </mc:AlternateContent>
-  <p:timing>
-    <p:tnLst>
-      <p:par>
-        <p:cTn id="1" dur="indefinite" restart="never" nodeType="tmRoot"/>
-      </p:par>
-    </p:tnLst>
-  </p:timing>
 </p:sld>
 </file>
 
 <file path=ppt/slides/slide13.xml><?xml version="1.0" encoding="utf-8"?>
-<p:sld xmlns:a="http://schemas.openxmlformats.org/drawingml/2006/main" xmlns:r="http://schemas.openxmlformats.org/officeDocument/2006/relationships" xmlns:p="http://schemas.openxmlformats.org/presentationml/2006/main" xmlns:p14="http://schemas.microsoft.com/office/powerpoint/2010/main">
-  <p:cSld name="">
+<p:sld xmlns:a="http://schemas.openxmlformats.org/drawingml/2006/main" xmlns:r="http://schemas.openxmlformats.org/officeDocument/2006/relationships" xmlns:p="http://schemas.openxmlformats.org/presentationml/2006/main">
+  <p:cSld>
     <p:bg>
       <p:bgPr>
         <a:solidFill>
           <a:srgbClr val="FFFFFF"/>
         </a:solidFill>
+        <a:effectLst/>
       </p:bgPr>
     </p:bg>
     <p:spTree>
@@ -8266,7 +8291,7 @@
           <a:noFill/>
         </p:spPr>
         <p:txBody>
-          <a:bodyPr wrap="square" lIns="91440" tIns="45720" rIns="91440" bIns="45720" numCol="1" vert="horz" anchor="t">
+          <a:bodyPr vert="horz" wrap="square" lIns="91440" tIns="45720" rIns="91440" bIns="45720" numCol="1" anchor="t">
             <a:spAutoFit/>
           </a:bodyPr>
           <a:lstStyle/>
@@ -8406,7 +8431,7 @@
           <a:lstStyle/>
           <a:p>
             <a:r>
-              <a:rPr lang="en-US" sz="1300" dirty="0" smtClean="0">
+              <a:rPr lang="en-US" sz="1300" dirty="0">
                 <a:solidFill>
                   <a:srgbClr val="444444"/>
                 </a:solidFill>
@@ -8442,7 +8467,7 @@
           <a:lstStyle/>
           <a:p>
             <a:r>
-              <a:rPr lang="en-US" sz="1400" dirty="0" smtClean="0">
+              <a:rPr lang="en-US" sz="1400" dirty="0">
                 <a:solidFill>
                   <a:srgbClr val="00AACA"/>
                 </a:solidFill>
@@ -8479,7 +8504,7 @@
           <a:p>
             <a:pPr algn="r"/>
             <a:r>
-              <a:rPr lang="en-US" sz="1400" dirty="0" smtClean="0">
+              <a:rPr lang="en-US" sz="1400" dirty="0">
                 <a:solidFill>
                   <a:srgbClr val="444444"/>
                 </a:solidFill>
@@ -8594,7 +8619,7 @@
           <a:p>
             <a:pPr algn="r"/>
             <a:r>
-              <a:rPr lang="en-US" sz="2200" dirty="0" smtClean="0">
+              <a:rPr lang="en-US" sz="2200" dirty="0">
                 <a:solidFill>
                   <a:srgbClr val="000000"/>
                 </a:solidFill>
@@ -8612,32 +8637,18 @@
   <p:clrMapOvr>
     <a:masterClrMapping/>
   </p:clrMapOvr>
-  <mc:AlternateContent xmlns:mc="http://schemas.openxmlformats.org/markup-compatibility/2006">
-    <mc:Choice xmlns:p14="http://schemas.microsoft.com/office/powerpoint/2010/main" Requires="p14">
-      <p:transition spd="slow" p14:dur="2000"/>
-    </mc:Choice>
-    <mc:Fallback>
-      <p:transition spd="slow"/>
-    </mc:Fallback>
-  </mc:AlternateContent>
-  <p:timing>
-    <p:tnLst>
-      <p:par>
-        <p:cTn id="1" dur="indefinite" restart="never" nodeType="tmRoot"/>
-      </p:par>
-    </p:tnLst>
-  </p:timing>
 </p:sld>
 </file>
 
 <file path=ppt/slides/slide14.xml><?xml version="1.0" encoding="utf-8"?>
-<p:sld xmlns:a="http://schemas.openxmlformats.org/drawingml/2006/main" xmlns:r="http://schemas.openxmlformats.org/officeDocument/2006/relationships" xmlns:p="http://schemas.openxmlformats.org/presentationml/2006/main" xmlns:p14="http://schemas.microsoft.com/office/powerpoint/2010/main">
-  <p:cSld name="">
+<p:sld xmlns:a="http://schemas.openxmlformats.org/drawingml/2006/main" xmlns:r="http://schemas.openxmlformats.org/officeDocument/2006/relationships" xmlns:p="http://schemas.openxmlformats.org/presentationml/2006/main">
+  <p:cSld>
     <p:bg>
       <p:bgPr>
         <a:solidFill>
           <a:srgbClr val="FFFFFF"/>
         </a:solidFill>
+        <a:effectLst/>
       </p:bgPr>
     </p:bg>
     <p:spTree>
@@ -8710,7 +8721,7 @@
           <a:noFill/>
         </p:spPr>
         <p:txBody>
-          <a:bodyPr wrap="square" lIns="91440" tIns="45720" rIns="91440" bIns="45720" numCol="1" vert="horz" anchor="t">
+          <a:bodyPr vert="horz" wrap="square" lIns="91440" tIns="45720" rIns="91440" bIns="45720" numCol="1" anchor="t">
             <a:spAutoFit/>
           </a:bodyPr>
           <a:lstStyle/>
@@ -8850,7 +8861,7 @@
           <a:lstStyle/>
           <a:p>
             <a:r>
-              <a:rPr lang="en-US" sz="1300" dirty="0" smtClean="0">
+              <a:rPr lang="en-US" sz="1300" dirty="0">
                 <a:solidFill>
                   <a:srgbClr val="444444"/>
                 </a:solidFill>
@@ -8886,7 +8897,7 @@
           <a:lstStyle/>
           <a:p>
             <a:r>
-              <a:rPr lang="en-US" sz="1400" dirty="0" smtClean="0">
+              <a:rPr lang="en-US" sz="1400" dirty="0">
                 <a:solidFill>
                   <a:srgbClr val="00AACA"/>
                 </a:solidFill>
@@ -8923,7 +8934,7 @@
           <a:p>
             <a:pPr algn="r"/>
             <a:r>
-              <a:rPr lang="en-US" sz="1400" dirty="0" smtClean="0">
+              <a:rPr lang="en-US" sz="1400" dirty="0">
                 <a:solidFill>
                   <a:srgbClr val="444444"/>
                 </a:solidFill>
@@ -9038,7 +9049,7 @@
           <a:p>
             <a:pPr algn="r"/>
             <a:r>
-              <a:rPr lang="en-US" sz="2200" dirty="0" smtClean="0">
+              <a:rPr lang="en-US" sz="2200" dirty="0">
                 <a:solidFill>
                   <a:srgbClr val="000000"/>
                 </a:solidFill>
@@ -9056,26 +9067,11 @@
   <p:clrMapOvr>
     <a:masterClrMapping/>
   </p:clrMapOvr>
-  <mc:AlternateContent xmlns:mc="http://schemas.openxmlformats.org/markup-compatibility/2006">
-    <mc:Choice xmlns:p14="http://schemas.microsoft.com/office/powerpoint/2010/main" Requires="p14">
-      <p:transition spd="slow" p14:dur="2000"/>
-    </mc:Choice>
-    <mc:Fallback>
-      <p:transition spd="slow"/>
-    </mc:Fallback>
-  </mc:AlternateContent>
-  <p:timing>
-    <p:tnLst>
-      <p:par>
-        <p:cTn id="1" dur="indefinite" restart="never" nodeType="tmRoot"/>
-      </p:par>
-    </p:tnLst>
-  </p:timing>
 </p:sld>
 </file>
 
 <file path=ppt/slides/slide15.xml><?xml version="1.0" encoding="utf-8"?>
-<p:sld xmlns:a="http://schemas.openxmlformats.org/drawingml/2006/main" xmlns:r="http://schemas.openxmlformats.org/officeDocument/2006/relationships" xmlns:p="http://schemas.openxmlformats.org/presentationml/2006/main" xmlns:p14="http://schemas.microsoft.com/office/powerpoint/2010/main">
+<p:sld xmlns:a="http://schemas.openxmlformats.org/drawingml/2006/main" xmlns:r="http://schemas.openxmlformats.org/officeDocument/2006/relationships" xmlns:p="http://schemas.openxmlformats.org/presentationml/2006/main">
   <p:cSld>
     <p:spTree>
       <p:nvGrpSpPr>
@@ -9149,7 +9145,7 @@
           <a:noFill/>
         </p:spPr>
         <p:txBody>
-          <a:bodyPr wrap="square" lIns="91440" tIns="45720" rIns="91440" bIns="45720" numCol="1" vert="horz" anchor="t">
+          <a:bodyPr vert="horz" wrap="square" lIns="91440" tIns="45720" rIns="91440" bIns="45720" numCol="1" anchor="t">
             <a:spAutoFit/>
           </a:bodyPr>
           <a:lstStyle/>
@@ -9166,17 +9162,7 @@
                 <a:latin typeface="Pretendard SemiBold" charset="0"/>
                 <a:cs typeface="Pretendard SemiBold" charset="0"/>
               </a:rPr>
-              <a:t>7</a:t>
-            </a:r>
-            <a:r>
-              <a:rPr lang="ko-KR" sz="4000" spc="-70">
-                <a:solidFill>
-                  <a:srgbClr val="F2F3F6"/>
-                </a:solidFill>
-                <a:latin typeface="Pretendard SemiBold" charset="0"/>
-                <a:cs typeface="Pretendard SemiBold" charset="0"/>
-              </a:rPr>
-              <a:t>. 프로그램 시연 후 느낀 점</a:t>
+              <a:t>7. 프로그램 시연 후 느낀 점</a:t>
             </a:r>
             <a:r>
               <a:rPr lang="en-US" altLang="ko-KR" sz="4000" spc="-70">
@@ -9321,16 +9307,6 @@
               <a:buFontTx/>
               <a:buNone/>
             </a:pPr>
-            <a:r>
-              <a:rPr lang="ko-KR" sz="2000">
-                <a:solidFill>
-                  <a:schemeClr val="tx1"/>
-                </a:solidFill>
-                <a:latin typeface="Pretendard" charset="0"/>
-                <a:cs typeface="Pretendard" charset="0"/>
-              </a:rPr>
-              <a:t/>
-            </a:r>
             <a:br>
               <a:rPr lang="ko-KR" sz="2000">
                 <a:solidFill>
@@ -9508,7 +9484,7 @@
           <a:lstStyle/>
           <a:p>
             <a:r>
-              <a:rPr lang="en-US" sz="1300" dirty="0" smtClean="0">
+              <a:rPr lang="en-US" sz="1300" dirty="0">
                 <a:solidFill>
                   <a:srgbClr val="444444"/>
                 </a:solidFill>
@@ -9544,7 +9520,7 @@
           <a:lstStyle/>
           <a:p>
             <a:r>
-              <a:rPr lang="en-US" sz="1400" dirty="0" smtClean="0">
+              <a:rPr lang="en-US" sz="1400" dirty="0">
                 <a:solidFill>
                   <a:srgbClr val="00AACA"/>
                 </a:solidFill>
@@ -9581,7 +9557,7 @@
           <a:p>
             <a:pPr algn="r"/>
             <a:r>
-              <a:rPr lang="en-US" sz="1400" dirty="0" smtClean="0">
+              <a:rPr lang="en-US" sz="1400" dirty="0">
                 <a:solidFill>
                   <a:srgbClr val="444444"/>
                 </a:solidFill>
@@ -9705,32 +9681,18 @@
   <p:clrMapOvr>
     <a:masterClrMapping/>
   </p:clrMapOvr>
-  <mc:AlternateContent xmlns:mc="http://schemas.openxmlformats.org/markup-compatibility/2006">
-    <mc:Choice xmlns:p14="http://schemas.microsoft.com/office/powerpoint/2010/main" Requires="p14">
-      <p:transition spd="slow" p14:dur="2000"/>
-    </mc:Choice>
-    <mc:Fallback>
-      <p:transition spd="slow"/>
-    </mc:Fallback>
-  </mc:AlternateContent>
-  <p:timing>
-    <p:tnLst>
-      <p:par>
-        <p:cTn id="1" dur="indefinite" restart="never" nodeType="tmRoot"/>
-      </p:par>
-    </p:tnLst>
-  </p:timing>
 </p:sld>
 </file>
 
 <file path=ppt/slides/slide16.xml><?xml version="1.0" encoding="utf-8"?>
-<p:sld xmlns:a="http://schemas.openxmlformats.org/drawingml/2006/main" xmlns:r="http://schemas.openxmlformats.org/officeDocument/2006/relationships" xmlns:p="http://schemas.openxmlformats.org/presentationml/2006/main" xmlns:p14="http://schemas.microsoft.com/office/powerpoint/2010/main">
-  <p:cSld name="">
+<p:sld xmlns:a="http://schemas.openxmlformats.org/drawingml/2006/main" xmlns:r="http://schemas.openxmlformats.org/officeDocument/2006/relationships" xmlns:p="http://schemas.openxmlformats.org/presentationml/2006/main">
+  <p:cSld>
     <p:bg>
       <p:bgPr>
         <a:solidFill>
           <a:srgbClr val="FFFFFF"/>
         </a:solidFill>
+        <a:effectLst/>
       </p:bgPr>
     </p:bg>
     <p:spTree>
@@ -9809,7 +9771,7 @@
           <a:lstStyle/>
           <a:p>
             <a:r>
-              <a:rPr lang="en-US" sz="4000" kern="0" spc="-100" dirty="0" smtClean="0">
+              <a:rPr lang="en-US" sz="4000" kern="0" spc="-100" dirty="0">
                 <a:solidFill>
                   <a:srgbClr val="F2F3F6"/>
                 </a:solidFill>
@@ -9924,7 +9886,7 @@
           <a:p>
             <a:pPr algn="ctr"/>
             <a:r>
-              <a:rPr lang="en-US" sz="9600" dirty="0" smtClean="0">
+              <a:rPr lang="en-US" sz="9600" dirty="0">
                 <a:solidFill>
                   <a:srgbClr val="595959"/>
                 </a:solidFill>
@@ -9961,7 +9923,7 @@
           <a:p>
             <a:pPr algn="r"/>
             <a:r>
-              <a:rPr lang="en-US" sz="2200" dirty="0" smtClean="0">
+              <a:rPr lang="en-US" sz="2200" dirty="0">
                 <a:solidFill>
                   <a:srgbClr val="000000"/>
                 </a:solidFill>
@@ -9974,37 +9936,357 @@
           </a:p>
         </p:txBody>
       </p:sp>
+      <p:sp>
+        <p:nvSpPr>
+          <p:cNvPr id="2" name="_PO1">
+            <a:extLst>
+              <a:ext uri="{FF2B5EF4-FFF2-40B4-BE49-F238E27FC236}">
+                <a16:creationId xmlns:a16="http://schemas.microsoft.com/office/drawing/2014/main" id="{CECD418D-0874-216E-074C-EA439EA53C84}"/>
+              </a:ext>
+            </a:extLst>
+          </p:cNvPr>
+          <p:cNvSpPr>
+            <a:spLocks noChangeArrowheads="1"/>
+          </p:cNvSpPr>
+          <p:nvPr/>
+        </p:nvSpPr>
+        <p:spPr bwMode="auto">
+          <a:xfrm>
+            <a:off x="790394" y="7209904"/>
+            <a:ext cx="17395825" cy="461963"/>
+          </a:xfrm>
+          <a:prstGeom prst="rect">
+            <a:avLst/>
+          </a:prstGeom>
+          <a:noFill/>
+          <a:ln>
+            <a:noFill/>
+          </a:ln>
+          <a:extLst>
+            <a:ext uri="{909E8E84-426E-40DD-AFC4-6F175D3DCCD1}">
+              <a14:hiddenFill xmlns:a14="http://schemas.microsoft.com/office/drawing/2010/main">
+                <a:solidFill>
+                  <a:srgbClr val="FFFFFF"/>
+                </a:solidFill>
+              </a14:hiddenFill>
+            </a:ext>
+            <a:ext uri="{91240B29-F687-4F45-9708-019B960494DF}">
+              <a14:hiddenLine xmlns:a14="http://schemas.microsoft.com/office/drawing/2010/main" w="9525">
+                <a:solidFill>
+                  <a:srgbClr val="000000"/>
+                </a:solidFill>
+                <a:miter lim="800000"/>
+                <a:headEnd/>
+                <a:tailEnd/>
+              </a14:hiddenLine>
+            </a:ext>
+          </a:extLst>
+        </p:spPr>
+        <p:txBody>
+          <a:bodyPr vert="horz" wrap="square" lIns="91440" tIns="45720" rIns="91440" bIns="45720" numCol="1" anchor="t" anchorCtr="0" compatLnSpc="1">
+            <a:prstTxWarp prst="textNoShape">
+              <a:avLst/>
+            </a:prstTxWarp>
+          </a:bodyPr>
+          <a:lstStyle/>
+          <a:p>
+            <a:pPr marL="0" marR="0" lvl="0" indent="0" algn="l" defTabSz="914400" rtl="0" eaLnBrk="0" fontAlgn="base" latinLnBrk="0" hangingPunct="0">
+              <a:lnSpc>
+                <a:spcPct val="100000"/>
+              </a:lnSpc>
+              <a:spcBef>
+                <a:spcPct val="0"/>
+              </a:spcBef>
+              <a:spcAft>
+                <a:spcPct val="0"/>
+              </a:spcAft>
+              <a:buClrTx/>
+              <a:buSzTx/>
+              <a:buFontTx/>
+              <a:buNone/>
+              <a:tabLst/>
+            </a:pPr>
+            <a:endParaRPr kumimoji="0" lang="ko-KR" altLang="ko-KR" sz="1800" b="0" i="0" u="none" strike="noStrike" cap="none" normalizeH="0" baseline="0" dirty="0">
+              <a:ln>
+                <a:noFill/>
+              </a:ln>
+              <a:solidFill>
+                <a:schemeClr val="tx1"/>
+              </a:solidFill>
+              <a:effectLst/>
+              <a:latin typeface="Arial" panose="020B0604020202020204" pitchFamily="34" charset="0"/>
+            </a:endParaRPr>
+          </a:p>
+        </p:txBody>
+      </p:sp>
+      <p:sp>
+        <p:nvSpPr>
+          <p:cNvPr id="4" name="_PO3">
+            <a:extLst>
+              <a:ext uri="{FF2B5EF4-FFF2-40B4-BE49-F238E27FC236}">
+                <a16:creationId xmlns:a16="http://schemas.microsoft.com/office/drawing/2014/main" id="{FDCA9177-DF6A-5ABA-103F-B8646850D44E}"/>
+              </a:ext>
+            </a:extLst>
+          </p:cNvPr>
+          <p:cNvSpPr>
+            <a:spLocks noChangeArrowheads="1"/>
+          </p:cNvSpPr>
+          <p:nvPr/>
+        </p:nvSpPr>
+        <p:spPr bwMode="auto">
+          <a:xfrm>
+            <a:off x="790394" y="5972175"/>
+            <a:ext cx="9144000" cy="461963"/>
+          </a:xfrm>
+          <a:prstGeom prst="rect">
+            <a:avLst/>
+          </a:prstGeom>
+          <a:noFill/>
+          <a:ln>
+            <a:noFill/>
+          </a:ln>
+          <a:extLst>
+            <a:ext uri="{909E8E84-426E-40DD-AFC4-6F175D3DCCD1}">
+              <a14:hiddenFill xmlns:a14="http://schemas.microsoft.com/office/drawing/2010/main">
+                <a:solidFill>
+                  <a:srgbClr val="FFFFFF"/>
+                </a:solidFill>
+              </a14:hiddenFill>
+            </a:ext>
+            <a:ext uri="{91240B29-F687-4F45-9708-019B960494DF}">
+              <a14:hiddenLine xmlns:a14="http://schemas.microsoft.com/office/drawing/2010/main" w="9525">
+                <a:solidFill>
+                  <a:srgbClr val="000000"/>
+                </a:solidFill>
+                <a:miter lim="800000"/>
+                <a:headEnd/>
+                <a:tailEnd/>
+              </a14:hiddenLine>
+            </a:ext>
+          </a:extLst>
+        </p:spPr>
+        <p:txBody>
+          <a:bodyPr vert="horz" wrap="square" lIns="91440" tIns="45720" rIns="91440" bIns="45720" numCol="1" anchor="t" anchorCtr="0" compatLnSpc="1">
+            <a:prstTxWarp prst="textNoShape">
+              <a:avLst/>
+            </a:prstTxWarp>
+          </a:bodyPr>
+          <a:lstStyle/>
+          <a:p>
+            <a:pPr marL="0" marR="0" lvl="0" indent="0" algn="l" defTabSz="914400" rtl="0" eaLnBrk="0" fontAlgn="base" latinLnBrk="0" hangingPunct="0">
+              <a:lnSpc>
+                <a:spcPct val="100000"/>
+              </a:lnSpc>
+              <a:spcBef>
+                <a:spcPct val="0"/>
+              </a:spcBef>
+              <a:spcAft>
+                <a:spcPct val="0"/>
+              </a:spcAft>
+              <a:buClrTx/>
+              <a:buSzTx/>
+              <a:buFontTx/>
+              <a:buNone/>
+              <a:tabLst/>
+            </a:pPr>
+            <a:r>
+              <a:rPr kumimoji="0" lang="ko-KR" altLang="ko-KR" sz="2400" b="0" i="0" u="none" strike="noStrike" cap="none" normalizeH="0" baseline="0" dirty="0">
+                <a:ln>
+                  <a:noFill/>
+                </a:ln>
+                <a:solidFill>
+                  <a:schemeClr val="tx1"/>
+                </a:solidFill>
+                <a:effectLst/>
+                <a:latin typeface="Calibri" panose="020F0502020204030204" pitchFamily="34" charset="0"/>
+                <a:cs typeface="Calibri" panose="020F0502020204030204" pitchFamily="34" charset="0"/>
+              </a:rPr>
+              <a:t>조해찬 </a:t>
+            </a:r>
+            <a:r>
+              <a:rPr kumimoji="0" lang="ko-KR" altLang="ko-KR" sz="2400" b="0" i="0" u="none" strike="noStrike" cap="none" normalizeH="0" baseline="0" dirty="0">
+                <a:ln>
+                  <a:noFill/>
+                </a:ln>
+                <a:solidFill>
+                  <a:schemeClr val="tx1"/>
+                </a:solidFill>
+                <a:effectLst/>
+                <a:ea typeface="?? ??"/>
+              </a:rPr>
+              <a:t>: </a:t>
+            </a:r>
+            <a:r>
+              <a:rPr kumimoji="0" lang="ko-KR" altLang="ko-KR" sz="2400" b="0" i="0" u="none" strike="noStrike" cap="none" normalizeH="0" baseline="0" dirty="0">
+                <a:ln>
+                  <a:noFill/>
+                </a:ln>
+                <a:solidFill>
+                  <a:schemeClr val="tx1"/>
+                </a:solidFill>
+                <a:effectLst/>
+                <a:latin typeface="Arial" panose="020B0604020202020204" pitchFamily="34" charset="0"/>
+                <a:ea typeface="?? ??"/>
+                <a:hlinkClick r:id="rId5"/>
+              </a:rPr>
+              <a:t>https://github.com/Haecms</a:t>
+            </a:r>
+            <a:endParaRPr kumimoji="0" lang="ko-KR" altLang="ko-KR" sz="1800" b="0" i="0" u="none" strike="noStrike" cap="none" normalizeH="0" baseline="0" dirty="0">
+              <a:ln>
+                <a:noFill/>
+              </a:ln>
+              <a:solidFill>
+                <a:schemeClr val="tx1"/>
+              </a:solidFill>
+              <a:effectLst/>
+              <a:latin typeface="Arial" panose="020B0604020202020204" pitchFamily="34" charset="0"/>
+            </a:endParaRPr>
+          </a:p>
+        </p:txBody>
+      </p:sp>
+      <p:sp>
+        <p:nvSpPr>
+          <p:cNvPr id="6" name="_PO5">
+            <a:extLst>
+              <a:ext uri="{FF2B5EF4-FFF2-40B4-BE49-F238E27FC236}">
+                <a16:creationId xmlns:a16="http://schemas.microsoft.com/office/drawing/2014/main" id="{BA1EEA7A-6ED2-67A5-DE85-3B3B50CBD6C2}"/>
+              </a:ext>
+            </a:extLst>
+          </p:cNvPr>
+          <p:cNvSpPr>
+            <a:spLocks noChangeArrowheads="1"/>
+          </p:cNvSpPr>
+          <p:nvPr/>
+        </p:nvSpPr>
+        <p:spPr bwMode="auto">
+          <a:xfrm>
+            <a:off x="819784" y="6841489"/>
+            <a:ext cx="18001616" cy="830377"/>
+          </a:xfrm>
+          <a:prstGeom prst="rect">
+            <a:avLst/>
+          </a:prstGeom>
+          <a:noFill/>
+          <a:ln>
+            <a:noFill/>
+          </a:ln>
+          <a:extLst>
+            <a:ext uri="{909E8E84-426E-40DD-AFC4-6F175D3DCCD1}">
+              <a14:hiddenFill xmlns:a14="http://schemas.microsoft.com/office/drawing/2010/main">
+                <a:solidFill>
+                  <a:srgbClr val="FFFFFF"/>
+                </a:solidFill>
+              </a14:hiddenFill>
+            </a:ext>
+            <a:ext uri="{91240B29-F687-4F45-9708-019B960494DF}">
+              <a14:hiddenLine xmlns:a14="http://schemas.microsoft.com/office/drawing/2010/main" w="9525">
+                <a:solidFill>
+                  <a:srgbClr val="000000"/>
+                </a:solidFill>
+                <a:miter lim="800000"/>
+                <a:headEnd/>
+                <a:tailEnd/>
+              </a14:hiddenLine>
+            </a:ext>
+          </a:extLst>
+        </p:spPr>
+        <p:txBody>
+          <a:bodyPr vert="horz" wrap="square" lIns="91440" tIns="45720" rIns="91440" bIns="45720" numCol="1" anchor="t" anchorCtr="0" compatLnSpc="1">
+            <a:prstTxWarp prst="textNoShape">
+              <a:avLst/>
+            </a:prstTxWarp>
+          </a:bodyPr>
+          <a:lstStyle/>
+          <a:p>
+            <a:pPr marL="0" marR="0" lvl="0" indent="0" algn="l" defTabSz="914400" rtl="0" eaLnBrk="0" fontAlgn="base" latinLnBrk="0" hangingPunct="0">
+              <a:lnSpc>
+                <a:spcPct val="100000"/>
+              </a:lnSpc>
+              <a:spcBef>
+                <a:spcPct val="0"/>
+              </a:spcBef>
+              <a:spcAft>
+                <a:spcPct val="0"/>
+              </a:spcAft>
+              <a:buClrTx/>
+              <a:buSzTx/>
+              <a:buFontTx/>
+              <a:buNone/>
+              <a:tabLst/>
+            </a:pPr>
+            <a:r>
+              <a:rPr kumimoji="0" lang="en-US" altLang="ko-KR" sz="2400" b="0" i="0" u="none" strike="noStrike" cap="none" normalizeH="0" baseline="0" dirty="0">
+                <a:ln>
+                  <a:noFill/>
+                </a:ln>
+                <a:solidFill>
+                  <a:schemeClr val="tx1"/>
+                </a:solidFill>
+                <a:effectLst/>
+                <a:latin typeface="Arial" panose="020B0604020202020204" pitchFamily="34" charset="0"/>
+                <a:ea typeface="?? ??"/>
+              </a:rPr>
+              <a:t>MES</a:t>
+            </a:r>
+            <a:r>
+              <a:rPr kumimoji="0" lang="ko-KR" altLang="ko-KR" sz="2400" b="0" i="0" u="none" strike="noStrike" cap="none" normalizeH="0" baseline="0" dirty="0">
+                <a:ln>
+                  <a:noFill/>
+                </a:ln>
+                <a:solidFill>
+                  <a:schemeClr val="tx1"/>
+                </a:solidFill>
+                <a:effectLst/>
+                <a:latin typeface="Arial" panose="020B0604020202020204" pitchFamily="34" charset="0"/>
+                <a:ea typeface="?? ??"/>
+              </a:rPr>
+              <a:t>: </a:t>
+            </a:r>
+            <a:r>
+              <a:rPr kumimoji="0" lang="en-US" altLang="ko-KR" sz="2400" b="0" i="0" u="none" strike="noStrike" cap="none" normalizeH="0" baseline="0" dirty="0">
+                <a:ln>
+                  <a:noFill/>
+                </a:ln>
+                <a:solidFill>
+                  <a:schemeClr val="tx1"/>
+                </a:solidFill>
+                <a:effectLst/>
+                <a:latin typeface="Arial" panose="020B0604020202020204" pitchFamily="34" charset="0"/>
+                <a:ea typeface="?? ??"/>
+                <a:hlinkClick r:id="rId6"/>
+              </a:rPr>
+              <a:t>https://github.com/Haecms/My-Portfolio/tree/main/MES_%EB%B6%88%EB%9F%89%EA%B4%80%EB%A6%AC</a:t>
+            </a:r>
+            <a:endParaRPr kumimoji="0" lang="ko-KR" altLang="ko-KR" sz="1800" b="0" i="0" u="none" strike="noStrike" cap="none" normalizeH="0" baseline="0" dirty="0">
+              <a:ln>
+                <a:noFill/>
+              </a:ln>
+              <a:solidFill>
+                <a:schemeClr val="tx1"/>
+              </a:solidFill>
+              <a:effectLst/>
+              <a:latin typeface="Arial" panose="020B0604020202020204" pitchFamily="34" charset="0"/>
+            </a:endParaRPr>
+          </a:p>
+        </p:txBody>
+      </p:sp>
     </p:spTree>
   </p:cSld>
   <p:clrMapOvr>
     <a:masterClrMapping/>
   </p:clrMapOvr>
-  <mc:AlternateContent xmlns:mc="http://schemas.openxmlformats.org/markup-compatibility/2006">
-    <mc:Choice xmlns:p14="http://schemas.microsoft.com/office/powerpoint/2010/main" Requires="p14">
-      <p:transition spd="slow" p14:dur="2000"/>
-    </mc:Choice>
-    <mc:Fallback>
-      <p:transition spd="slow"/>
-    </mc:Fallback>
-  </mc:AlternateContent>
-  <p:timing>
-    <p:tnLst>
-      <p:par>
-        <p:cTn id="1" dur="indefinite" restart="never" nodeType="tmRoot"/>
-      </p:par>
-    </p:tnLst>
-  </p:timing>
 </p:sld>
 </file>
 
 <file path=ppt/slides/slide2.xml><?xml version="1.0" encoding="utf-8"?>
-<p:sld xmlns:a="http://schemas.openxmlformats.org/drawingml/2006/main" xmlns:r="http://schemas.openxmlformats.org/officeDocument/2006/relationships" xmlns:p="http://schemas.openxmlformats.org/presentationml/2006/main" xmlns:p14="http://schemas.microsoft.com/office/powerpoint/2010/main">
-  <p:cSld name="">
+<p:sld xmlns:a="http://schemas.openxmlformats.org/drawingml/2006/main" xmlns:r="http://schemas.openxmlformats.org/officeDocument/2006/relationships" xmlns:p="http://schemas.openxmlformats.org/presentationml/2006/main">
+  <p:cSld>
     <p:bg>
       <p:bgPr>
         <a:solidFill>
           <a:srgbClr val="FFFFFF"/>
         </a:solidFill>
+        <a:effectLst/>
       </p:bgPr>
     </p:bg>
     <p:spTree>
@@ -10083,7 +10365,7 @@
           <a:lstStyle/>
           <a:p>
             <a:r>
-              <a:rPr lang="en-US" sz="4000" kern="0" spc="-100" dirty="0" smtClean="0">
+              <a:rPr lang="en-US" sz="4000" kern="0" spc="-100" dirty="0">
                 <a:solidFill>
                   <a:srgbClr val="F2F3F6"/>
                 </a:solidFill>
@@ -10223,11 +10505,13 @@
               </a:stretch>
             </p:blipFill>
             <p:spPr>
-              <a:xfrm rot="0">
+              <a:xfrm>
                 <a:off x="995045" y="2874010"/>
                 <a:ext cx="5129530" cy="981710"/>
               </a:xfrm>
-              <a:prstGeom prst="rect"/>
+              <a:prstGeom prst="rect">
+                <a:avLst/>
+              </a:prstGeom>
               <a:noFill/>
             </p:spPr>
           </p:pic>
@@ -10241,15 +10525,17 @@
             <p:nvPr/>
           </p:nvSpPr>
           <p:spPr>
-            <a:xfrm rot="0">
+            <a:xfrm>
               <a:off x="1005840" y="3035935"/>
               <a:ext cx="1358900" cy="980440"/>
             </a:xfrm>
-            <a:prstGeom prst="rect"/>
+            <a:prstGeom prst="rect">
+              <a:avLst/>
+            </a:prstGeom>
             <a:noFill/>
           </p:spPr>
           <p:txBody>
-            <a:bodyPr wrap="square" lIns="91440" tIns="45720" rIns="91440" bIns="45720" numCol="1" vert="horz" anchor="t">
+            <a:bodyPr vert="horz" wrap="square" lIns="91440" tIns="45720" rIns="91440" bIns="45720" numCol="1" anchor="t">
               <a:spAutoFit/>
             </a:bodyPr>
             <a:lstStyle/>
@@ -10287,15 +10573,17 @@
             <p:nvPr/>
           </p:nvSpPr>
           <p:spPr>
-            <a:xfrm rot="0">
+            <a:xfrm>
               <a:off x="1378585" y="3146425"/>
               <a:ext cx="5250815" cy="476885"/>
             </a:xfrm>
-            <a:prstGeom prst="rect"/>
+            <a:prstGeom prst="rect">
+              <a:avLst/>
+            </a:prstGeom>
             <a:noFill/>
           </p:spPr>
           <p:txBody>
-            <a:bodyPr wrap="square" lIns="91440" tIns="45720" rIns="91440" bIns="45720" numCol="1" vert="horz" anchor="t">
+            <a:bodyPr vert="horz" wrap="square" lIns="91440" tIns="45720" rIns="91440" bIns="45720" numCol="1" anchor="t">
               <a:spAutoFit/>
             </a:bodyPr>
             <a:lstStyle/>
@@ -10384,11 +10672,13 @@
               </a:stretch>
             </p:blipFill>
             <p:spPr>
-              <a:xfrm rot="0">
+              <a:xfrm>
                 <a:off x="6578600" y="2874010"/>
                 <a:ext cx="5128895" cy="981075"/>
               </a:xfrm>
-              <a:prstGeom prst="rect"/>
+              <a:prstGeom prst="rect">
+                <a:avLst/>
+              </a:prstGeom>
               <a:noFill/>
             </p:spPr>
           </p:pic>
@@ -10402,15 +10692,17 @@
             <p:nvPr/>
           </p:nvSpPr>
           <p:spPr>
-            <a:xfrm rot="0">
+            <a:xfrm>
               <a:off x="6589395" y="3035935"/>
               <a:ext cx="1358265" cy="998855"/>
             </a:xfrm>
-            <a:prstGeom prst="rect"/>
+            <a:prstGeom prst="rect">
+              <a:avLst/>
+            </a:prstGeom>
             <a:noFill/>
           </p:spPr>
           <p:txBody>
-            <a:bodyPr wrap="square" lIns="91440" tIns="45720" rIns="91440" bIns="45720" numCol="1" vert="horz" anchor="t">
+            <a:bodyPr vert="horz" wrap="square" lIns="91440" tIns="45720" rIns="91440" bIns="45720" numCol="1" anchor="t">
               <a:spAutoFit/>
             </a:bodyPr>
             <a:lstStyle/>
@@ -10448,15 +10740,17 @@
             <p:nvPr/>
           </p:nvSpPr>
           <p:spPr>
-            <a:xfrm rot="0">
+            <a:xfrm>
               <a:off x="6962140" y="3146425"/>
               <a:ext cx="5250180" cy="476885"/>
             </a:xfrm>
-            <a:prstGeom prst="rect"/>
+            <a:prstGeom prst="rect">
+              <a:avLst/>
+            </a:prstGeom>
             <a:noFill/>
           </p:spPr>
           <p:txBody>
-            <a:bodyPr wrap="square" lIns="91440" tIns="45720" rIns="91440" bIns="45720" numCol="1" vert="horz" anchor="t">
+            <a:bodyPr vert="horz" wrap="square" lIns="91440" tIns="45720" rIns="91440" bIns="45720" numCol="1" anchor="t">
               <a:spAutoFit/>
             </a:bodyPr>
             <a:lstStyle/>
@@ -10545,11 +10839,13 @@
               </a:stretch>
             </p:blipFill>
             <p:spPr>
-              <a:xfrm rot="0">
+              <a:xfrm>
                 <a:off x="12162155" y="2874010"/>
                 <a:ext cx="5128895" cy="981075"/>
               </a:xfrm>
-              <a:prstGeom prst="rect"/>
+              <a:prstGeom prst="rect">
+                <a:avLst/>
+              </a:prstGeom>
               <a:noFill/>
             </p:spPr>
           </p:pic>
@@ -10563,15 +10859,17 @@
             <p:nvPr/>
           </p:nvSpPr>
           <p:spPr>
-            <a:xfrm rot="0">
+            <a:xfrm>
               <a:off x="12172950" y="3035935"/>
               <a:ext cx="1358265" cy="998855"/>
             </a:xfrm>
-            <a:prstGeom prst="rect"/>
+            <a:prstGeom prst="rect">
+              <a:avLst/>
+            </a:prstGeom>
             <a:noFill/>
           </p:spPr>
           <p:txBody>
-            <a:bodyPr wrap="square" lIns="91440" tIns="45720" rIns="91440" bIns="45720" numCol="1" vert="horz" anchor="t">
+            <a:bodyPr vert="horz" wrap="square" lIns="91440" tIns="45720" rIns="91440" bIns="45720" numCol="1" anchor="t">
               <a:spAutoFit/>
             </a:bodyPr>
             <a:lstStyle/>
@@ -10609,15 +10907,17 @@
             <p:nvPr/>
           </p:nvSpPr>
           <p:spPr>
-            <a:xfrm rot="0">
+            <a:xfrm>
               <a:off x="12545695" y="3146425"/>
               <a:ext cx="5250180" cy="476885"/>
             </a:xfrm>
-            <a:prstGeom prst="rect"/>
+            <a:prstGeom prst="rect">
+              <a:avLst/>
+            </a:prstGeom>
             <a:noFill/>
           </p:spPr>
           <p:txBody>
-            <a:bodyPr wrap="square" lIns="91440" tIns="45720" rIns="91440" bIns="45720" numCol="1" vert="horz" anchor="t">
+            <a:bodyPr vert="horz" wrap="square" lIns="91440" tIns="45720" rIns="91440" bIns="45720" numCol="1" anchor="t">
               <a:spAutoFit/>
             </a:bodyPr>
             <a:lstStyle/>
@@ -10634,47 +10934,7 @@
                   <a:latin typeface="Pretendard SemiBold" charset="0"/>
                   <a:cs typeface="Pretendard SemiBold" charset="0"/>
                 </a:rPr>
-                <a:t>프로젝트 </a:t>
-              </a:r>
-              <a:r>
-                <a:rPr lang="ko-KR" sz="2500">
-                  <a:solidFill>
-                    <a:srgbClr val="444444"/>
-                  </a:solidFill>
-                  <a:latin typeface="Pretendard SemiBold" charset="0"/>
-                  <a:cs typeface="Pretendard SemiBold" charset="0"/>
-                </a:rPr>
-                <a:t>구</a:t>
-              </a:r>
-              <a:r>
-                <a:rPr lang="ko-KR" sz="2500">
-                  <a:solidFill>
-                    <a:srgbClr val="444444"/>
-                  </a:solidFill>
-                  <a:latin typeface="Pretendard SemiBold" charset="0"/>
-                  <a:cs typeface="Pretendard SemiBold" charset="0"/>
-                </a:rPr>
-                <a:t>축 </a:t>
-              </a:r>
-              <a:r>
-                <a:rPr lang="ko-KR" sz="2500">
-                  <a:solidFill>
-                    <a:srgbClr val="444444"/>
-                  </a:solidFill>
-                  <a:latin typeface="Pretendard SemiBold" charset="0"/>
-                  <a:cs typeface="Pretendard SemiBold" charset="0"/>
-                </a:rPr>
-                <a:t>이</a:t>
-              </a:r>
-              <a:r>
-                <a:rPr lang="ko-KR" sz="2500">
-                  <a:solidFill>
-                    <a:srgbClr val="444444"/>
-                  </a:solidFill>
-                  <a:latin typeface="Pretendard SemiBold" charset="0"/>
-                  <a:cs typeface="Pretendard SemiBold" charset="0"/>
-                </a:rPr>
-                <a:t>점</a:t>
+                <a:t>프로젝트 구축 이점</a:t>
               </a:r>
               <a:endParaRPr lang="ko-KR" altLang="en-US" sz="2500">
                 <a:solidFill>
@@ -10724,15 +10984,17 @@
               <p:nvPr/>
             </p:nvSpPr>
             <p:spPr>
-              <a:xfrm rot="0">
+              <a:xfrm>
                 <a:off x="1005840" y="5304790"/>
                 <a:ext cx="1358900" cy="977265"/>
               </a:xfrm>
-              <a:prstGeom prst="rect"/>
+              <a:prstGeom prst="rect">
+                <a:avLst/>
+              </a:prstGeom>
               <a:noFill/>
             </p:spPr>
             <p:txBody>
-              <a:bodyPr wrap="square" lIns="91440" tIns="45720" rIns="91440" bIns="45720" numCol="1" vert="horz" anchor="t">
+              <a:bodyPr vert="horz" wrap="square" lIns="91440" tIns="45720" rIns="91440" bIns="45720" numCol="1" anchor="t">
                 <a:spAutoFit/>
               </a:bodyPr>
               <a:lstStyle/>
@@ -10770,15 +11032,17 @@
               <p:nvPr/>
             </p:nvSpPr>
             <p:spPr>
-              <a:xfrm rot="0">
+              <a:xfrm>
                 <a:off x="1378585" y="5415280"/>
                 <a:ext cx="5250815" cy="661670"/>
               </a:xfrm>
-              <a:prstGeom prst="rect"/>
+              <a:prstGeom prst="rect">
+                <a:avLst/>
+              </a:prstGeom>
               <a:noFill/>
             </p:spPr>
             <p:txBody>
-              <a:bodyPr wrap="square" lIns="91440" tIns="45720" rIns="91440" bIns="45720" numCol="1" vert="horz" anchor="t">
+              <a:bodyPr vert="horz" wrap="square" lIns="91440" tIns="45720" rIns="91440" bIns="45720" numCol="1" anchor="t">
                 <a:spAutoFit/>
               </a:bodyPr>
               <a:lstStyle/>
@@ -10857,11 +11121,13 @@
                 </a:stretch>
               </p:blipFill>
               <p:spPr>
-                <a:xfrm rot="0">
+                <a:xfrm>
                   <a:off x="6578600" y="5142865"/>
                   <a:ext cx="5129530" cy="981710"/>
                 </a:xfrm>
-                <a:prstGeom prst="rect"/>
+                <a:prstGeom prst="rect">
+                  <a:avLst/>
+                </a:prstGeom>
                 <a:noFill/>
               </p:spPr>
             </p:pic>
@@ -10875,15 +11141,17 @@
               <p:nvPr/>
             </p:nvSpPr>
             <p:spPr>
-              <a:xfrm rot="0">
+              <a:xfrm>
                 <a:off x="6589395" y="5304790"/>
                 <a:ext cx="1358900" cy="977265"/>
               </a:xfrm>
-              <a:prstGeom prst="rect"/>
+              <a:prstGeom prst="rect">
+                <a:avLst/>
+              </a:prstGeom>
               <a:noFill/>
             </p:spPr>
             <p:txBody>
-              <a:bodyPr wrap="square" lIns="91440" tIns="45720" rIns="91440" bIns="45720" numCol="1" vert="horz" anchor="t">
+              <a:bodyPr vert="horz" wrap="square" lIns="91440" tIns="45720" rIns="91440" bIns="45720" numCol="1" anchor="t">
                 <a:spAutoFit/>
               </a:bodyPr>
               <a:lstStyle/>
@@ -10921,15 +11189,17 @@
               <p:nvPr/>
             </p:nvSpPr>
             <p:spPr>
-              <a:xfrm rot="0">
+              <a:xfrm>
                 <a:off x="6962140" y="5415280"/>
                 <a:ext cx="5250815" cy="476885"/>
               </a:xfrm>
-              <a:prstGeom prst="rect"/>
+              <a:prstGeom prst="rect">
+                <a:avLst/>
+              </a:prstGeom>
               <a:noFill/>
             </p:spPr>
             <p:txBody>
-              <a:bodyPr wrap="square" lIns="91440" tIns="45720" rIns="91440" bIns="45720" numCol="1" vert="horz" anchor="t">
+              <a:bodyPr vert="horz" wrap="square" lIns="91440" tIns="45720" rIns="91440" bIns="45720" numCol="1" anchor="t">
                 <a:spAutoFit/>
               </a:bodyPr>
               <a:lstStyle/>
@@ -10946,27 +11216,7 @@
                     <a:latin typeface="Pretendard SemiBold" charset="0"/>
                     <a:cs typeface="Pretendard SemiBold" charset="0"/>
                   </a:rPr>
-                  <a:t>테스트 </a:t>
-                </a:r>
-                <a:r>
-                  <a:rPr lang="ko-KR" sz="2500">
-                    <a:solidFill>
-                      <a:srgbClr val="444444"/>
-                    </a:solidFill>
-                    <a:latin typeface="Pretendard SemiBold" charset="0"/>
-                    <a:cs typeface="Pretendard SemiBold" charset="0"/>
-                  </a:rPr>
-                  <a:t>시나리</a:t>
-                </a:r>
-                <a:r>
-                  <a:rPr lang="ko-KR" sz="2500">
-                    <a:solidFill>
-                      <a:srgbClr val="444444"/>
-                    </a:solidFill>
-                    <a:latin typeface="Pretendard SemiBold" charset="0"/>
-                    <a:cs typeface="Pretendard SemiBold" charset="0"/>
-                  </a:rPr>
-                  <a:t>오</a:t>
+                  <a:t>테스트 시나리오</a:t>
                 </a:r>
                 <a:endParaRPr lang="ko-KR" altLang="en-US" sz="2500">
                   <a:solidFill>
@@ -11028,11 +11278,13 @@
                 </a:stretch>
               </p:blipFill>
               <p:spPr>
-                <a:xfrm rot="0">
+                <a:xfrm>
                   <a:off x="12162155" y="5142865"/>
                   <a:ext cx="5129530" cy="981710"/>
                 </a:xfrm>
-                <a:prstGeom prst="rect"/>
+                <a:prstGeom prst="rect">
+                  <a:avLst/>
+                </a:prstGeom>
                 <a:noFill/>
               </p:spPr>
             </p:pic>
@@ -11046,15 +11298,17 @@
               <p:nvPr/>
             </p:nvSpPr>
             <p:spPr>
-              <a:xfrm rot="0">
+              <a:xfrm>
                 <a:off x="12172950" y="5304790"/>
                 <a:ext cx="1358900" cy="977265"/>
               </a:xfrm>
-              <a:prstGeom prst="rect"/>
+              <a:prstGeom prst="rect">
+                <a:avLst/>
+              </a:prstGeom>
               <a:noFill/>
             </p:spPr>
             <p:txBody>
-              <a:bodyPr wrap="square" lIns="91440" tIns="45720" rIns="91440" bIns="45720" numCol="1" vert="horz" anchor="t">
+              <a:bodyPr vert="horz" wrap="square" lIns="91440" tIns="45720" rIns="91440" bIns="45720" numCol="1" anchor="t">
                 <a:spAutoFit/>
               </a:bodyPr>
               <a:lstStyle/>
@@ -11092,15 +11346,17 @@
               <p:nvPr/>
             </p:nvSpPr>
             <p:spPr>
-              <a:xfrm rot="0">
+              <a:xfrm>
                 <a:off x="12545695" y="5415280"/>
                 <a:ext cx="5250815" cy="476885"/>
               </a:xfrm>
-              <a:prstGeom prst="rect"/>
+              <a:prstGeom prst="rect">
+                <a:avLst/>
+              </a:prstGeom>
               <a:noFill/>
             </p:spPr>
             <p:txBody>
-              <a:bodyPr wrap="square" lIns="91440" tIns="45720" rIns="91440" bIns="45720" numCol="1" vert="horz" anchor="t">
+              <a:bodyPr vert="horz" wrap="square" lIns="91440" tIns="45720" rIns="91440" bIns="45720" numCol="1" anchor="t">
                 <a:spAutoFit/>
               </a:bodyPr>
               <a:lstStyle/>
@@ -11154,7 +11410,7 @@
           <a:lstStyle/>
           <a:p>
             <a:r>
-              <a:rPr lang="en-US" sz="1300" dirty="0" smtClean="0">
+              <a:rPr lang="en-US" sz="1300" dirty="0">
                 <a:solidFill>
                   <a:srgbClr val="444444"/>
                 </a:solidFill>
@@ -11191,7 +11447,7 @@
           <a:p>
             <a:pPr algn="r"/>
             <a:r>
-              <a:rPr lang="en-US" sz="2200" dirty="0" smtClean="0">
+              <a:rPr lang="en-US" sz="2200" dirty="0">
                 <a:solidFill>
                   <a:srgbClr val="000000"/>
                 </a:solidFill>
@@ -11241,11 +11497,13 @@
             <a:off x="1378585" y="5400675"/>
             <a:ext cx="5250815" cy="476885"/>
           </a:xfrm>
-          <a:prstGeom prst="rect"/>
+          <a:prstGeom prst="rect">
+            <a:avLst/>
+          </a:prstGeom>
           <a:noFill/>
         </p:spPr>
         <p:txBody>
-          <a:bodyPr wrap="square" lIns="91440" tIns="45720" rIns="91440" bIns="45720" numCol="1" vert="horz" anchor="t">
+          <a:bodyPr vert="horz" wrap="square" lIns="91440" tIns="45720" rIns="91440" bIns="45720" numCol="1" anchor="t">
             <a:spAutoFit/>
           </a:bodyPr>
           <a:lstStyle/>
@@ -11283,15 +11541,17 @@
           <p:nvPr/>
         </p:nvSpPr>
         <p:spPr>
-          <a:xfrm rot="0">
+          <a:xfrm>
             <a:off x="991235" y="5304790"/>
             <a:ext cx="1358265" cy="661035"/>
           </a:xfrm>
-          <a:prstGeom prst="rect"/>
+          <a:prstGeom prst="rect">
+            <a:avLst/>
+          </a:prstGeom>
           <a:noFill/>
         </p:spPr>
         <p:txBody>
-          <a:bodyPr wrap="square" lIns="91440" tIns="45720" rIns="91440" bIns="45720" numCol="1" vert="horz" anchor="t">
+          <a:bodyPr vert="horz" wrap="square" lIns="91440" tIns="45720" rIns="91440" bIns="45720" numCol="1" anchor="t">
             <a:spAutoFit/>
           </a:bodyPr>
           <a:lstStyle/>
@@ -11351,11 +11611,13 @@
           </a:stretch>
         </p:blipFill>
         <p:spPr>
-          <a:xfrm rot="0">
+          <a:xfrm>
             <a:off x="995045" y="7320915"/>
             <a:ext cx="5128895" cy="981075"/>
           </a:xfrm>
-          <a:prstGeom prst="rect"/>
+          <a:prstGeom prst="rect">
+            <a:avLst/>
+          </a:prstGeom>
           <a:noFill/>
         </p:spPr>
       </p:pic>
@@ -11368,15 +11630,17 @@
           <p:nvPr/>
         </p:nvSpPr>
         <p:spPr>
-          <a:xfrm rot="0">
+          <a:xfrm>
             <a:off x="1378585" y="7578725"/>
             <a:ext cx="5250815" cy="476885"/>
           </a:xfrm>
-          <a:prstGeom prst="rect"/>
+          <a:prstGeom prst="rect">
+            <a:avLst/>
+          </a:prstGeom>
           <a:noFill/>
         </p:spPr>
         <p:txBody>
-          <a:bodyPr wrap="square" lIns="91440" tIns="45720" rIns="91440" bIns="45720" numCol="1" vert="horz" anchor="t">
+          <a:bodyPr vert="horz" wrap="square" lIns="91440" tIns="45720" rIns="91440" bIns="45720" numCol="1" anchor="t">
             <a:spAutoFit/>
           </a:bodyPr>
           <a:lstStyle/>
@@ -11414,15 +11678,17 @@
           <p:nvPr/>
         </p:nvSpPr>
         <p:spPr>
-          <a:xfrm rot="0">
+          <a:xfrm>
             <a:off x="991235" y="7482840"/>
             <a:ext cx="1358900" cy="661035"/>
           </a:xfrm>
-          <a:prstGeom prst="rect"/>
+          <a:prstGeom prst="rect">
+            <a:avLst/>
+          </a:prstGeom>
           <a:noFill/>
         </p:spPr>
         <p:txBody>
-          <a:bodyPr wrap="square" lIns="91440" tIns="45720" rIns="91440" bIns="45720" numCol="1" vert="horz" anchor="t">
+          <a:bodyPr vert="horz" wrap="square" lIns="91440" tIns="45720" rIns="91440" bIns="45720" numCol="1" anchor="t">
             <a:spAutoFit/>
           </a:bodyPr>
           <a:lstStyle/>
@@ -11466,21 +11732,6 @@
   <p:clrMapOvr>
     <a:masterClrMapping/>
   </p:clrMapOvr>
-  <mc:AlternateContent xmlns:mc="http://schemas.openxmlformats.org/markup-compatibility/2006">
-    <mc:Choice xmlns:p14="http://schemas.microsoft.com/office/powerpoint/2010/main" Requires="p14">
-      <p:transition spd="slow" p14:dur="2000"/>
-    </mc:Choice>
-    <mc:Fallback>
-      <p:transition spd="slow"/>
-    </mc:Fallback>
-  </mc:AlternateContent>
-  <p:timing>
-    <p:tnLst>
-      <p:par>
-        <p:cTn id="1" dur="indefinite" restart="never" nodeType="tmRoot"/>
-      </p:par>
-    </p:tnLst>
-  </p:timing>
 </p:sld>
 </file>
 
@@ -11510,20 +11761,22 @@
           <p:nvPr/>
         </p:nvSpPr>
         <p:spPr>
-          <a:xfrm rot="0">
+          <a:xfrm>
             <a:off x="1683385" y="2520950"/>
             <a:ext cx="13315950" cy="5673090"/>
           </a:xfrm>
-          <a:prstGeom prst="rect"/>
+          <a:prstGeom prst="rect">
+            <a:avLst/>
+          </a:prstGeom>
           <a:noFill/>
         </p:spPr>
         <p:txBody>
-          <a:bodyPr wrap="square" lIns="91440" tIns="45720" rIns="91440" bIns="45720" vert="horz" anchor="t">
+          <a:bodyPr vert="horz" wrap="square" lIns="91440" tIns="45720" rIns="91440" bIns="45720" anchor="t">
             <a:spAutoFit/>
           </a:bodyPr>
           <a:lstStyle/>
           <a:p>
-            <a:pPr marL="0" indent="0" rtl="0" algn="l" defTabSz="914400" eaLnBrk="1" latinLnBrk="0" hangingPunct="1">
+            <a:pPr marL="0" indent="0" algn="l" defTabSz="914400" rtl="0" eaLnBrk="1" latinLnBrk="0" hangingPunct="1">
               <a:buFontTx/>
               <a:buNone/>
             </a:pPr>
@@ -11535,17 +11788,7 @@
                 <a:latin typeface="Noto Sans CJK KR Medium" charset="0"/>
                 <a:ea typeface="Calibri" charset="0"/>
               </a:rPr>
-              <a:t>간단 소개 : </a:t>
-            </a:r>
-            <a:r>
-              <a:rPr sz="2800">
-                <a:solidFill>
-                  <a:srgbClr val="000000"/>
-                </a:solidFill>
-                <a:latin typeface="Noto Sans CJK KR Medium" charset="0"/>
-                <a:ea typeface="Calibri" charset="0"/>
-              </a:rPr>
-              <a:t>불</a:t>
+              <a:t>간단 소개 : 불</a:t>
             </a:r>
             <a:r>
               <a:rPr lang="ko-KR" sz="2800">
@@ -11555,47 +11798,7 @@
                 <a:latin typeface="Noto Sans CJK KR Medium" charset="0"/>
                 <a:ea typeface="Calibri" charset="0"/>
               </a:rPr>
-              <a:t>량 </a:t>
-            </a:r>
-            <a:r>
-              <a:rPr lang="ko-KR" sz="2800">
-                <a:solidFill>
-                  <a:srgbClr val="000000"/>
-                </a:solidFill>
-                <a:latin typeface="Noto Sans CJK KR Medium" charset="0"/>
-                <a:ea typeface="Calibri" charset="0"/>
-              </a:rPr>
-              <a:t>내</a:t>
-            </a:r>
-            <a:r>
-              <a:rPr lang="ko-KR" sz="2800">
-                <a:solidFill>
-                  <a:srgbClr val="000000"/>
-                </a:solidFill>
-                <a:latin typeface="Noto Sans CJK KR Medium" charset="0"/>
-                <a:ea typeface="Calibri" charset="0"/>
-              </a:rPr>
-              <a:t>역 </a:t>
-            </a:r>
-            <a:r>
-              <a:rPr lang="ko-KR" sz="2800">
-                <a:solidFill>
-                  <a:srgbClr val="000000"/>
-                </a:solidFill>
-                <a:latin typeface="Noto Sans CJK KR Medium" charset="0"/>
-                <a:ea typeface="Calibri" charset="0"/>
-              </a:rPr>
-              <a:t>관</a:t>
-            </a:r>
-            <a:r>
-              <a:rPr lang="ko-KR" sz="2800">
-                <a:solidFill>
-                  <a:srgbClr val="000000"/>
-                </a:solidFill>
-                <a:latin typeface="Noto Sans CJK KR Medium" charset="0"/>
-                <a:ea typeface="Calibri" charset="0"/>
-              </a:rPr>
-              <a:t>리</a:t>
+              <a:t>량 내역 관리</a:t>
             </a:r>
             <a:endParaRPr lang="ko-KR" altLang="en-US" sz="2800">
               <a:solidFill>
@@ -11606,7 +11809,7 @@
             </a:endParaRPr>
           </a:p>
           <a:p>
-            <a:pPr marL="0" indent="0" rtl="0" algn="l" defTabSz="914400" eaLnBrk="1" latinLnBrk="0" hangingPunct="1">
+            <a:pPr marL="0" indent="0" algn="l" defTabSz="914400" rtl="0" eaLnBrk="1" latinLnBrk="0" hangingPunct="1">
               <a:buFontTx/>
               <a:buNone/>
             </a:pPr>
@@ -11619,7 +11822,7 @@
             </a:endParaRPr>
           </a:p>
           <a:p>
-            <a:pPr marL="0" indent="0" rtl="0" algn="l" defTabSz="914400" eaLnBrk="1" latinLnBrk="0" hangingPunct="1">
+            <a:pPr marL="0" indent="0" algn="l" defTabSz="914400" rtl="0" eaLnBrk="1" latinLnBrk="0" hangingPunct="1">
               <a:buFontTx/>
               <a:buNone/>
             </a:pPr>
@@ -11631,37 +11834,7 @@
                 <a:latin typeface="Noto Sans CJK KR Medium" charset="0"/>
                 <a:ea typeface="Calibri" charset="0"/>
               </a:rPr>
-              <a:t>개발 기간 : </a:t>
-            </a:r>
-            <a:r>
-              <a:rPr sz="2800">
-                <a:solidFill>
-                  <a:srgbClr val="000000"/>
-                </a:solidFill>
-                <a:latin typeface="Noto Sans CJK KR Medium" charset="0"/>
-                <a:ea typeface="Calibri" charset="0"/>
-              </a:rPr>
-              <a:t>2</a:t>
-            </a:r>
-            <a:r>
-              <a:rPr sz="2800">
-                <a:solidFill>
-                  <a:srgbClr val="000000"/>
-                </a:solidFill>
-                <a:latin typeface="Noto Sans CJK KR Medium" charset="0"/>
-                <a:ea typeface="Calibri" charset="0"/>
-              </a:rPr>
-              <a:t>023-06-29 ~ 2023-07-06</a:t>
-            </a:r>
-            <a:r>
-              <a:rPr sz="2800">
-                <a:solidFill>
-                  <a:srgbClr val="000000"/>
-                </a:solidFill>
-                <a:latin typeface="Noto Sans CJK KR Medium" charset="0"/>
-                <a:ea typeface="Calibri" charset="0"/>
-              </a:rPr>
-              <a:t> </a:t>
+              <a:t>개발 기간 : 2023-06-29 ~ 2023-07-06 </a:t>
             </a:r>
             <a:endParaRPr lang="ko-KR" altLang="en-US" sz="2800">
               <a:solidFill>
@@ -11672,7 +11845,7 @@
             </a:endParaRPr>
           </a:p>
           <a:p>
-            <a:pPr marL="0" indent="0" rtl="0" algn="l" defTabSz="914400" eaLnBrk="1" latinLnBrk="0" hangingPunct="1">
+            <a:pPr marL="0" indent="0" algn="l" defTabSz="914400" rtl="0" eaLnBrk="1" latinLnBrk="0" hangingPunct="1">
               <a:buFontTx/>
               <a:buNone/>
             </a:pPr>
@@ -11685,7 +11858,7 @@
             </a:endParaRPr>
           </a:p>
           <a:p>
-            <a:pPr marL="0" indent="0" rtl="0" algn="l" defTabSz="914400" eaLnBrk="1" latinLnBrk="0" hangingPunct="1">
+            <a:pPr marL="0" indent="0" algn="l" defTabSz="914400" rtl="0" eaLnBrk="1" latinLnBrk="0" hangingPunct="1">
               <a:buFontTx/>
               <a:buNone/>
             </a:pPr>
@@ -11697,27 +11870,7 @@
                 <a:latin typeface="Noto Sans CJK KR Medium" charset="0"/>
                 <a:ea typeface="Calibri" charset="0"/>
               </a:rPr>
-              <a:t>개발 인원 : </a:t>
-            </a:r>
-            <a:r>
-              <a:rPr sz="2800">
-                <a:solidFill>
-                  <a:srgbClr val="000000"/>
-                </a:solidFill>
-                <a:latin typeface="Noto Sans CJK KR Medium" charset="0"/>
-                <a:ea typeface="Calibri" charset="0"/>
-              </a:rPr>
-              <a:t>3</a:t>
-            </a:r>
-            <a:r>
-              <a:rPr sz="2800">
-                <a:solidFill>
-                  <a:srgbClr val="000000"/>
-                </a:solidFill>
-                <a:latin typeface="Noto Sans CJK KR Medium" charset="0"/>
-                <a:ea typeface="Calibri" charset="0"/>
-              </a:rPr>
-              <a:t>명</a:t>
+              <a:t>개발 인원 : 3명</a:t>
             </a:r>
             <a:endParaRPr lang="ko-KR" altLang="en-US" sz="2800">
               <a:solidFill>
@@ -11728,7 +11881,7 @@
             </a:endParaRPr>
           </a:p>
           <a:p>
-            <a:pPr marL="0" indent="0" rtl="0" algn="l" defTabSz="914400" eaLnBrk="1" latinLnBrk="0" hangingPunct="1">
+            <a:pPr marL="0" indent="0" algn="l" defTabSz="914400" rtl="0" eaLnBrk="1" latinLnBrk="0" hangingPunct="1">
               <a:buFontTx/>
               <a:buNone/>
             </a:pPr>
@@ -11741,7 +11894,7 @@
             </a:endParaRPr>
           </a:p>
           <a:p>
-            <a:pPr marL="0" indent="0" rtl="0" algn="l" defTabSz="914400" eaLnBrk="1" latinLnBrk="0" hangingPunct="1">
+            <a:pPr marL="0" indent="0" algn="l" defTabSz="914400" rtl="0" eaLnBrk="1" latinLnBrk="0" hangingPunct="1">
               <a:buFontTx/>
               <a:buNone/>
             </a:pPr>
@@ -11764,7 +11917,7 @@
             </a:endParaRPr>
           </a:p>
           <a:p>
-            <a:pPr marL="0" indent="0" rtl="0" algn="l" defTabSz="914400" eaLnBrk="1" latinLnBrk="0" hangingPunct="1">
+            <a:pPr marL="0" indent="0" algn="l" defTabSz="914400" rtl="0" eaLnBrk="1" latinLnBrk="0" hangingPunct="1">
               <a:buFontTx/>
               <a:buNone/>
             </a:pPr>
@@ -11777,7 +11930,7 @@
             </a:endParaRPr>
           </a:p>
           <a:p>
-            <a:pPr marL="0" indent="0" rtl="0" algn="l" defTabSz="914400" eaLnBrk="1" latinLnBrk="0" hangingPunct="1">
+            <a:pPr marL="0" indent="0" algn="l" defTabSz="914400" rtl="0" eaLnBrk="1" latinLnBrk="0" hangingPunct="1">
               <a:buFontTx/>
               <a:buNone/>
             </a:pPr>
@@ -11790,7 +11943,7 @@
             </a:endParaRPr>
           </a:p>
           <a:p>
-            <a:pPr marL="0" indent="0" rtl="0" algn="l" defTabSz="914400" eaLnBrk="1" latinLnBrk="0" hangingPunct="1">
+            <a:pPr marL="0" indent="0" algn="l" defTabSz="914400" rtl="0" eaLnBrk="1" latinLnBrk="0" hangingPunct="1">
               <a:buFontTx/>
               <a:buNone/>
             </a:pPr>
@@ -11802,7 +11955,17 @@
                 <a:latin typeface="Noto Sans CJK KR Medium" charset="0"/>
                 <a:ea typeface="Calibri" charset="0"/>
               </a:rPr>
-              <a:t>- </a:t>
+              <a:t>- 생산</a:t>
+            </a:r>
+            <a:r>
+              <a:rPr lang="ko-KR" sz="2800">
+                <a:solidFill>
+                  <a:srgbClr val="000000"/>
+                </a:solidFill>
+                <a:latin typeface="Noto Sans CJK KR Medium" charset="0"/>
+                <a:ea typeface="Calibri" charset="0"/>
+              </a:rPr>
+              <a:t> </a:t>
             </a:r>
             <a:r>
               <a:rPr sz="2800">
@@ -11812,7 +11975,7 @@
                 <a:latin typeface="Noto Sans CJK KR Medium" charset="0"/>
                 <a:ea typeface="Calibri" charset="0"/>
               </a:rPr>
-              <a:t>생산</a:t>
+              <a:t>실</a:t>
             </a:r>
             <a:r>
               <a:rPr lang="ko-KR" sz="2800">
@@ -11822,47 +11985,7 @@
                 <a:latin typeface="Noto Sans CJK KR Medium" charset="0"/>
                 <a:ea typeface="Calibri" charset="0"/>
               </a:rPr>
-              <a:t> </a:t>
-            </a:r>
-            <a:r>
-              <a:rPr sz="2800">
-                <a:solidFill>
-                  <a:srgbClr val="000000"/>
-                </a:solidFill>
-                <a:latin typeface="Noto Sans CJK KR Medium" charset="0"/>
-                <a:ea typeface="Calibri" charset="0"/>
-              </a:rPr>
-              <a:t>실</a:t>
-            </a:r>
-            <a:r>
-              <a:rPr lang="ko-KR" sz="2800">
-                <a:solidFill>
-                  <a:srgbClr val="000000"/>
-                </a:solidFill>
-                <a:latin typeface="Noto Sans CJK KR Medium" charset="0"/>
-                <a:ea typeface="Calibri" charset="0"/>
-              </a:rPr>
-              <a:t>적 </a:t>
-            </a:r>
-            <a:r>
-              <a:rPr lang="ko-KR" sz="2800">
-                <a:solidFill>
-                  <a:srgbClr val="000000"/>
-                </a:solidFill>
-                <a:latin typeface="Noto Sans CJK KR Medium" charset="0"/>
-                <a:ea typeface="Calibri" charset="0"/>
-              </a:rPr>
-              <a:t>불</a:t>
-            </a:r>
-            <a:r>
-              <a:rPr lang="ko-KR" sz="2800">
-                <a:solidFill>
-                  <a:srgbClr val="000000"/>
-                </a:solidFill>
-                <a:latin typeface="Noto Sans CJK KR Medium" charset="0"/>
-                <a:ea typeface="Calibri" charset="0"/>
-              </a:rPr>
-              <a:t>량 조회</a:t>
+              <a:t>적 불량 조회</a:t>
             </a:r>
             <a:endParaRPr lang="ko-KR" altLang="en-US" sz="2800">
               <a:solidFill>
@@ -11873,7 +11996,7 @@
             </a:endParaRPr>
           </a:p>
           <a:p>
-            <a:pPr marL="0" indent="0" rtl="0" algn="l" defTabSz="914400" eaLnBrk="1" latinLnBrk="0" hangingPunct="1">
+            <a:pPr marL="0" indent="0" algn="l" defTabSz="914400" rtl="0" eaLnBrk="1" latinLnBrk="0" hangingPunct="1">
               <a:buFontTx/>
               <a:buNone/>
             </a:pPr>
@@ -11886,7 +12009,7 @@
             </a:endParaRPr>
           </a:p>
           <a:p>
-            <a:pPr marL="0" indent="0" rtl="0" algn="l" defTabSz="914400" eaLnBrk="1" latinLnBrk="0" hangingPunct="1">
+            <a:pPr marL="0" indent="0" algn="l" defTabSz="914400" rtl="0" eaLnBrk="1" latinLnBrk="0" hangingPunct="1">
               <a:buFontTx/>
               <a:buNone/>
             </a:pPr>
@@ -11899,7 +12022,7 @@
             </a:endParaRPr>
           </a:p>
           <a:p>
-            <a:pPr marL="0" indent="0" rtl="0" algn="l" defTabSz="914400" eaLnBrk="1" latinLnBrk="0" hangingPunct="1">
+            <a:pPr marL="0" indent="0" algn="l" defTabSz="914400" rtl="0" eaLnBrk="1" latinLnBrk="0" hangingPunct="1">
               <a:buFontTx/>
               <a:buNone/>
             </a:pPr>
@@ -11912,7 +12035,7 @@
             </a:endParaRPr>
           </a:p>
           <a:p>
-            <a:pPr marL="0" indent="0" rtl="0" algn="l" defTabSz="914400" eaLnBrk="1" latinLnBrk="0" hangingPunct="1">
+            <a:pPr marL="0" indent="0" algn="l" defTabSz="914400" rtl="0" eaLnBrk="1" latinLnBrk="0" hangingPunct="1">
               <a:buFontTx/>
               <a:buNone/>
             </a:pPr>
@@ -11924,17 +12047,7 @@
                 <a:latin typeface="Noto Sans CJK KR Medium" charset="0"/>
                 <a:ea typeface="Calibri" charset="0"/>
               </a:rPr>
-              <a:t>- </a:t>
-            </a:r>
-            <a:r>
-              <a:rPr sz="2800">
-                <a:solidFill>
-                  <a:srgbClr val="000000"/>
-                </a:solidFill>
-                <a:latin typeface="Noto Sans CJK KR Medium" charset="0"/>
-                <a:ea typeface="Calibri" charset="0"/>
-              </a:rPr>
-              <a:t>불량</a:t>
+              <a:t>- 불량</a:t>
             </a:r>
             <a:r>
               <a:rPr lang="ko-KR" sz="2800">
@@ -11944,47 +12057,7 @@
                 <a:latin typeface="Noto Sans CJK KR Medium" charset="0"/>
                 <a:ea typeface="Calibri" charset="0"/>
               </a:rPr>
-              <a:t>품 </a:t>
-            </a:r>
-            <a:r>
-              <a:rPr lang="ko-KR" sz="2800">
-                <a:solidFill>
-                  <a:srgbClr val="000000"/>
-                </a:solidFill>
-                <a:latin typeface="Noto Sans CJK KR Medium" charset="0"/>
-                <a:ea typeface="Calibri" charset="0"/>
-              </a:rPr>
-              <a:t>일</a:t>
-            </a:r>
-            <a:r>
-              <a:rPr lang="ko-KR" sz="2800">
-                <a:solidFill>
-                  <a:srgbClr val="000000"/>
-                </a:solidFill>
-                <a:latin typeface="Noto Sans CJK KR Medium" charset="0"/>
-                <a:ea typeface="Calibri" charset="0"/>
-              </a:rPr>
-              <a:t>괄 </a:t>
-            </a:r>
-            <a:r>
-              <a:rPr lang="ko-KR" sz="2800">
-                <a:solidFill>
-                  <a:srgbClr val="000000"/>
-                </a:solidFill>
-                <a:latin typeface="Noto Sans CJK KR Medium" charset="0"/>
-                <a:ea typeface="Calibri" charset="0"/>
-              </a:rPr>
-              <a:t>등</a:t>
-            </a:r>
-            <a:r>
-              <a:rPr lang="ko-KR" sz="2800">
-                <a:solidFill>
-                  <a:srgbClr val="000000"/>
-                </a:solidFill>
-                <a:latin typeface="Noto Sans CJK KR Medium" charset="0"/>
-                <a:ea typeface="Calibri" charset="0"/>
-              </a:rPr>
-              <a:t>록</a:t>
+              <a:t>품 일괄 등록</a:t>
             </a:r>
             <a:endParaRPr lang="ko-KR" altLang="en-US" sz="500">
               <a:solidFill>
@@ -11995,7 +12068,7 @@
             </a:endParaRPr>
           </a:p>
           <a:p>
-            <a:pPr marL="0" indent="0" rtl="0" algn="l" defTabSz="914400" eaLnBrk="1" latinLnBrk="0" hangingPunct="1">
+            <a:pPr marL="0" indent="0" algn="l" defTabSz="914400" rtl="0" eaLnBrk="1" latinLnBrk="0" hangingPunct="1">
               <a:buFontTx/>
               <a:buNone/>
             </a:pPr>
@@ -12008,7 +12081,7 @@
             </a:endParaRPr>
           </a:p>
           <a:p>
-            <a:pPr marL="0" indent="0" rtl="0" algn="l" defTabSz="914400" eaLnBrk="1" latinLnBrk="0" hangingPunct="1">
+            <a:pPr marL="0" indent="0" algn="l" defTabSz="914400" rtl="0" eaLnBrk="1" latinLnBrk="0" hangingPunct="1">
               <a:buFontTx/>
               <a:buNone/>
             </a:pPr>
@@ -12021,7 +12094,7 @@
             </a:endParaRPr>
           </a:p>
           <a:p>
-            <a:pPr marL="0" indent="0" rtl="0" algn="l" defTabSz="914400" eaLnBrk="1" latinLnBrk="0" hangingPunct="1">
+            <a:pPr marL="0" indent="0" algn="l" defTabSz="914400" rtl="0" eaLnBrk="1" latinLnBrk="0" hangingPunct="1">
               <a:buFontTx/>
               <a:buNone/>
             </a:pPr>
@@ -12034,7 +12107,7 @@
             </a:endParaRPr>
           </a:p>
           <a:p>
-            <a:pPr marL="0" indent="0" rtl="0" algn="l" defTabSz="914400" eaLnBrk="1" latinLnBrk="0" hangingPunct="1">
+            <a:pPr marL="0" indent="0" algn="l" defTabSz="914400" rtl="0" eaLnBrk="1" latinLnBrk="0" hangingPunct="1">
               <a:buFontTx/>
               <a:buNone/>
             </a:pPr>
@@ -12046,67 +12119,7 @@
                 <a:latin typeface="Noto Sans CJK KR Medium" charset="0"/>
                 <a:ea typeface="Calibri" charset="0"/>
               </a:rPr>
-              <a:t>-</a:t>
-            </a:r>
-            <a:r>
-              <a:rPr lang="ko-KR" sz="2800">
-                <a:solidFill>
-                  <a:srgbClr val="000000"/>
-                </a:solidFill>
-                <a:latin typeface="Noto Sans CJK KR Medium" charset="0"/>
-                <a:ea typeface="Calibri" charset="0"/>
-              </a:rPr>
-              <a:t> 불량</a:t>
-            </a:r>
-            <a:r>
-              <a:rPr lang="ko-KR" sz="2800">
-                <a:solidFill>
-                  <a:srgbClr val="000000"/>
-                </a:solidFill>
-                <a:latin typeface="Noto Sans CJK KR Medium" charset="0"/>
-                <a:ea typeface="Calibri" charset="0"/>
-              </a:rPr>
-              <a:t>품 </a:t>
-            </a:r>
-            <a:r>
-              <a:rPr lang="ko-KR" sz="2800">
-                <a:solidFill>
-                  <a:srgbClr val="000000"/>
-                </a:solidFill>
-                <a:latin typeface="Noto Sans CJK KR Medium" charset="0"/>
-                <a:ea typeface="Calibri" charset="0"/>
-              </a:rPr>
-              <a:t>로</a:t>
-            </a:r>
-            <a:r>
-              <a:rPr lang="ko-KR" sz="2800">
-                <a:solidFill>
-                  <a:srgbClr val="000000"/>
-                </a:solidFill>
-                <a:latin typeface="Noto Sans CJK KR Medium" charset="0"/>
-                <a:ea typeface="Calibri" charset="0"/>
-              </a:rPr>
-              <a:t>트 </a:t>
-            </a:r>
-            <a:r>
-              <a:rPr lang="ko-KR" sz="2800">
-                <a:solidFill>
-                  <a:srgbClr val="000000"/>
-                </a:solidFill>
-                <a:latin typeface="Noto Sans CJK KR Medium" charset="0"/>
-                <a:ea typeface="Calibri" charset="0"/>
-              </a:rPr>
-              <a:t>채</a:t>
-            </a:r>
-            <a:r>
-              <a:rPr lang="ko-KR" sz="2800">
-                <a:solidFill>
-                  <a:srgbClr val="000000"/>
-                </a:solidFill>
-                <a:latin typeface="Noto Sans CJK KR Medium" charset="0"/>
-                <a:ea typeface="Calibri" charset="0"/>
-              </a:rPr>
-              <a:t>번</a:t>
+              <a:t>- 불량품 로트 채번</a:t>
             </a:r>
             <a:endParaRPr lang="ko-KR" altLang="en-US" sz="2800">
               <a:solidFill>
@@ -12117,7 +12130,7 @@
             </a:endParaRPr>
           </a:p>
           <a:p>
-            <a:pPr marL="0" indent="0" rtl="0" algn="l" defTabSz="914400" eaLnBrk="1" latinLnBrk="0" hangingPunct="1">
+            <a:pPr marL="0" indent="0" algn="l" defTabSz="914400" rtl="0" eaLnBrk="1" latinLnBrk="0" hangingPunct="1">
               <a:buFontTx/>
               <a:buNone/>
             </a:pPr>
@@ -12130,7 +12143,7 @@
             </a:endParaRPr>
           </a:p>
           <a:p>
-            <a:pPr marL="0" indent="0" rtl="0" algn="l" defTabSz="914400" eaLnBrk="1" latinLnBrk="0" hangingPunct="1">
+            <a:pPr marL="0" indent="0" algn="l" defTabSz="914400" rtl="0" eaLnBrk="1" latinLnBrk="0" hangingPunct="1">
               <a:buFontTx/>
               <a:buNone/>
             </a:pPr>
@@ -12143,7 +12156,7 @@
             </a:endParaRPr>
           </a:p>
           <a:p>
-            <a:pPr marL="0" indent="0" rtl="0" algn="l" defTabSz="914400" eaLnBrk="1" latinLnBrk="0" hangingPunct="1">
+            <a:pPr marL="0" indent="0" algn="l" defTabSz="914400" rtl="0" eaLnBrk="1" latinLnBrk="0" hangingPunct="1">
               <a:buFontTx/>
               <a:buNone/>
             </a:pPr>
@@ -12156,7 +12169,7 @@
             </a:endParaRPr>
           </a:p>
           <a:p>
-            <a:pPr marL="0" indent="0" rtl="0" algn="l" defTabSz="914400" eaLnBrk="1" latinLnBrk="0" hangingPunct="1">
+            <a:pPr marL="0" indent="0" algn="l" defTabSz="914400" rtl="0" eaLnBrk="1" latinLnBrk="0" hangingPunct="1">
               <a:buFontTx/>
               <a:buNone/>
             </a:pPr>
@@ -12168,67 +12181,7 @@
                 <a:latin typeface="Noto Sans CJK KR Medium" charset="0"/>
                 <a:ea typeface="Calibri" charset="0"/>
               </a:rPr>
-              <a:t>-</a:t>
-            </a:r>
-            <a:r>
-              <a:rPr lang="ko-KR" sz="2800">
-                <a:solidFill>
-                  <a:srgbClr val="000000"/>
-                </a:solidFill>
-                <a:latin typeface="Noto Sans CJK KR Medium" charset="0"/>
-                <a:ea typeface="Calibri" charset="0"/>
-              </a:rPr>
-              <a:t> 판</a:t>
-            </a:r>
-            <a:r>
-              <a:rPr lang="ko-KR" sz="2800">
-                <a:solidFill>
-                  <a:srgbClr val="000000"/>
-                </a:solidFill>
-                <a:latin typeface="Noto Sans CJK KR Medium" charset="0"/>
-                <a:ea typeface="Calibri" charset="0"/>
-              </a:rPr>
-              <a:t>정 </a:t>
-            </a:r>
-            <a:r>
-              <a:rPr lang="ko-KR" sz="2800">
-                <a:solidFill>
-                  <a:srgbClr val="000000"/>
-                </a:solidFill>
-                <a:latin typeface="Noto Sans CJK KR Medium" charset="0"/>
-                <a:ea typeface="Calibri" charset="0"/>
-              </a:rPr>
-              <a:t>이</a:t>
-            </a:r>
-            <a:r>
-              <a:rPr lang="ko-KR" sz="2800">
-                <a:solidFill>
-                  <a:srgbClr val="000000"/>
-                </a:solidFill>
-                <a:latin typeface="Noto Sans CJK KR Medium" charset="0"/>
-                <a:ea typeface="Calibri" charset="0"/>
-              </a:rPr>
-              <a:t>력 및 폐기 </a:t>
-            </a:r>
-            <a:r>
-              <a:rPr lang="ko-KR" sz="2800">
-                <a:solidFill>
-                  <a:srgbClr val="000000"/>
-                </a:solidFill>
-                <a:latin typeface="Noto Sans CJK KR Medium" charset="0"/>
-                <a:ea typeface="Calibri" charset="0"/>
-              </a:rPr>
-              <a:t>분</a:t>
-            </a:r>
-            <a:r>
-              <a:rPr lang="ko-KR" sz="2800">
-                <a:solidFill>
-                  <a:srgbClr val="000000"/>
-                </a:solidFill>
-                <a:latin typeface="Noto Sans CJK KR Medium" charset="0"/>
-                <a:ea typeface="Calibri" charset="0"/>
-              </a:rPr>
-              <a:t>석</a:t>
+              <a:t>- 판정 이력 및 폐기 분석</a:t>
             </a:r>
             <a:endParaRPr lang="ko-KR" altLang="en-US" sz="2800">
               <a:solidFill>
@@ -12249,20 +12202,22 @@
           <p:nvPr/>
         </p:nvSpPr>
         <p:spPr>
-          <a:xfrm rot="0">
+          <a:xfrm>
             <a:off x="1376045" y="312420"/>
             <a:ext cx="7715250" cy="708025"/>
           </a:xfrm>
-          <a:prstGeom prst="rect"/>
+          <a:prstGeom prst="rect">
+            <a:avLst/>
+          </a:prstGeom>
           <a:noFill/>
         </p:spPr>
         <p:txBody>
-          <a:bodyPr wrap="square" lIns="91440" tIns="45720" rIns="91440" bIns="45720" vert="horz" anchor="t">
+          <a:bodyPr vert="horz" wrap="square" lIns="91440" tIns="45720" rIns="91440" bIns="45720" anchor="t">
             <a:spAutoFit/>
           </a:bodyPr>
           <a:lstStyle/>
           <a:p>
-            <a:pPr marL="0" indent="0" rtl="0" algn="l" defTabSz="914400" eaLnBrk="1" latinLnBrk="0" hangingPunct="1">
+            <a:pPr marL="0" indent="0" algn="l" defTabSz="914400" rtl="0" eaLnBrk="1" latinLnBrk="0" hangingPunct="1">
               <a:buFontTx/>
               <a:buNone/>
             </a:pPr>
@@ -12305,20 +12260,22 @@
           <p:nvPr/>
         </p:nvSpPr>
         <p:spPr>
-          <a:xfrm rot="0">
+          <a:xfrm>
             <a:off x="15085695" y="9447530"/>
             <a:ext cx="2743200" cy="566420"/>
           </a:xfrm>
-          <a:prstGeom prst="rect"/>
+          <a:prstGeom prst="rect">
+            <a:avLst/>
+          </a:prstGeom>
           <a:noFill/>
         </p:spPr>
         <p:txBody>
-          <a:bodyPr wrap="square" lIns="91440" tIns="45720" rIns="91440" bIns="45720" vert="horz" anchor="t">
+          <a:bodyPr vert="horz" wrap="square" lIns="91440" tIns="45720" rIns="91440" bIns="45720" anchor="t">
             <a:spAutoFit/>
           </a:bodyPr>
           <a:lstStyle/>
           <a:p>
-            <a:pPr marL="0" indent="0" rtl="0" algn="r" defTabSz="914400" eaLnBrk="1" latinLnBrk="0" hangingPunct="1">
+            <a:pPr marL="0" indent="0" algn="r" defTabSz="914400" rtl="0" eaLnBrk="1" latinLnBrk="0" hangingPunct="1">
               <a:buFontTx/>
               <a:buNone/>
             </a:pPr>
@@ -12351,7 +12308,7 @@
           <p:nvPr/>
         </p:nvGrpSpPr>
         <p:grpSpPr>
-          <a:xfrm rot="0">
+          <a:xfrm>
             <a:off x="16565880" y="9537700"/>
             <a:ext cx="749300" cy="749300"/>
             <a:chOff x="16565880" y="9537700"/>
@@ -12379,11 +12336,13 @@
             </a:stretch>
           </p:blipFill>
           <p:spPr>
-            <a:xfrm rot="0">
+            <a:xfrm>
               <a:off x="16565880" y="9537700"/>
               <a:ext cx="749300" cy="749300"/>
             </a:xfrm>
-            <a:prstGeom prst="rect"/>
+            <a:prstGeom prst="rect">
+              <a:avLst/>
+            </a:prstGeom>
             <a:noFill/>
           </p:spPr>
         </p:pic>
@@ -12397,7 +12356,7 @@
           <p:nvPr/>
         </p:nvGrpSpPr>
         <p:grpSpPr>
-          <a:xfrm rot="0">
+          <a:xfrm>
             <a:off x="819785" y="9537700"/>
             <a:ext cx="16647160" cy="15240"/>
             <a:chOff x="819785" y="9537700"/>
@@ -12407,6 +12366,102 @@
         <p:pic>
           <p:nvPicPr>
             <p:cNvPr id="1006" name="Picture " descr="C:/Users/admin/AppData/Roaming/PolarisOffice/ETemp/4772_18918112/fImage6534998467.png"/>
+            <p:cNvPicPr>
+              <a:picLocks noChangeAspect="1"/>
+            </p:cNvPicPr>
+            <p:nvPr/>
+          </p:nvPicPr>
+          <p:blipFill rotWithShape="1">
+            <a:blip r:embed="rId2" cstate="hqprint">
+              <a:extLst>
+                <a:ext uri="{28A0092B-C50C-407E-A947-70E740481C1C}">
+                  <a14:useLocalDpi xmlns:a14="http://schemas.microsoft.com/office/drawing/2010/main"/>
+                </a:ext>
+              </a:extLst>
+            </a:blip>
+            <a:stretch>
+              <a:fillRect/>
+            </a:stretch>
+          </p:blipFill>
+          <p:spPr>
+            <a:xfrm>
+              <a:off x="819785" y="9537700"/>
+              <a:ext cx="16647160" cy="15240"/>
+            </a:xfrm>
+            <a:prstGeom prst="rect">
+              <a:avLst/>
+            </a:prstGeom>
+            <a:noFill/>
+          </p:spPr>
+        </p:pic>
+      </p:grpSp>
+      <p:sp>
+        <p:nvSpPr>
+          <p:cNvPr id="1007" name="Rect 0"/>
+          <p:cNvSpPr txBox="1">
+            <a:spLocks/>
+          </p:cNvSpPr>
+          <p:nvPr/>
+        </p:nvSpPr>
+        <p:spPr>
+          <a:xfrm>
+            <a:off x="819785" y="9624695"/>
+            <a:ext cx="4732020" cy="358140"/>
+          </a:xfrm>
+          <a:prstGeom prst="rect">
+            <a:avLst/>
+          </a:prstGeom>
+          <a:noFill/>
+        </p:spPr>
+        <p:txBody>
+          <a:bodyPr vert="horz" wrap="square" lIns="91440" tIns="45720" rIns="91440" bIns="45720" anchor="t">
+            <a:spAutoFit/>
+          </a:bodyPr>
+          <a:lstStyle/>
+          <a:p>
+            <a:pPr marL="0" indent="0" algn="l" defTabSz="914400" rtl="0" eaLnBrk="1" latinLnBrk="0" hangingPunct="1">
+              <a:buFontTx/>
+              <a:buNone/>
+            </a:pPr>
+            <a:r>
+              <a:rPr sz="1300">
+                <a:solidFill>
+                  <a:srgbClr val="444444"/>
+                </a:solidFill>
+                <a:latin typeface="Pretendard" charset="0"/>
+                <a:ea typeface="Calibri" charset="0"/>
+              </a:rPr>
+              <a:t>한가람 IT 센터 스마트 팩토리 교육</a:t>
+            </a:r>
+            <a:endParaRPr lang="ko-KR" altLang="en-US" sz="1300">
+              <a:solidFill>
+                <a:srgbClr val="444444"/>
+              </a:solidFill>
+              <a:latin typeface="Pretendard" charset="0"/>
+              <a:ea typeface="Calibri" charset="0"/>
+            </a:endParaRPr>
+          </a:p>
+        </p:txBody>
+      </p:sp>
+      <p:grpSp>
+        <p:nvGrpSpPr>
+          <p:cNvPr id="1008" name="그룹 3"/>
+          <p:cNvGrpSpPr>
+            <a:grpSpLocks/>
+          </p:cNvGrpSpPr>
+          <p:nvPr/>
+        </p:nvGrpSpPr>
+        <p:grpSpPr>
+          <a:xfrm>
+            <a:off x="819785" y="-458470"/>
+            <a:ext cx="16646525" cy="1825625"/>
+            <a:chOff x="819785" y="-458470"/>
+            <a:chExt cx="16646525" cy="1825625"/>
+          </a:xfrm>
+        </p:grpSpPr>
+        <p:pic>
+          <p:nvPicPr>
+            <p:cNvPr id="1009" name="그림 2" descr="C:/Users/admin/AppData/Roaming/PolarisOffice/ETemp/4772_18918112/image8.png"/>
             <p:cNvPicPr>
               <a:picLocks noChangeAspect="1"/>
             </p:cNvPicPr>
@@ -12425,109 +12480,19 @@
             </a:stretch>
           </p:blipFill>
           <p:spPr>
-            <a:xfrm rot="0">
-              <a:off x="819785" y="9537700"/>
-              <a:ext cx="16647160" cy="15240"/>
+            <a:xfrm>
+              <a:off x="819785" y="-458470"/>
+              <a:ext cx="16646525" cy="1825625"/>
             </a:xfrm>
-            <a:prstGeom prst="rect"/>
+            <a:prstGeom prst="rect">
+              <a:avLst/>
+            </a:prstGeom>
             <a:noFill/>
           </p:spPr>
         </p:pic>
       </p:grpSp>
       <p:sp>
         <p:nvSpPr>
-          <p:cNvPr id="1007" name="Rect 0"/>
-          <p:cNvSpPr txBox="1">
-            <a:spLocks/>
-          </p:cNvSpPr>
-          <p:nvPr/>
-        </p:nvSpPr>
-        <p:spPr>
-          <a:xfrm rot="0">
-            <a:off x="819785" y="9624695"/>
-            <a:ext cx="4732020" cy="358140"/>
-          </a:xfrm>
-          <a:prstGeom prst="rect"/>
-          <a:noFill/>
-        </p:spPr>
-        <p:txBody>
-          <a:bodyPr wrap="square" lIns="91440" tIns="45720" rIns="91440" bIns="45720" vert="horz" anchor="t">
-            <a:spAutoFit/>
-          </a:bodyPr>
-          <a:lstStyle/>
-          <a:p>
-            <a:pPr marL="0" indent="0" rtl="0" algn="l" defTabSz="914400" eaLnBrk="1" latinLnBrk="0" hangingPunct="1">
-              <a:buFontTx/>
-              <a:buNone/>
-            </a:pPr>
-            <a:r>
-              <a:rPr sz="1300">
-                <a:solidFill>
-                  <a:srgbClr val="444444"/>
-                </a:solidFill>
-                <a:latin typeface="Pretendard" charset="0"/>
-                <a:ea typeface="Calibri" charset="0"/>
-              </a:rPr>
-              <a:t>한가람 IT 센터 스마트 팩토리 교육</a:t>
-            </a:r>
-            <a:endParaRPr lang="ko-KR" altLang="en-US" sz="1300">
-              <a:solidFill>
-                <a:srgbClr val="444444"/>
-              </a:solidFill>
-              <a:latin typeface="Pretendard" charset="0"/>
-              <a:ea typeface="Calibri" charset="0"/>
-            </a:endParaRPr>
-          </a:p>
-        </p:txBody>
-      </p:sp>
-      <p:grpSp>
-        <p:nvGrpSpPr>
-          <p:cNvPr id="1008" name="그룹 3"/>
-          <p:cNvGrpSpPr>
-            <a:grpSpLocks/>
-          </p:cNvGrpSpPr>
-          <p:nvPr/>
-        </p:nvGrpSpPr>
-        <p:grpSpPr>
-          <a:xfrm rot="0">
-            <a:off x="819785" y="-458470"/>
-            <a:ext cx="16646525" cy="1825625"/>
-            <a:chOff x="819785" y="-458470"/>
-            <a:chExt cx="16646525" cy="1825625"/>
-          </a:xfrm>
-        </p:grpSpPr>
-        <p:pic>
-          <p:nvPicPr>
-            <p:cNvPr id="1009" name="그림 2" descr="C:/Users/admin/AppData/Roaming/PolarisOffice/ETemp/4772_18918112/image8.png"/>
-            <p:cNvPicPr>
-              <a:picLocks noChangeAspect="1"/>
-            </p:cNvPicPr>
-            <p:nvPr/>
-          </p:nvPicPr>
-          <p:blipFill rotWithShape="1">
-            <a:blip r:embed="rId4" cstate="hqprint">
-              <a:extLst>
-                <a:ext uri="{28A0092B-C50C-407E-A947-70E740481C1C}">
-                  <a14:useLocalDpi xmlns:a14="http://schemas.microsoft.com/office/drawing/2010/main"/>
-                </a:ext>
-              </a:extLst>
-            </a:blip>
-            <a:stretch>
-              <a:fillRect/>
-            </a:stretch>
-          </p:blipFill>
-          <p:spPr>
-            <a:xfrm rot="0">
-              <a:off x="819785" y="-458470"/>
-              <a:ext cx="16646525" cy="1825625"/>
-            </a:xfrm>
-            <a:prstGeom prst="rect"/>
-            <a:noFill/>
-          </p:spPr>
-        </p:pic>
-      </p:grpSp>
-      <p:sp>
-        <p:nvSpPr>
           <p:cNvPr id="1010" name="텍스트 상자 8"/>
           <p:cNvSpPr txBox="1">
             <a:spLocks/>
@@ -12535,15 +12500,17 @@
           <p:nvPr/>
         </p:nvSpPr>
         <p:spPr>
-          <a:xfrm rot="0">
+          <a:xfrm>
             <a:off x="1376045" y="312420"/>
             <a:ext cx="8058785" cy="707390"/>
           </a:xfrm>
-          <a:prstGeom prst="rect"/>
+          <a:prstGeom prst="rect">
+            <a:avLst/>
+          </a:prstGeom>
           <a:noFill/>
         </p:spPr>
         <p:txBody>
-          <a:bodyPr wrap="square" lIns="91440" tIns="45720" rIns="91440" bIns="45720" numCol="1" vert="horz" anchor="t">
+          <a:bodyPr vert="horz" wrap="square" lIns="91440" tIns="45720" rIns="91440" bIns="45720" numCol="1" anchor="t">
             <a:spAutoFit/>
           </a:bodyPr>
           <a:lstStyle/>
@@ -12560,47 +12527,7 @@
                 <a:latin typeface="Pretendard SemiBold" charset="0"/>
                 <a:cs typeface="Pretendard SemiBold" charset="0"/>
               </a:rPr>
-              <a:t>1</a:t>
-            </a:r>
-            <a:r>
-              <a:rPr lang="ko-KR" sz="4000" spc="-90">
-                <a:solidFill>
-                  <a:srgbClr val="F2F3F6"/>
-                </a:solidFill>
-                <a:latin typeface="Pretendard SemiBold" charset="0"/>
-                <a:cs typeface="Pretendard SemiBold" charset="0"/>
-              </a:rPr>
-              <a:t>. 프로</a:t>
-            </a:r>
-            <a:r>
-              <a:rPr lang="ko-KR" sz="4000" spc="-90">
-                <a:solidFill>
-                  <a:srgbClr val="F2F3F6"/>
-                </a:solidFill>
-                <a:latin typeface="Pretendard SemiBold" charset="0"/>
-                <a:cs typeface="Pretendard SemiBold" charset="0"/>
-              </a:rPr>
-              <a:t>젝트 </a:t>
-            </a:r>
-            <a:r>
-              <a:rPr lang="ko-KR" sz="4000" spc="-90">
-                <a:solidFill>
-                  <a:srgbClr val="F2F3F6"/>
-                </a:solidFill>
-                <a:latin typeface="Pretendard SemiBold" charset="0"/>
-                <a:cs typeface="Pretendard SemiBold" charset="0"/>
-              </a:rPr>
-              <a:t>개</a:t>
-            </a:r>
-            <a:r>
-              <a:rPr lang="ko-KR" sz="4000" spc="-90">
-                <a:solidFill>
-                  <a:srgbClr val="F2F3F6"/>
-                </a:solidFill>
-                <a:latin typeface="Pretendard SemiBold" charset="0"/>
-                <a:cs typeface="Pretendard SemiBold" charset="0"/>
-              </a:rPr>
-              <a:t>요</a:t>
+              <a:t>1. 프로젝트 개요</a:t>
             </a:r>
             <a:endParaRPr lang="ko-KR" altLang="en-US" sz="4000">
               <a:solidFill>
@@ -12617,32 +12544,18 @@
   <p:clrMapOvr>
     <a:masterClrMapping/>
   </p:clrMapOvr>
-  <mc:AlternateContent xmlns:mc="http://schemas.openxmlformats.org/markup-compatibility/2006">
-    <mc:Choice xmlns:p14="http://schemas.microsoft.com/office/powerpoint/2010/main" Requires="p14">
-      <p:transition spd="slow" p14:dur="2000"/>
-    </mc:Choice>
-    <mc:Fallback>
-      <p:transition spd="slow"/>
-    </mc:Fallback>
-  </mc:AlternateContent>
-  <p:timing>
-    <p:tnLst>
-      <p:par>
-        <p:cTn id="1" dur="indefinite" restart="never" nodeType="tmRoot"/>
-      </p:par>
-    </p:tnLst>
-  </p:timing>
 </p:sld>
 </file>
 
 <file path=ppt/slides/slide4.xml><?xml version="1.0" encoding="utf-8"?>
-<p:sld xmlns:a="http://schemas.openxmlformats.org/drawingml/2006/main" xmlns:r="http://schemas.openxmlformats.org/officeDocument/2006/relationships" xmlns:p="http://schemas.openxmlformats.org/presentationml/2006/main" xmlns:p14="http://schemas.microsoft.com/office/powerpoint/2010/main">
-  <p:cSld name="">
+<p:sld xmlns:a="http://schemas.openxmlformats.org/drawingml/2006/main" xmlns:r="http://schemas.openxmlformats.org/officeDocument/2006/relationships" xmlns:p="http://schemas.openxmlformats.org/presentationml/2006/main">
+  <p:cSld>
     <p:bg>
       <p:bgPr>
         <a:solidFill>
           <a:srgbClr val="FFFFFF"/>
         </a:solidFill>
+        <a:effectLst/>
       </p:bgPr>
     </p:bg>
     <p:spTree>
@@ -12715,7 +12628,7 @@
           <a:noFill/>
         </p:spPr>
         <p:txBody>
-          <a:bodyPr wrap="square" lIns="91440" tIns="45720" rIns="91440" bIns="45720" numCol="1" vert="horz" anchor="t">
+          <a:bodyPr vert="horz" wrap="square" lIns="91440" tIns="45720" rIns="91440" bIns="45720" numCol="1" anchor="t">
             <a:spAutoFit/>
           </a:bodyPr>
           <a:lstStyle/>
@@ -12954,7 +12867,7 @@
           <a:p>
             <a:pPr algn="just"/>
             <a:r>
-              <a:rPr lang="en-US" sz="1600" dirty="0" smtClean="0">
+              <a:rPr lang="en-US" sz="1600" dirty="0">
                 <a:solidFill>
                   <a:srgbClr val="444444"/>
                 </a:solidFill>
@@ -12991,7 +12904,7 @@
           <a:p>
             <a:pPr algn="ctr"/>
             <a:r>
-              <a:rPr lang="en-US" sz="3000" dirty="0" smtClean="0">
+              <a:rPr lang="en-US" sz="3000" dirty="0">
                 <a:solidFill>
                   <a:srgbClr val="444444"/>
                 </a:solidFill>
@@ -13028,7 +12941,7 @@
           <a:p>
             <a:pPr algn="r"/>
             <a:r>
-              <a:rPr lang="en-US" sz="2100" dirty="0" smtClean="0">
+              <a:rPr lang="en-US" sz="2100" dirty="0">
                 <a:solidFill>
                   <a:srgbClr val="F2F3F6"/>
                 </a:solidFill>
@@ -13104,7 +13017,7 @@
           <a:p>
             <a:pPr algn="ctr"/>
             <a:r>
-              <a:rPr lang="en-US" sz="3000" dirty="0" smtClean="0">
+              <a:rPr lang="en-US" sz="3000" dirty="0">
                 <a:solidFill>
                   <a:srgbClr val="444444"/>
                 </a:solidFill>
@@ -13141,7 +13054,7 @@
           <a:p>
             <a:pPr algn="just"/>
             <a:r>
-              <a:rPr lang="en-US" sz="1600" dirty="0" smtClean="0">
+              <a:rPr lang="en-US" sz="1600" dirty="0">
                 <a:solidFill>
                   <a:srgbClr val="444444"/>
                 </a:solidFill>
@@ -13177,7 +13090,7 @@
           <a:lstStyle/>
           <a:p>
             <a:r>
-              <a:rPr lang="en-US" sz="2100" dirty="0" smtClean="0">
+              <a:rPr lang="en-US" sz="2100" dirty="0">
                 <a:solidFill>
                   <a:srgbClr val="F2F3F6"/>
                 </a:solidFill>
@@ -13253,7 +13166,7 @@
           <a:p>
             <a:pPr algn="ctr"/>
             <a:r>
-              <a:rPr lang="en-US" sz="3000" dirty="0" smtClean="0">
+              <a:rPr lang="en-US" sz="3000" dirty="0">
                 <a:solidFill>
                   <a:srgbClr val="444444"/>
                 </a:solidFill>
@@ -13290,7 +13203,7 @@
           <a:p>
             <a:pPr algn="just"/>
             <a:r>
-              <a:rPr lang="en-US" sz="1600" dirty="0" smtClean="0">
+              <a:rPr lang="en-US" sz="1600" dirty="0">
                 <a:solidFill>
                   <a:srgbClr val="444444"/>
                 </a:solidFill>
@@ -13320,7 +13233,7 @@
           <a:noFill/>
         </p:spPr>
         <p:txBody>
-          <a:bodyPr wrap="square" lIns="91440" tIns="45720" rIns="91440" bIns="45720" numCol="1" vert="horz" anchor="t">
+          <a:bodyPr vert="horz" wrap="square" lIns="91440" tIns="45720" rIns="91440" bIns="45720" numCol="1" anchor="t">
             <a:spAutoFit/>
           </a:bodyPr>
           <a:lstStyle/>
@@ -13412,7 +13325,7 @@
           <a:p>
             <a:pPr algn="ctr"/>
             <a:r>
-              <a:rPr lang="en-US" sz="3000" dirty="0" smtClean="0">
+              <a:rPr lang="en-US" sz="3000" dirty="0">
                 <a:solidFill>
                   <a:srgbClr val="444444"/>
                 </a:solidFill>
@@ -13449,7 +13362,7 @@
           <a:p>
             <a:pPr algn="just"/>
             <a:r>
-              <a:rPr lang="en-US" sz="1600" dirty="0" smtClean="0">
+              <a:rPr lang="en-US" sz="1600" dirty="0">
                 <a:solidFill>
                   <a:srgbClr val="444444"/>
                 </a:solidFill>
@@ -13462,7 +13375,7 @@
           <a:p>
             <a:pPr algn="just"/>
             <a:r>
-              <a:rPr lang="en-US" sz="1600" dirty="0" smtClean="0">
+              <a:rPr lang="en-US" sz="1600" dirty="0">
                 <a:solidFill>
                   <a:srgbClr val="444444"/>
                 </a:solidFill>
@@ -13498,7 +13411,7 @@
           <a:lstStyle/>
           <a:p>
             <a:r>
-              <a:rPr lang="en-US" sz="2100" dirty="0" smtClean="0">
+              <a:rPr lang="en-US" sz="2100" dirty="0">
                 <a:solidFill>
                   <a:srgbClr val="F2F3F6"/>
                 </a:solidFill>
@@ -13535,7 +13448,7 @@
           <a:p>
             <a:pPr algn="r"/>
             <a:r>
-              <a:rPr lang="en-US" sz="2200" dirty="0" smtClean="0">
+              <a:rPr lang="en-US" sz="2200" dirty="0">
                 <a:solidFill>
                   <a:srgbClr val="000000"/>
                 </a:solidFill>
@@ -13553,32 +13466,18 @@
   <p:clrMapOvr>
     <a:masterClrMapping/>
   </p:clrMapOvr>
-  <mc:AlternateContent xmlns:mc="http://schemas.openxmlformats.org/markup-compatibility/2006">
-    <mc:Choice xmlns:p14="http://schemas.microsoft.com/office/powerpoint/2010/main" Requires="p14">
-      <p:transition spd="slow" p14:dur="2000"/>
-    </mc:Choice>
-    <mc:Fallback>
-      <p:transition spd="slow"/>
-    </mc:Fallback>
-  </mc:AlternateContent>
-  <p:timing>
-    <p:tnLst>
-      <p:par>
-        <p:cTn id="1" dur="indefinite" restart="never" nodeType="tmRoot"/>
-      </p:par>
-    </p:tnLst>
-  </p:timing>
 </p:sld>
 </file>
 
 <file path=ppt/slides/slide5.xml><?xml version="1.0" encoding="utf-8"?>
-<p:sld xmlns:a="http://schemas.openxmlformats.org/drawingml/2006/main" xmlns:r="http://schemas.openxmlformats.org/officeDocument/2006/relationships" xmlns:p="http://schemas.openxmlformats.org/presentationml/2006/main" xmlns:p14="http://schemas.microsoft.com/office/powerpoint/2010/main">
-  <p:cSld name="">
+<p:sld xmlns:a="http://schemas.openxmlformats.org/drawingml/2006/main" xmlns:r="http://schemas.openxmlformats.org/officeDocument/2006/relationships" xmlns:p="http://schemas.openxmlformats.org/presentationml/2006/main">
+  <p:cSld>
     <p:bg>
       <p:bgPr>
         <a:solidFill>
           <a:srgbClr val="FFFFFF"/>
         </a:solidFill>
+        <a:effectLst/>
       </p:bgPr>
     </p:bg>
     <p:spTree>
@@ -13651,7 +13550,7 @@
           <a:noFill/>
         </p:spPr>
         <p:txBody>
-          <a:bodyPr wrap="square" lIns="91440" tIns="45720" rIns="91440" bIns="45720" numCol="1" vert="horz" anchor="t">
+          <a:bodyPr vert="horz" wrap="square" lIns="91440" tIns="45720" rIns="91440" bIns="45720" numCol="1" anchor="t">
             <a:spAutoFit/>
           </a:bodyPr>
           <a:lstStyle/>
@@ -13806,7 +13705,7 @@
             <a:p>
               <a:pPr algn="ctr"/>
               <a:r>
-                <a:rPr lang="en-US" sz="3700" dirty="0" smtClean="0">
+                <a:rPr lang="en-US" sz="3700" dirty="0">
                   <a:solidFill>
                     <a:srgbClr val="444444"/>
                   </a:solidFill>
@@ -13936,7 +13835,7 @@
             <a:p>
               <a:pPr algn="ctr"/>
               <a:r>
-                <a:rPr lang="en-US" sz="1700" dirty="0" smtClean="0">
+                <a:rPr lang="en-US" sz="1700" dirty="0">
                   <a:solidFill>
                     <a:srgbClr val="444444"/>
                   </a:solidFill>
@@ -13973,7 +13872,7 @@
             <a:p>
               <a:pPr algn="ctr"/>
               <a:r>
-                <a:rPr lang="en-US" sz="1800" dirty="0" smtClean="0">
+                <a:rPr lang="en-US" sz="1800" dirty="0">
                   <a:solidFill>
                     <a:srgbClr val="00AACA"/>
                   </a:solidFill>
@@ -14064,7 +13963,7 @@
             <a:p>
               <a:pPr algn="ctr"/>
               <a:r>
-                <a:rPr lang="en-US" sz="3700" dirty="0" smtClean="0">
+                <a:rPr lang="en-US" sz="3700" dirty="0">
                   <a:solidFill>
                     <a:srgbClr val="444444"/>
                   </a:solidFill>
@@ -14155,7 +14054,7 @@
             <a:p>
               <a:pPr algn="ctr"/>
               <a:r>
-                <a:rPr lang="en-US" sz="1700" dirty="0" smtClean="0">
+                <a:rPr lang="en-US" sz="1700" dirty="0">
                   <a:solidFill>
                     <a:srgbClr val="444444"/>
                   </a:solidFill>
@@ -14192,7 +14091,7 @@
             <a:p>
               <a:pPr algn="ctr"/>
               <a:r>
-                <a:rPr lang="en-US" sz="1800" dirty="0" smtClean="0">
+                <a:rPr lang="en-US" sz="1800" dirty="0">
                   <a:solidFill>
                     <a:srgbClr val="07B797"/>
                   </a:solidFill>
@@ -14244,7 +14143,7 @@
             <a:p>
               <a:pPr algn="ctr"/>
               <a:r>
-                <a:rPr lang="en-US" sz="3700" dirty="0" smtClean="0">
+                <a:rPr lang="en-US" sz="3700" dirty="0">
                   <a:solidFill>
                     <a:srgbClr val="444444"/>
                   </a:solidFill>
@@ -14374,7 +14273,7 @@
             <a:p>
               <a:pPr algn="ctr"/>
               <a:r>
-                <a:rPr lang="en-US" sz="1700" dirty="0" smtClean="0">
+                <a:rPr lang="en-US" sz="1700" dirty="0">
                   <a:solidFill>
                     <a:srgbClr val="444444"/>
                   </a:solidFill>
@@ -14411,7 +14310,7 @@
             <a:p>
               <a:pPr algn="ctr"/>
               <a:r>
-                <a:rPr lang="en-US" sz="1800" dirty="0" smtClean="0">
+                <a:rPr lang="en-US" sz="1800" dirty="0">
                   <a:solidFill>
                     <a:srgbClr val="00AACA"/>
                   </a:solidFill>
@@ -14449,7 +14348,7 @@
           <a:p>
             <a:pPr algn="r"/>
             <a:r>
-              <a:rPr lang="en-US" sz="2200" dirty="0" smtClean="0">
+              <a:rPr lang="en-US" sz="2200" dirty="0">
                 <a:solidFill>
                   <a:srgbClr val="000000"/>
                 </a:solidFill>
@@ -14467,32 +14366,18 @@
   <p:clrMapOvr>
     <a:masterClrMapping/>
   </p:clrMapOvr>
-  <mc:AlternateContent xmlns:mc="http://schemas.openxmlformats.org/markup-compatibility/2006">
-    <mc:Choice xmlns:p14="http://schemas.microsoft.com/office/powerpoint/2010/main" Requires="p14">
-      <p:transition spd="slow" p14:dur="2000"/>
-    </mc:Choice>
-    <mc:Fallback>
-      <p:transition spd="slow"/>
-    </mc:Fallback>
-  </mc:AlternateContent>
-  <p:timing>
-    <p:tnLst>
-      <p:par>
-        <p:cTn id="1" dur="indefinite" restart="never" nodeType="tmRoot"/>
-      </p:par>
-    </p:tnLst>
-  </p:timing>
 </p:sld>
 </file>
 
 <file path=ppt/slides/slide6.xml><?xml version="1.0" encoding="utf-8"?>
-<p:sld xmlns:a="http://schemas.openxmlformats.org/drawingml/2006/main" xmlns:r="http://schemas.openxmlformats.org/officeDocument/2006/relationships" xmlns:p="http://schemas.openxmlformats.org/presentationml/2006/main" xmlns:p14="http://schemas.microsoft.com/office/powerpoint/2010/main">
-  <p:cSld name="">
+<p:sld xmlns:a="http://schemas.openxmlformats.org/drawingml/2006/main" xmlns:r="http://schemas.openxmlformats.org/officeDocument/2006/relationships" xmlns:p="http://schemas.openxmlformats.org/presentationml/2006/main">
+  <p:cSld>
     <p:bg>
       <p:bgPr>
         <a:solidFill>
           <a:srgbClr val="FFFFFF"/>
         </a:solidFill>
+        <a:effectLst/>
       </p:bgPr>
     </p:bg>
     <p:spTree>
@@ -14565,7 +14450,7 @@
           <a:noFill/>
         </p:spPr>
         <p:txBody>
-          <a:bodyPr wrap="square" lIns="91440" tIns="45720" rIns="91440" bIns="45720" numCol="1" vert="horz" anchor="t">
+          <a:bodyPr vert="horz" wrap="square" lIns="91440" tIns="45720" rIns="91440" bIns="45720" numCol="1" anchor="t">
             <a:spAutoFit/>
           </a:bodyPr>
           <a:lstStyle/>
@@ -14744,7 +14629,7 @@
           <a:lstStyle/>
           <a:p>
             <a:r>
-              <a:rPr lang="en-US" sz="2100" dirty="0" smtClean="0">
+              <a:rPr lang="en-US" sz="2100" dirty="0">
                 <a:solidFill>
                   <a:srgbClr val="444444"/>
                 </a:solidFill>
@@ -14781,7 +14666,7 @@
           <a:p>
             <a:pPr algn="just"/>
             <a:r>
-              <a:rPr lang="en-US" sz="1700" dirty="0" smtClean="0">
+              <a:rPr lang="en-US" sz="1700" dirty="0">
                 <a:solidFill>
                   <a:srgbClr val="444444"/>
                 </a:solidFill>
@@ -14794,7 +14679,7 @@
           <a:p>
             <a:pPr algn="just"/>
             <a:r>
-              <a:rPr lang="en-US" sz="1700" dirty="0" smtClean="0">
+              <a:rPr lang="en-US" sz="1700" dirty="0">
                 <a:solidFill>
                   <a:srgbClr val="444444"/>
                 </a:solidFill>
@@ -14908,7 +14793,7 @@
           <a:lstStyle/>
           <a:p>
             <a:r>
-              <a:rPr lang="en-US" sz="2100" dirty="0" smtClean="0">
+              <a:rPr lang="en-US" sz="2100" dirty="0">
                 <a:solidFill>
                   <a:srgbClr val="444444"/>
                 </a:solidFill>
@@ -14945,7 +14830,7 @@
           <a:p>
             <a:pPr algn="just"/>
             <a:r>
-              <a:rPr lang="en-US" sz="1700" dirty="0" smtClean="0">
+              <a:rPr lang="en-US" sz="1700" dirty="0">
                 <a:solidFill>
                   <a:srgbClr val="444444"/>
                 </a:solidFill>
@@ -14958,7 +14843,7 @@
           <a:p>
             <a:pPr algn="just"/>
             <a:r>
-              <a:rPr lang="en-US" sz="1700" dirty="0" smtClean="0">
+              <a:rPr lang="en-US" sz="1700" dirty="0">
                 <a:solidFill>
                   <a:srgbClr val="444444"/>
                 </a:solidFill>
@@ -14971,7 +14856,7 @@
           <a:p>
             <a:pPr algn="just"/>
             <a:r>
-              <a:rPr lang="en-US" sz="1700" dirty="0" smtClean="0">
+              <a:rPr lang="en-US" sz="1700" dirty="0">
                 <a:solidFill>
                   <a:srgbClr val="444444"/>
                 </a:solidFill>
@@ -15099,7 +14984,7 @@
             <a:lstStyle/>
             <a:p>
               <a:r>
-                <a:rPr lang="en-US" sz="2100" dirty="0" smtClean="0">
+                <a:rPr lang="en-US" sz="2100" dirty="0">
                   <a:solidFill>
                     <a:srgbClr val="444444"/>
                   </a:solidFill>
@@ -15136,7 +15021,7 @@
             <a:p>
               <a:pPr algn="just"/>
               <a:r>
-                <a:rPr lang="en-US" sz="1700" dirty="0" smtClean="0">
+                <a:rPr lang="en-US" sz="1700" dirty="0">
                   <a:solidFill>
                     <a:srgbClr val="444444"/>
                   </a:solidFill>
@@ -15149,7 +15034,7 @@
             <a:p>
               <a:pPr algn="just"/>
               <a:r>
-                <a:rPr lang="en-US" sz="1700" dirty="0" smtClean="0">
+                <a:rPr lang="en-US" sz="1700" dirty="0">
                   <a:solidFill>
                     <a:srgbClr val="444444"/>
                   </a:solidFill>
@@ -15343,7 +15228,7 @@
           <a:p>
             <a:pPr algn="r"/>
             <a:r>
-              <a:rPr lang="en-US" sz="2200" dirty="0" smtClean="0">
+              <a:rPr lang="en-US" sz="2200" dirty="0">
                 <a:solidFill>
                   <a:srgbClr val="000000"/>
                 </a:solidFill>
@@ -15361,32 +15246,18 @@
   <p:clrMapOvr>
     <a:masterClrMapping/>
   </p:clrMapOvr>
-  <mc:AlternateContent xmlns:mc="http://schemas.openxmlformats.org/markup-compatibility/2006">
-    <mc:Choice xmlns:p14="http://schemas.microsoft.com/office/powerpoint/2010/main" Requires="p14">
-      <p:transition spd="slow" p14:dur="2000"/>
-    </mc:Choice>
-    <mc:Fallback>
-      <p:transition spd="slow"/>
-    </mc:Fallback>
-  </mc:AlternateContent>
-  <p:timing>
-    <p:tnLst>
-      <p:par>
-        <p:cTn id="1" dur="indefinite" restart="never" nodeType="tmRoot"/>
-      </p:par>
-    </p:tnLst>
-  </p:timing>
 </p:sld>
 </file>
 
 <file path=ppt/slides/slide7.xml><?xml version="1.0" encoding="utf-8"?>
-<p:sld xmlns:a="http://schemas.openxmlformats.org/drawingml/2006/main" xmlns:r="http://schemas.openxmlformats.org/officeDocument/2006/relationships" xmlns:p="http://schemas.openxmlformats.org/presentationml/2006/main" xmlns:p14="http://schemas.microsoft.com/office/powerpoint/2010/main">
-  <p:cSld name="">
+<p:sld xmlns:a="http://schemas.openxmlformats.org/drawingml/2006/main" xmlns:r="http://schemas.openxmlformats.org/officeDocument/2006/relationships" xmlns:p="http://schemas.openxmlformats.org/presentationml/2006/main">
+  <p:cSld>
     <p:bg>
       <p:bgPr>
         <a:solidFill>
           <a:srgbClr val="FFFFFF"/>
         </a:solidFill>
+        <a:effectLst/>
       </p:bgPr>
     </p:bg>
     <p:spTree>
@@ -15459,7 +15330,7 @@
           <a:noFill/>
         </p:spPr>
         <p:txBody>
-          <a:bodyPr wrap="square" lIns="91440" tIns="45720" rIns="91440" bIns="45720" numCol="1" vert="horz" anchor="t">
+          <a:bodyPr vert="horz" wrap="square" lIns="91440" tIns="45720" rIns="91440" bIns="45720" numCol="1" anchor="t">
             <a:spAutoFit/>
           </a:bodyPr>
           <a:lstStyle/>
@@ -15476,17 +15347,7 @@
                 <a:latin typeface="Pretendard SemiBold" charset="0"/>
                 <a:cs typeface="Pretendard SemiBold" charset="0"/>
               </a:rPr>
-              <a:t>5</a:t>
-            </a:r>
-            <a:r>
-              <a:rPr lang="ko-KR" sz="4000" spc="-80">
-                <a:solidFill>
-                  <a:srgbClr val="F2F3F6"/>
-                </a:solidFill>
-                <a:latin typeface="Pretendard SemiBold" charset="0"/>
-                <a:cs typeface="Pretendard SemiBold" charset="0"/>
-              </a:rPr>
-              <a:t>.</a:t>
+              <a:t>5.</a:t>
             </a:r>
             <a:r>
               <a:rPr lang="en-US" sz="4000" spc="-80">
@@ -15663,7 +15524,7 @@
             <a:p>
               <a:pPr algn="ctr"/>
               <a:r>
-                <a:rPr lang="en-US" sz="3700" dirty="0" smtClean="0">
+                <a:rPr lang="en-US" sz="3700" dirty="0">
                   <a:solidFill>
                     <a:srgbClr val="444444"/>
                   </a:solidFill>
@@ -15700,7 +15561,7 @@
             <a:p>
               <a:pPr algn="ctr"/>
               <a:r>
-                <a:rPr lang="en-US" sz="2600" dirty="0" smtClean="0">
+                <a:rPr lang="en-US" sz="2600" dirty="0">
                   <a:solidFill>
                     <a:srgbClr val="00AACA"/>
                   </a:solidFill>
@@ -15791,7 +15652,7 @@
             <a:p>
               <a:pPr algn="ctr"/>
               <a:r>
-                <a:rPr lang="en-US" sz="3700" dirty="0" smtClean="0">
+                <a:rPr lang="en-US" sz="3700" dirty="0">
                   <a:solidFill>
                     <a:srgbClr val="444444"/>
                   </a:solidFill>
@@ -15828,7 +15689,7 @@
             <a:p>
               <a:pPr algn="ctr"/>
               <a:r>
-                <a:rPr lang="en-US" sz="2600" dirty="0" smtClean="0">
+                <a:rPr lang="en-US" sz="2600" dirty="0">
                   <a:solidFill>
                     <a:srgbClr val="00AACA"/>
                   </a:solidFill>
@@ -15919,7 +15780,7 @@
             <a:p>
               <a:pPr algn="ctr"/>
               <a:r>
-                <a:rPr lang="en-US" sz="3700" dirty="0" smtClean="0">
+                <a:rPr lang="en-US" sz="3700" dirty="0">
                   <a:solidFill>
                     <a:srgbClr val="444444"/>
                   </a:solidFill>
@@ -15956,7 +15817,7 @@
             <a:p>
               <a:pPr algn="ctr"/>
               <a:r>
-                <a:rPr lang="en-US" sz="2600" dirty="0" smtClean="0">
+                <a:rPr lang="en-US" sz="2600" dirty="0">
                   <a:solidFill>
                     <a:srgbClr val="00AACA"/>
                   </a:solidFill>
@@ -15969,7 +15830,7 @@
             <a:p>
               <a:pPr algn="ctr"/>
               <a:r>
-                <a:rPr lang="en-US" sz="2600" dirty="0" smtClean="0">
+                <a:rPr lang="en-US" sz="2600" dirty="0">
                   <a:solidFill>
                     <a:srgbClr val="00AACA"/>
                   </a:solidFill>
@@ -16060,7 +15921,7 @@
             <a:p>
               <a:pPr algn="ctr"/>
               <a:r>
-                <a:rPr lang="en-US" sz="3700" dirty="0" smtClean="0">
+                <a:rPr lang="en-US" sz="3700" dirty="0">
                   <a:solidFill>
                     <a:srgbClr val="444444"/>
                   </a:solidFill>
@@ -16097,7 +15958,7 @@
             <a:p>
               <a:pPr algn="ctr"/>
               <a:r>
-                <a:rPr lang="en-US" sz="2600" dirty="0" smtClean="0">
+                <a:rPr lang="en-US" sz="2600" dirty="0">
                   <a:solidFill>
                     <a:srgbClr val="00AACA"/>
                   </a:solidFill>
@@ -16110,7 +15971,7 @@
             <a:p>
               <a:pPr algn="ctr"/>
               <a:r>
-                <a:rPr lang="en-US" sz="2600" dirty="0" smtClean="0">
+                <a:rPr lang="en-US" sz="2600" dirty="0">
                   <a:solidFill>
                     <a:srgbClr val="00AACA"/>
                   </a:solidFill>
@@ -16201,7 +16062,7 @@
             <a:p>
               <a:pPr algn="ctr"/>
               <a:r>
-                <a:rPr lang="en-US" sz="3700" dirty="0" smtClean="0">
+                <a:rPr lang="en-US" sz="3700" dirty="0">
                   <a:solidFill>
                     <a:srgbClr val="444444"/>
                   </a:solidFill>
@@ -16238,7 +16099,7 @@
             <a:p>
               <a:pPr algn="ctr"/>
               <a:r>
-                <a:rPr lang="en-US" sz="2600" dirty="0" smtClean="0">
+                <a:rPr lang="en-US" sz="2600" dirty="0">
                   <a:solidFill>
                     <a:srgbClr val="00AACA"/>
                   </a:solidFill>
@@ -16315,7 +16176,7 @@
           <a:p>
             <a:pPr algn="ctr"/>
             <a:r>
-              <a:rPr lang="en-US" sz="3700" dirty="0" smtClean="0">
+              <a:rPr lang="en-US" sz="3700" dirty="0">
                 <a:solidFill>
                   <a:srgbClr val="444444"/>
                 </a:solidFill>
@@ -16352,7 +16213,7 @@
           <a:p>
             <a:pPr algn="ctr"/>
             <a:r>
-              <a:rPr lang="en-US" sz="2600" dirty="0" smtClean="0">
+              <a:rPr lang="en-US" sz="2600" dirty="0">
                 <a:solidFill>
                   <a:srgbClr val="00AACA"/>
                 </a:solidFill>
@@ -16389,7 +16250,7 @@
           <a:p>
             <a:pPr algn="r"/>
             <a:r>
-              <a:rPr lang="en-US" sz="2200" dirty="0" smtClean="0">
+              <a:rPr lang="en-US" sz="2200" dirty="0">
                 <a:solidFill>
                   <a:srgbClr val="000000"/>
                 </a:solidFill>
@@ -16407,32 +16268,18 @@
   <p:clrMapOvr>
     <a:masterClrMapping/>
   </p:clrMapOvr>
-  <mc:AlternateContent xmlns:mc="http://schemas.openxmlformats.org/markup-compatibility/2006">
-    <mc:Choice xmlns:p14="http://schemas.microsoft.com/office/powerpoint/2010/main" Requires="p14">
-      <p:transition spd="slow" p14:dur="2000"/>
-    </mc:Choice>
-    <mc:Fallback>
-      <p:transition spd="slow"/>
-    </mc:Fallback>
-  </mc:AlternateContent>
-  <p:timing>
-    <p:tnLst>
-      <p:par>
-        <p:cTn id="1" dur="indefinite" restart="never" nodeType="tmRoot"/>
-      </p:par>
-    </p:tnLst>
-  </p:timing>
 </p:sld>
 </file>
 
 <file path=ppt/slides/slide8.xml><?xml version="1.0" encoding="utf-8"?>
-<p:sld xmlns:a="http://schemas.openxmlformats.org/drawingml/2006/main" xmlns:r="http://schemas.openxmlformats.org/officeDocument/2006/relationships" xmlns:p="http://schemas.openxmlformats.org/presentationml/2006/main" xmlns:p14="http://schemas.microsoft.com/office/powerpoint/2010/main">
-  <p:cSld name="">
+<p:sld xmlns:a="http://schemas.openxmlformats.org/drawingml/2006/main" xmlns:r="http://schemas.openxmlformats.org/officeDocument/2006/relationships" xmlns:p="http://schemas.openxmlformats.org/presentationml/2006/main">
+  <p:cSld>
     <p:bg>
       <p:bgPr>
         <a:solidFill>
           <a:srgbClr val="FFFFFF"/>
         </a:solidFill>
+        <a:effectLst/>
       </p:bgPr>
     </p:bg>
     <p:spTree>
@@ -16505,7 +16352,7 @@
           <a:noFill/>
         </p:spPr>
         <p:txBody>
-          <a:bodyPr wrap="square" lIns="91440" tIns="45720" rIns="91440" bIns="45720" numCol="1" vert="horz" anchor="t">
+          <a:bodyPr vert="horz" wrap="square" lIns="91440" tIns="45720" rIns="91440" bIns="45720" numCol="1" anchor="t">
             <a:spAutoFit/>
           </a:bodyPr>
           <a:lstStyle/>
@@ -16645,7 +16492,7 @@
           <a:lstStyle/>
           <a:p>
             <a:r>
-              <a:rPr lang="en-US" sz="1300" dirty="0" smtClean="0">
+              <a:rPr lang="en-US" sz="1300" dirty="0">
                 <a:solidFill>
                   <a:srgbClr val="444444"/>
                 </a:solidFill>
@@ -16681,7 +16528,7 @@
           <a:lstStyle/>
           <a:p>
             <a:r>
-              <a:rPr lang="en-US" sz="1400" dirty="0" smtClean="0">
+              <a:rPr lang="en-US" sz="1400" dirty="0">
                 <a:solidFill>
                   <a:srgbClr val="00AACA"/>
                 </a:solidFill>
@@ -16718,7 +16565,7 @@
           <a:p>
             <a:pPr algn="r"/>
             <a:r>
-              <a:rPr lang="en-US" sz="1400" dirty="0" smtClean="0">
+              <a:rPr lang="en-US" sz="1400" dirty="0">
                 <a:solidFill>
                   <a:srgbClr val="444444"/>
                 </a:solidFill>
@@ -16833,7 +16680,7 @@
           <a:p>
             <a:pPr algn="r"/>
             <a:r>
-              <a:rPr lang="en-US" sz="2200" dirty="0" smtClean="0">
+              <a:rPr lang="en-US" sz="2200" dirty="0">
                 <a:solidFill>
                   <a:srgbClr val="000000"/>
                 </a:solidFill>
@@ -16851,32 +16698,18 @@
   <p:clrMapOvr>
     <a:masterClrMapping/>
   </p:clrMapOvr>
-  <mc:AlternateContent xmlns:mc="http://schemas.openxmlformats.org/markup-compatibility/2006">
-    <mc:Choice xmlns:p14="http://schemas.microsoft.com/office/powerpoint/2010/main" Requires="p14">
-      <p:transition spd="slow" p14:dur="2000"/>
-    </mc:Choice>
-    <mc:Fallback>
-      <p:transition spd="slow"/>
-    </mc:Fallback>
-  </mc:AlternateContent>
-  <p:timing>
-    <p:tnLst>
-      <p:par>
-        <p:cTn id="1" dur="indefinite" restart="never" nodeType="tmRoot"/>
-      </p:par>
-    </p:tnLst>
-  </p:timing>
 </p:sld>
 </file>
 
 <file path=ppt/slides/slide9.xml><?xml version="1.0" encoding="utf-8"?>
-<p:sld xmlns:a="http://schemas.openxmlformats.org/drawingml/2006/main" xmlns:r="http://schemas.openxmlformats.org/officeDocument/2006/relationships" xmlns:p="http://schemas.openxmlformats.org/presentationml/2006/main" xmlns:p14="http://schemas.microsoft.com/office/powerpoint/2010/main">
-  <p:cSld name="">
+<p:sld xmlns:a="http://schemas.openxmlformats.org/drawingml/2006/main" xmlns:r="http://schemas.openxmlformats.org/officeDocument/2006/relationships" xmlns:p="http://schemas.openxmlformats.org/presentationml/2006/main">
+  <p:cSld>
     <p:bg>
       <p:bgPr>
         <a:solidFill>
           <a:srgbClr val="FFFFFF"/>
         </a:solidFill>
+        <a:effectLst/>
       </p:bgPr>
     </p:bg>
     <p:spTree>
@@ -16949,7 +16782,7 @@
           <a:noFill/>
         </p:spPr>
         <p:txBody>
-          <a:bodyPr wrap="square" lIns="91440" tIns="45720" rIns="91440" bIns="45720" numCol="1" vert="horz" anchor="t">
+          <a:bodyPr vert="horz" wrap="square" lIns="91440" tIns="45720" rIns="91440" bIns="45720" numCol="1" anchor="t">
             <a:spAutoFit/>
           </a:bodyPr>
           <a:lstStyle/>
@@ -17089,7 +16922,7 @@
           <a:lstStyle/>
           <a:p>
             <a:r>
-              <a:rPr lang="en-US" sz="1300" dirty="0" smtClean="0">
+              <a:rPr lang="en-US" sz="1300" dirty="0">
                 <a:solidFill>
                   <a:srgbClr val="444444"/>
                 </a:solidFill>
@@ -17125,7 +16958,7 @@
           <a:lstStyle/>
           <a:p>
             <a:r>
-              <a:rPr lang="en-US" sz="1400" dirty="0" smtClean="0">
+              <a:rPr lang="en-US" sz="1400" dirty="0">
                 <a:solidFill>
                   <a:srgbClr val="00AACA"/>
                 </a:solidFill>
@@ -17162,7 +16995,7 @@
           <a:p>
             <a:pPr algn="r"/>
             <a:r>
-              <a:rPr lang="en-US" sz="1400" dirty="0" smtClean="0">
+              <a:rPr lang="en-US" sz="1400" dirty="0">
                 <a:solidFill>
                   <a:srgbClr val="444444"/>
                 </a:solidFill>
@@ -17277,7 +17110,7 @@
           <a:p>
             <a:pPr algn="r"/>
             <a:r>
-              <a:rPr lang="en-US" sz="2200" dirty="0" smtClean="0">
+              <a:rPr lang="en-US" sz="2200" dirty="0">
                 <a:solidFill>
                   <a:srgbClr val="000000"/>
                 </a:solidFill>
@@ -17295,21 +17128,6 @@
   <p:clrMapOvr>
     <a:masterClrMapping/>
   </p:clrMapOvr>
-  <mc:AlternateContent xmlns:mc="http://schemas.openxmlformats.org/markup-compatibility/2006">
-    <mc:Choice xmlns:p14="http://schemas.microsoft.com/office/powerpoint/2010/main" Requires="p14">
-      <p:transition spd="slow" p14:dur="2000"/>
-    </mc:Choice>
-    <mc:Fallback>
-      <p:transition spd="slow"/>
-    </mc:Fallback>
-  </mc:AlternateContent>
-  <p:timing>
-    <p:tnLst>
-      <p:par>
-        <p:cTn id="1" dur="indefinite" restart="never" nodeType="tmRoot"/>
-      </p:par>
-    </p:tnLst>
-  </p:timing>
 </p:sld>
 </file>
 
